--- a/Materiale Extra/Use Case Diagram.pptx
+++ b/Materiale Extra/Use Case Diagram.pptx
@@ -263,7 +263,7 @@
           <a:p>
             <a:fld id="{80ED650E-8838-4EF0-9231-2B5BD85C2A91}" type="datetimeFigureOut">
               <a:rPr lang="it-IT" smtClean="0"/>
-              <a:t>14/05/2023</a:t>
+              <a:t>15/05/2023</a:t>
             </a:fld>
             <a:endParaRPr lang="it-IT"/>
           </a:p>
@@ -463,7 +463,7 @@
           <a:p>
             <a:fld id="{80ED650E-8838-4EF0-9231-2B5BD85C2A91}" type="datetimeFigureOut">
               <a:rPr lang="it-IT" smtClean="0"/>
-              <a:t>14/05/2023</a:t>
+              <a:t>15/05/2023</a:t>
             </a:fld>
             <a:endParaRPr lang="it-IT"/>
           </a:p>
@@ -673,7 +673,7 @@
           <a:p>
             <a:fld id="{80ED650E-8838-4EF0-9231-2B5BD85C2A91}" type="datetimeFigureOut">
               <a:rPr lang="it-IT" smtClean="0"/>
-              <a:t>14/05/2023</a:t>
+              <a:t>15/05/2023</a:t>
             </a:fld>
             <a:endParaRPr lang="it-IT"/>
           </a:p>
@@ -873,7 +873,7 @@
           <a:p>
             <a:fld id="{80ED650E-8838-4EF0-9231-2B5BD85C2A91}" type="datetimeFigureOut">
               <a:rPr lang="it-IT" smtClean="0"/>
-              <a:t>14/05/2023</a:t>
+              <a:t>15/05/2023</a:t>
             </a:fld>
             <a:endParaRPr lang="it-IT"/>
           </a:p>
@@ -1149,7 +1149,7 @@
           <a:p>
             <a:fld id="{80ED650E-8838-4EF0-9231-2B5BD85C2A91}" type="datetimeFigureOut">
               <a:rPr lang="it-IT" smtClean="0"/>
-              <a:t>14/05/2023</a:t>
+              <a:t>15/05/2023</a:t>
             </a:fld>
             <a:endParaRPr lang="it-IT"/>
           </a:p>
@@ -1417,7 +1417,7 @@
           <a:p>
             <a:fld id="{80ED650E-8838-4EF0-9231-2B5BD85C2A91}" type="datetimeFigureOut">
               <a:rPr lang="it-IT" smtClean="0"/>
-              <a:t>14/05/2023</a:t>
+              <a:t>15/05/2023</a:t>
             </a:fld>
             <a:endParaRPr lang="it-IT"/>
           </a:p>
@@ -1832,7 +1832,7 @@
           <a:p>
             <a:fld id="{80ED650E-8838-4EF0-9231-2B5BD85C2A91}" type="datetimeFigureOut">
               <a:rPr lang="it-IT" smtClean="0"/>
-              <a:t>14/05/2023</a:t>
+              <a:t>15/05/2023</a:t>
             </a:fld>
             <a:endParaRPr lang="it-IT"/>
           </a:p>
@@ -1974,7 +1974,7 @@
           <a:p>
             <a:fld id="{80ED650E-8838-4EF0-9231-2B5BD85C2A91}" type="datetimeFigureOut">
               <a:rPr lang="it-IT" smtClean="0"/>
-              <a:t>14/05/2023</a:t>
+              <a:t>15/05/2023</a:t>
             </a:fld>
             <a:endParaRPr lang="it-IT"/>
           </a:p>
@@ -2087,7 +2087,7 @@
           <a:p>
             <a:fld id="{80ED650E-8838-4EF0-9231-2B5BD85C2A91}" type="datetimeFigureOut">
               <a:rPr lang="it-IT" smtClean="0"/>
-              <a:t>14/05/2023</a:t>
+              <a:t>15/05/2023</a:t>
             </a:fld>
             <a:endParaRPr lang="it-IT"/>
           </a:p>
@@ -2400,7 +2400,7 @@
           <a:p>
             <a:fld id="{80ED650E-8838-4EF0-9231-2B5BD85C2A91}" type="datetimeFigureOut">
               <a:rPr lang="it-IT" smtClean="0"/>
-              <a:t>14/05/2023</a:t>
+              <a:t>15/05/2023</a:t>
             </a:fld>
             <a:endParaRPr lang="it-IT"/>
           </a:p>
@@ -2689,7 +2689,7 @@
           <a:p>
             <a:fld id="{80ED650E-8838-4EF0-9231-2B5BD85C2A91}" type="datetimeFigureOut">
               <a:rPr lang="it-IT" smtClean="0"/>
-              <a:t>14/05/2023</a:t>
+              <a:t>15/05/2023</a:t>
             </a:fld>
             <a:endParaRPr lang="it-IT"/>
           </a:p>
@@ -2932,7 +2932,7 @@
           <a:p>
             <a:fld id="{80ED650E-8838-4EF0-9231-2B5BD85C2A91}" type="datetimeFigureOut">
               <a:rPr lang="it-IT" smtClean="0"/>
-              <a:t>14/05/2023</a:t>
+              <a:t>15/05/2023</a:t>
             </a:fld>
             <a:endParaRPr lang="it-IT"/>
           </a:p>
@@ -10648,7 +10648,7 @@
         <p:spPr>
           <a:xfrm>
             <a:off x="8289784" y="3288888"/>
-            <a:ext cx="2612572" cy="646331"/>
+            <a:ext cx="2612572" cy="923330"/>
           </a:xfrm>
           <a:prstGeom prst="rect">
             <a:avLst/>
@@ -10691,8 +10691,12 @@
               <a:t>appointment</a:t>
             </a:r>
             <a:r>
+              <a:rPr lang="it-IT"/>
+              <a:t> +15  </a:t>
+            </a:r>
+            <a:r>
               <a:rPr lang="it-IT" dirty="0"/>
-              <a:t> &lt; % </a:t>
+              <a:t>&lt; % </a:t>
             </a:r>
             <a:r>
               <a:rPr lang="it-IT" dirty="0" err="1"/>
@@ -11258,7 +11262,7 @@
         <p:spPr>
           <a:xfrm flipH="1" flipV="1">
             <a:off x="2490001" y="2262615"/>
-            <a:ext cx="8412355" cy="1349439"/>
+            <a:ext cx="8412355" cy="1487938"/>
           </a:xfrm>
           <a:prstGeom prst="bentConnector3">
             <a:avLst>
@@ -11906,7 +11910,7 @@
           <a:p>
             <a:r>
               <a:rPr lang="it-IT" dirty="0"/>
-              <a:t>% </a:t>
+              <a:t>[% </a:t>
             </a:r>
             <a:r>
               <a:rPr lang="it-IT" dirty="0" err="1"/>
@@ -11930,7 +11934,7 @@
             </a:r>
             <a:r>
               <a:rPr lang="it-IT" dirty="0"/>
-              <a:t> * 1,2 (20% more </a:t>
+              <a:t> * 1,2]+15 (20% more </a:t>
             </a:r>
             <a:r>
               <a:rPr lang="it-IT" dirty="0" err="1"/>
@@ -12017,8 +12021,8 @@
         </p:nvCxnSpPr>
         <p:spPr>
           <a:xfrm flipV="1">
-            <a:off x="7193902" y="3612054"/>
-            <a:ext cx="1095882" cy="1789646"/>
+            <a:off x="7193902" y="3750553"/>
+            <a:ext cx="1095882" cy="1651147"/>
           </a:xfrm>
           <a:prstGeom prst="bentConnector3">
             <a:avLst/>
@@ -12108,8 +12112,8 @@
         </p:nvCxnSpPr>
         <p:spPr>
           <a:xfrm flipH="1">
-            <a:off x="4588172" y="3612054"/>
-            <a:ext cx="6314184" cy="2840922"/>
+            <a:off x="4588172" y="3750553"/>
+            <a:ext cx="6314184" cy="2702423"/>
           </a:xfrm>
           <a:prstGeom prst="bentConnector3">
             <a:avLst>

--- a/Materiale Extra/Use Case Diagram.pptx
+++ b/Materiale Extra/Use Case Diagram.pptx
@@ -8,6 +8,7 @@
     <p:sldId id="257" r:id="rId2"/>
     <p:sldId id="259" r:id="rId3"/>
     <p:sldId id="258" r:id="rId4"/>
+    <p:sldId id="260" r:id="rId5"/>
   </p:sldIdLst>
   <p:sldSz cx="12192000" cy="6858000"/>
   <p:notesSz cx="6858000" cy="9144000"/>
@@ -12155,6 +12156,36 @@
 </p:sld>
 </file>
 
+<file path=ppt/slides/slide4.xml><?xml version="1.0" encoding="utf-8"?>
+<p:sld xmlns:a="http://schemas.openxmlformats.org/drawingml/2006/main" xmlns:r="http://schemas.openxmlformats.org/officeDocument/2006/relationships" xmlns:p="http://schemas.openxmlformats.org/presentationml/2006/main">
+  <p:cSld>
+    <p:spTree>
+      <p:nvGrpSpPr>
+        <p:cNvPr id="1" name=""/>
+        <p:cNvGrpSpPr/>
+        <p:nvPr/>
+      </p:nvGrpSpPr>
+      <p:grpSpPr>
+        <a:xfrm>
+          <a:off x="0" y="0"/>
+          <a:ext cx="0" cy="0"/>
+          <a:chOff x="0" y="0"/>
+          <a:chExt cx="0" cy="0"/>
+        </a:xfrm>
+      </p:grpSpPr>
+    </p:spTree>
+    <p:extLst>
+      <p:ext uri="{BB962C8B-B14F-4D97-AF65-F5344CB8AC3E}">
+        <p14:creationId xmlns:p14="http://schemas.microsoft.com/office/powerpoint/2010/main" val="2701571902"/>
+      </p:ext>
+    </p:extLst>
+  </p:cSld>
+  <p:clrMapOvr>
+    <a:masterClrMapping/>
+  </p:clrMapOvr>
+</p:sld>
+</file>
+
 <file path=ppt/theme/theme1.xml><?xml version="1.0" encoding="utf-8"?>
 <a:theme xmlns:a="http://schemas.openxmlformats.org/drawingml/2006/main" name="Office Theme">
   <a:themeElements>

--- a/Materiale Extra/Use Case Diagram.pptx
+++ b/Materiale Extra/Use Case Diagram.pptx
@@ -12173,6 +12173,268 @@
           <a:chExt cx="0" cy="0"/>
         </a:xfrm>
       </p:grpSpPr>
+      <p:sp>
+        <p:nvSpPr>
+          <p:cNvPr id="2" name="TextBox 1">
+            <a:extLst>
+              <a:ext uri="{FF2B5EF4-FFF2-40B4-BE49-F238E27FC236}">
+                <a16:creationId xmlns:a16="http://schemas.microsoft.com/office/drawing/2014/main" id="{464AC640-C85B-D067-7738-4372274FF3B2}"/>
+              </a:ext>
+            </a:extLst>
+          </p:cNvPr>
+          <p:cNvSpPr txBox="1"/>
+          <p:nvPr/>
+        </p:nvSpPr>
+        <p:spPr>
+          <a:xfrm>
+            <a:off x="466531" y="1847461"/>
+            <a:ext cx="2425959" cy="369332"/>
+          </a:xfrm>
+          <a:prstGeom prst="rect">
+            <a:avLst/>
+          </a:prstGeom>
+          <a:noFill/>
+          <a:ln>
+            <a:solidFill>
+              <a:schemeClr val="bg2">
+                <a:lumMod val="25000"/>
+              </a:schemeClr>
+            </a:solidFill>
+          </a:ln>
+        </p:spPr>
+        <p:txBody>
+          <a:bodyPr wrap="square" rtlCol="0">
+            <a:spAutoFit/>
+          </a:bodyPr>
+          <a:lstStyle/>
+          <a:p>
+            <a:r>
+              <a:rPr lang="it-IT" dirty="0" err="1"/>
+              <a:t>Battery</a:t>
+            </a:r>
+            <a:r>
+              <a:rPr lang="it-IT" dirty="0"/>
+              <a:t> </a:t>
+            </a:r>
+            <a:r>
+              <a:rPr lang="it-IT" dirty="0" err="1"/>
+              <a:t>Capacity</a:t>
+            </a:r>
+            <a:r>
+              <a:rPr lang="it-IT" dirty="0"/>
+              <a:t> (KWh)</a:t>
+            </a:r>
+          </a:p>
+        </p:txBody>
+      </p:sp>
+      <p:sp>
+        <p:nvSpPr>
+          <p:cNvPr id="3" name="TextBox 2">
+            <a:extLst>
+              <a:ext uri="{FF2B5EF4-FFF2-40B4-BE49-F238E27FC236}">
+                <a16:creationId xmlns:a16="http://schemas.microsoft.com/office/drawing/2014/main" id="{A42EADD2-8616-E13E-51C3-E55B80A538C7}"/>
+              </a:ext>
+            </a:extLst>
+          </p:cNvPr>
+          <p:cNvSpPr txBox="1"/>
+          <p:nvPr/>
+        </p:nvSpPr>
+        <p:spPr>
+          <a:xfrm>
+            <a:off x="3791338" y="1816564"/>
+            <a:ext cx="3234613" cy="369332"/>
+          </a:xfrm>
+          <a:prstGeom prst="rect">
+            <a:avLst/>
+          </a:prstGeom>
+          <a:noFill/>
+          <a:ln>
+            <a:solidFill>
+              <a:schemeClr val="tx1"/>
+            </a:solidFill>
+          </a:ln>
+        </p:spPr>
+        <p:txBody>
+          <a:bodyPr wrap="square" rtlCol="0">
+            <a:spAutoFit/>
+          </a:bodyPr>
+          <a:lstStyle/>
+          <a:p>
+            <a:r>
+              <a:rPr lang="it-IT" dirty="0" err="1"/>
+              <a:t>Battery</a:t>
+            </a:r>
+            <a:r>
+              <a:rPr lang="it-IT" dirty="0"/>
+              <a:t> </a:t>
+            </a:r>
+            <a:r>
+              <a:rPr lang="it-IT" dirty="0" err="1"/>
+              <a:t>Consumption</a:t>
+            </a:r>
+            <a:r>
+              <a:rPr lang="it-IT" dirty="0"/>
+              <a:t> (km/KWh)</a:t>
+            </a:r>
+          </a:p>
+        </p:txBody>
+      </p:sp>
+      <p:cxnSp>
+        <p:nvCxnSpPr>
+          <p:cNvPr id="5" name="Connector: Elbow 4">
+            <a:extLst>
+              <a:ext uri="{FF2B5EF4-FFF2-40B4-BE49-F238E27FC236}">
+                <a16:creationId xmlns:a16="http://schemas.microsoft.com/office/drawing/2014/main" id="{C881CA23-9814-F44F-F5CD-107EFF1368DF}"/>
+              </a:ext>
+            </a:extLst>
+          </p:cNvPr>
+          <p:cNvCxnSpPr>
+            <a:cxnSpLocks/>
+            <a:stCxn id="2" idx="2"/>
+            <a:endCxn id="6" idx="1"/>
+          </p:cNvCxnSpPr>
+          <p:nvPr/>
+        </p:nvCxnSpPr>
+        <p:spPr>
+          <a:xfrm rot="16200000" flipH="1">
+            <a:off x="1665801" y="2230502"/>
+            <a:ext cx="750542" cy="723123"/>
+          </a:xfrm>
+          <a:prstGeom prst="bentConnector2">
+            <a:avLst/>
+          </a:prstGeom>
+          <a:ln>
+            <a:solidFill>
+              <a:schemeClr val="tx1"/>
+            </a:solidFill>
+            <a:tailEnd type="triangle"/>
+          </a:ln>
+        </p:spPr>
+        <p:style>
+          <a:lnRef idx="1">
+            <a:schemeClr val="accent1"/>
+          </a:lnRef>
+          <a:fillRef idx="0">
+            <a:schemeClr val="accent1"/>
+          </a:fillRef>
+          <a:effectRef idx="0">
+            <a:schemeClr val="accent1"/>
+          </a:effectRef>
+          <a:fontRef idx="minor">
+            <a:schemeClr val="tx1"/>
+          </a:fontRef>
+        </p:style>
+      </p:cxnSp>
+      <p:sp>
+        <p:nvSpPr>
+          <p:cNvPr id="6" name="TextBox 5">
+            <a:extLst>
+              <a:ext uri="{FF2B5EF4-FFF2-40B4-BE49-F238E27FC236}">
+                <a16:creationId xmlns:a16="http://schemas.microsoft.com/office/drawing/2014/main" id="{5C9F25AE-8D17-2B46-B33F-D44C7C94CDDC}"/>
+              </a:ext>
+            </a:extLst>
+          </p:cNvPr>
+          <p:cNvSpPr txBox="1"/>
+          <p:nvPr/>
+        </p:nvSpPr>
+        <p:spPr>
+          <a:xfrm>
+            <a:off x="2402634" y="2505670"/>
+            <a:ext cx="2341984" cy="923330"/>
+          </a:xfrm>
+          <a:prstGeom prst="rect">
+            <a:avLst/>
+          </a:prstGeom>
+          <a:noFill/>
+          <a:ln>
+            <a:solidFill>
+              <a:schemeClr val="tx1"/>
+            </a:solidFill>
+          </a:ln>
+        </p:spPr>
+        <p:txBody>
+          <a:bodyPr wrap="square" rtlCol="0">
+            <a:spAutoFit/>
+          </a:bodyPr>
+          <a:lstStyle/>
+          <a:p>
+            <a:r>
+              <a:rPr lang="it-IT" dirty="0" err="1"/>
+              <a:t>Autonomy</a:t>
+            </a:r>
+            <a:r>
+              <a:rPr lang="it-IT" dirty="0"/>
+              <a:t> of the </a:t>
+            </a:r>
+            <a:r>
+              <a:rPr lang="it-IT" dirty="0" err="1"/>
+              <a:t>electric</a:t>
+            </a:r>
+            <a:r>
+              <a:rPr lang="it-IT" dirty="0"/>
+              <a:t> </a:t>
+            </a:r>
+            <a:r>
+              <a:rPr lang="it-IT" dirty="0" err="1"/>
+              <a:t>vehicle</a:t>
+            </a:r>
+            <a:r>
+              <a:rPr lang="it-IT" dirty="0"/>
+              <a:t> with 100 % of </a:t>
+            </a:r>
+            <a:r>
+              <a:rPr lang="it-IT" dirty="0" err="1"/>
+              <a:t>battery</a:t>
+            </a:r>
+            <a:r>
+              <a:rPr lang="it-IT"/>
+              <a:t> (km)</a:t>
+            </a:r>
+          </a:p>
+        </p:txBody>
+      </p:sp>
+      <p:cxnSp>
+        <p:nvCxnSpPr>
+          <p:cNvPr id="9" name="Connector: Elbow 8">
+            <a:extLst>
+              <a:ext uri="{FF2B5EF4-FFF2-40B4-BE49-F238E27FC236}">
+                <a16:creationId xmlns:a16="http://schemas.microsoft.com/office/drawing/2014/main" id="{23B45D4D-7C2E-9E2B-662A-2FF18073757E}"/>
+              </a:ext>
+            </a:extLst>
+          </p:cNvPr>
+          <p:cNvCxnSpPr>
+            <a:stCxn id="3" idx="2"/>
+            <a:endCxn id="6" idx="3"/>
+          </p:cNvCxnSpPr>
+          <p:nvPr/>
+        </p:nvCxnSpPr>
+        <p:spPr>
+          <a:xfrm rot="5400000">
+            <a:off x="4685913" y="2244602"/>
+            <a:ext cx="781439" cy="664027"/>
+          </a:xfrm>
+          <a:prstGeom prst="bentConnector2">
+            <a:avLst/>
+          </a:prstGeom>
+          <a:ln>
+            <a:tailEnd type="triangle"/>
+          </a:ln>
+        </p:spPr>
+        <p:style>
+          <a:lnRef idx="1">
+            <a:schemeClr val="dk1"/>
+          </a:lnRef>
+          <a:fillRef idx="0">
+            <a:schemeClr val="dk1"/>
+          </a:fillRef>
+          <a:effectRef idx="0">
+            <a:schemeClr val="dk1"/>
+          </a:effectRef>
+          <a:fontRef idx="minor">
+            <a:schemeClr val="tx1"/>
+          </a:fontRef>
+        </p:style>
+      </p:cxnSp>
     </p:spTree>
     <p:extLst>
       <p:ext uri="{BB962C8B-B14F-4D97-AF65-F5344CB8AC3E}">

--- a/Materiale Extra/Use Case Diagram.pptx
+++ b/Materiale Extra/Use Case Diagram.pptx
@@ -264,7 +264,7 @@
           <a:p>
             <a:fld id="{80ED650E-8838-4EF0-9231-2B5BD85C2A91}" type="datetimeFigureOut">
               <a:rPr lang="it-IT" smtClean="0"/>
-              <a:t>15/05/2023</a:t>
+              <a:t>16/05/2023</a:t>
             </a:fld>
             <a:endParaRPr lang="it-IT"/>
           </a:p>
@@ -464,7 +464,7 @@
           <a:p>
             <a:fld id="{80ED650E-8838-4EF0-9231-2B5BD85C2A91}" type="datetimeFigureOut">
               <a:rPr lang="it-IT" smtClean="0"/>
-              <a:t>15/05/2023</a:t>
+              <a:t>16/05/2023</a:t>
             </a:fld>
             <a:endParaRPr lang="it-IT"/>
           </a:p>
@@ -674,7 +674,7 @@
           <a:p>
             <a:fld id="{80ED650E-8838-4EF0-9231-2B5BD85C2A91}" type="datetimeFigureOut">
               <a:rPr lang="it-IT" smtClean="0"/>
-              <a:t>15/05/2023</a:t>
+              <a:t>16/05/2023</a:t>
             </a:fld>
             <a:endParaRPr lang="it-IT"/>
           </a:p>
@@ -874,7 +874,7 @@
           <a:p>
             <a:fld id="{80ED650E-8838-4EF0-9231-2B5BD85C2A91}" type="datetimeFigureOut">
               <a:rPr lang="it-IT" smtClean="0"/>
-              <a:t>15/05/2023</a:t>
+              <a:t>16/05/2023</a:t>
             </a:fld>
             <a:endParaRPr lang="it-IT"/>
           </a:p>
@@ -1150,7 +1150,7 @@
           <a:p>
             <a:fld id="{80ED650E-8838-4EF0-9231-2B5BD85C2A91}" type="datetimeFigureOut">
               <a:rPr lang="it-IT" smtClean="0"/>
-              <a:t>15/05/2023</a:t>
+              <a:t>16/05/2023</a:t>
             </a:fld>
             <a:endParaRPr lang="it-IT"/>
           </a:p>
@@ -1418,7 +1418,7 @@
           <a:p>
             <a:fld id="{80ED650E-8838-4EF0-9231-2B5BD85C2A91}" type="datetimeFigureOut">
               <a:rPr lang="it-IT" smtClean="0"/>
-              <a:t>15/05/2023</a:t>
+              <a:t>16/05/2023</a:t>
             </a:fld>
             <a:endParaRPr lang="it-IT"/>
           </a:p>
@@ -1833,7 +1833,7 @@
           <a:p>
             <a:fld id="{80ED650E-8838-4EF0-9231-2B5BD85C2A91}" type="datetimeFigureOut">
               <a:rPr lang="it-IT" smtClean="0"/>
-              <a:t>15/05/2023</a:t>
+              <a:t>16/05/2023</a:t>
             </a:fld>
             <a:endParaRPr lang="it-IT"/>
           </a:p>
@@ -1975,7 +1975,7 @@
           <a:p>
             <a:fld id="{80ED650E-8838-4EF0-9231-2B5BD85C2A91}" type="datetimeFigureOut">
               <a:rPr lang="it-IT" smtClean="0"/>
-              <a:t>15/05/2023</a:t>
+              <a:t>16/05/2023</a:t>
             </a:fld>
             <a:endParaRPr lang="it-IT"/>
           </a:p>
@@ -2088,7 +2088,7 @@
           <a:p>
             <a:fld id="{80ED650E-8838-4EF0-9231-2B5BD85C2A91}" type="datetimeFigureOut">
               <a:rPr lang="it-IT" smtClean="0"/>
-              <a:t>15/05/2023</a:t>
+              <a:t>16/05/2023</a:t>
             </a:fld>
             <a:endParaRPr lang="it-IT"/>
           </a:p>
@@ -2401,7 +2401,7 @@
           <a:p>
             <a:fld id="{80ED650E-8838-4EF0-9231-2B5BD85C2A91}" type="datetimeFigureOut">
               <a:rPr lang="it-IT" smtClean="0"/>
-              <a:t>15/05/2023</a:t>
+              <a:t>16/05/2023</a:t>
             </a:fld>
             <a:endParaRPr lang="it-IT"/>
           </a:p>
@@ -2690,7 +2690,7 @@
           <a:p>
             <a:fld id="{80ED650E-8838-4EF0-9231-2B5BD85C2A91}" type="datetimeFigureOut">
               <a:rPr lang="it-IT" smtClean="0"/>
-              <a:t>15/05/2023</a:t>
+              <a:t>16/05/2023</a:t>
             </a:fld>
             <a:endParaRPr lang="it-IT"/>
           </a:p>
@@ -2933,7 +2933,7 @@
           <a:p>
             <a:fld id="{80ED650E-8838-4EF0-9231-2B5BD85C2A91}" type="datetimeFigureOut">
               <a:rPr lang="it-IT" smtClean="0"/>
-              <a:t>15/05/2023</a:t>
+              <a:t>16/05/2023</a:t>
             </a:fld>
             <a:endParaRPr lang="it-IT"/>
           </a:p>
@@ -12187,7 +12187,7 @@
         </p:nvSpPr>
         <p:spPr>
           <a:xfrm>
-            <a:off x="466531" y="1847461"/>
+            <a:off x="335902" y="495096"/>
             <a:ext cx="2425959" cy="369332"/>
           </a:xfrm>
           <a:prstGeom prst="rect">
@@ -12241,7 +12241,7 @@
         </p:nvSpPr>
         <p:spPr>
           <a:xfrm>
-            <a:off x="3791338" y="1816564"/>
+            <a:off x="3772677" y="495096"/>
             <a:ext cx="3234613" cy="369332"/>
           </a:xfrm>
           <a:prstGeom prst="rect">
@@ -12297,8 +12297,8 @@
         </p:nvCxnSpPr>
         <p:spPr>
           <a:xfrm rot="16200000" flipH="1">
-            <a:off x="1665801" y="2230502"/>
-            <a:ext cx="750542" cy="723123"/>
+            <a:off x="1626114" y="787196"/>
+            <a:ext cx="699289" cy="853752"/>
           </a:xfrm>
           <a:prstGeom prst="bentConnector2">
             <a:avLst/>
@@ -12339,7 +12339,7 @@
         </p:nvSpPr>
         <p:spPr>
           <a:xfrm>
-            <a:off x="2402634" y="2505670"/>
+            <a:off x="2402634" y="1102052"/>
             <a:ext cx="2341984" cy="923330"/>
           </a:xfrm>
           <a:prstGeom prst="rect">
@@ -12387,7 +12387,7 @@
               <a:t>battery</a:t>
             </a:r>
             <a:r>
-              <a:rPr lang="it-IT"/>
+              <a:rPr lang="it-IT" dirty="0"/>
               <a:t> (km)</a:t>
             </a:r>
           </a:p>
@@ -12410,8 +12410,8 @@
         </p:nvCxnSpPr>
         <p:spPr>
           <a:xfrm rot="5400000">
-            <a:off x="4685913" y="2244602"/>
-            <a:ext cx="781439" cy="664027"/>
+            <a:off x="4717657" y="891389"/>
+            <a:ext cx="699289" cy="645366"/>
           </a:xfrm>
           <a:prstGeom prst="bentConnector2">
             <a:avLst/>
@@ -12435,6 +12435,894 @@
           </a:fontRef>
         </p:style>
       </p:cxnSp>
+      <p:sp>
+        <p:nvSpPr>
+          <p:cNvPr id="11" name="TextBox 10">
+            <a:extLst>
+              <a:ext uri="{FF2B5EF4-FFF2-40B4-BE49-F238E27FC236}">
+                <a16:creationId xmlns:a16="http://schemas.microsoft.com/office/drawing/2014/main" id="{914F1D17-A405-DAE3-1BE2-A4B770C6CF24}"/>
+              </a:ext>
+            </a:extLst>
+          </p:cNvPr>
+          <p:cNvSpPr txBox="1"/>
+          <p:nvPr/>
+        </p:nvSpPr>
+        <p:spPr>
+          <a:xfrm>
+            <a:off x="2402634" y="2279666"/>
+            <a:ext cx="2341984" cy="1477328"/>
+          </a:xfrm>
+          <a:prstGeom prst="rect">
+            <a:avLst/>
+          </a:prstGeom>
+          <a:ln/>
+        </p:spPr>
+        <p:style>
+          <a:lnRef idx="2">
+            <a:schemeClr val="dk1"/>
+          </a:lnRef>
+          <a:fillRef idx="1">
+            <a:schemeClr val="lt1"/>
+          </a:fillRef>
+          <a:effectRef idx="0">
+            <a:schemeClr val="dk1"/>
+          </a:effectRef>
+          <a:fontRef idx="minor">
+            <a:schemeClr val="dk1"/>
+          </a:fontRef>
+        </p:style>
+        <p:txBody>
+          <a:bodyPr wrap="square" rtlCol="0">
+            <a:spAutoFit/>
+          </a:bodyPr>
+          <a:lstStyle/>
+          <a:p>
+            <a:r>
+              <a:rPr lang="it-IT" dirty="0">
+                <a:solidFill>
+                  <a:schemeClr val="tx1"/>
+                </a:solidFill>
+              </a:rPr>
+              <a:t>Km </a:t>
+            </a:r>
+            <a:r>
+              <a:rPr lang="it-IT" dirty="0" err="1">
+                <a:solidFill>
+                  <a:schemeClr val="tx1"/>
+                </a:solidFill>
+              </a:rPr>
+              <a:t>necessary</a:t>
+            </a:r>
+            <a:r>
+              <a:rPr lang="it-IT" dirty="0">
+                <a:solidFill>
+                  <a:schemeClr val="tx1"/>
+                </a:solidFill>
+              </a:rPr>
+              <a:t> to cover </a:t>
+            </a:r>
+            <a:r>
+              <a:rPr lang="it-IT" dirty="0" err="1">
+                <a:solidFill>
+                  <a:schemeClr val="tx1"/>
+                </a:solidFill>
+              </a:rPr>
+              <a:t>all</a:t>
+            </a:r>
+            <a:r>
+              <a:rPr lang="it-IT" dirty="0">
+                <a:solidFill>
+                  <a:schemeClr val="tx1"/>
+                </a:solidFill>
+              </a:rPr>
+              <a:t> the </a:t>
+            </a:r>
+            <a:r>
+              <a:rPr lang="it-IT" dirty="0" err="1">
+                <a:solidFill>
+                  <a:schemeClr val="tx1"/>
+                </a:solidFill>
+              </a:rPr>
+              <a:t>daily</a:t>
+            </a:r>
+            <a:r>
+              <a:rPr lang="it-IT" dirty="0">
+                <a:solidFill>
+                  <a:schemeClr val="tx1"/>
+                </a:solidFill>
+              </a:rPr>
+              <a:t> </a:t>
+            </a:r>
+            <a:r>
+              <a:rPr lang="it-IT" dirty="0" err="1">
+                <a:solidFill>
+                  <a:schemeClr val="tx1"/>
+                </a:solidFill>
+              </a:rPr>
+              <a:t>appointment</a:t>
+            </a:r>
+            <a:r>
+              <a:rPr lang="it-IT" dirty="0">
+                <a:solidFill>
+                  <a:schemeClr val="tx1"/>
+                </a:solidFill>
+              </a:rPr>
+              <a:t> &gt; max </a:t>
+            </a:r>
+            <a:r>
+              <a:rPr lang="it-IT" dirty="0" err="1">
+                <a:solidFill>
+                  <a:schemeClr val="tx1"/>
+                </a:solidFill>
+              </a:rPr>
+              <a:t>autonomy</a:t>
+            </a:r>
+            <a:r>
+              <a:rPr lang="it-IT" dirty="0">
+                <a:solidFill>
+                  <a:schemeClr val="tx1"/>
+                </a:solidFill>
+              </a:rPr>
+              <a:t> in km of out </a:t>
+            </a:r>
+            <a:r>
+              <a:rPr lang="it-IT" dirty="0" err="1">
+                <a:solidFill>
+                  <a:schemeClr val="tx1"/>
+                </a:solidFill>
+              </a:rPr>
+              <a:t>battery</a:t>
+            </a:r>
+            <a:r>
+              <a:rPr lang="it-IT" dirty="0">
+                <a:solidFill>
+                  <a:schemeClr val="tx1"/>
+                </a:solidFill>
+              </a:rPr>
+              <a:t>?</a:t>
+            </a:r>
+          </a:p>
+        </p:txBody>
+      </p:sp>
+      <p:sp>
+        <p:nvSpPr>
+          <p:cNvPr id="12" name="Rectangle: Rounded Corners 11">
+            <a:extLst>
+              <a:ext uri="{FF2B5EF4-FFF2-40B4-BE49-F238E27FC236}">
+                <a16:creationId xmlns:a16="http://schemas.microsoft.com/office/drawing/2014/main" id="{50B1221B-245C-FDE2-4805-E426743115B4}"/>
+              </a:ext>
+            </a:extLst>
+          </p:cNvPr>
+          <p:cNvSpPr/>
+          <p:nvPr/>
+        </p:nvSpPr>
+        <p:spPr>
+          <a:xfrm>
+            <a:off x="4441371" y="4086808"/>
+            <a:ext cx="45719" cy="45719"/>
+          </a:xfrm>
+          <a:prstGeom prst="roundRect">
+            <a:avLst/>
+          </a:prstGeom>
+        </p:spPr>
+        <p:style>
+          <a:lnRef idx="2">
+            <a:schemeClr val="accent1">
+              <a:shade val="50000"/>
+            </a:schemeClr>
+          </a:lnRef>
+          <a:fillRef idx="1">
+            <a:schemeClr val="accent1"/>
+          </a:fillRef>
+          <a:effectRef idx="0">
+            <a:schemeClr val="accent1"/>
+          </a:effectRef>
+          <a:fontRef idx="minor">
+            <a:schemeClr val="lt1"/>
+          </a:fontRef>
+        </p:style>
+        <p:txBody>
+          <a:bodyPr rtlCol="0" anchor="ctr"/>
+          <a:lstStyle/>
+          <a:p>
+            <a:pPr algn="ctr"/>
+            <a:endParaRPr lang="it-IT"/>
+          </a:p>
+        </p:txBody>
+      </p:sp>
+      <p:cxnSp>
+        <p:nvCxnSpPr>
+          <p:cNvPr id="17" name="Straight Arrow Connector 16">
+            <a:extLst>
+              <a:ext uri="{FF2B5EF4-FFF2-40B4-BE49-F238E27FC236}">
+                <a16:creationId xmlns:a16="http://schemas.microsoft.com/office/drawing/2014/main" id="{683D2F95-7046-F2CB-8FAA-EEBCA79D1641}"/>
+              </a:ext>
+            </a:extLst>
+          </p:cNvPr>
+          <p:cNvCxnSpPr>
+            <a:stCxn id="6" idx="2"/>
+            <a:endCxn id="11" idx="0"/>
+          </p:cNvCxnSpPr>
+          <p:nvPr/>
+        </p:nvCxnSpPr>
+        <p:spPr>
+          <a:xfrm>
+            <a:off x="3573626" y="2025382"/>
+            <a:ext cx="0" cy="254284"/>
+          </a:xfrm>
+          <a:prstGeom prst="straightConnector1">
+            <a:avLst/>
+          </a:prstGeom>
+          <a:ln>
+            <a:tailEnd type="triangle"/>
+          </a:ln>
+        </p:spPr>
+        <p:style>
+          <a:lnRef idx="1">
+            <a:schemeClr val="dk1"/>
+          </a:lnRef>
+          <a:fillRef idx="0">
+            <a:schemeClr val="dk1"/>
+          </a:fillRef>
+          <a:effectRef idx="0">
+            <a:schemeClr val="dk1"/>
+          </a:effectRef>
+          <a:fontRef idx="minor">
+            <a:schemeClr val="tx1"/>
+          </a:fontRef>
+        </p:style>
+      </p:cxnSp>
+      <p:cxnSp>
+        <p:nvCxnSpPr>
+          <p:cNvPr id="22" name="Connector: Elbow 21">
+            <a:extLst>
+              <a:ext uri="{FF2B5EF4-FFF2-40B4-BE49-F238E27FC236}">
+                <a16:creationId xmlns:a16="http://schemas.microsoft.com/office/drawing/2014/main" id="{9248C5B4-BC1E-376A-5820-4CD3604B8DC6}"/>
+              </a:ext>
+            </a:extLst>
+          </p:cNvPr>
+          <p:cNvCxnSpPr>
+            <a:cxnSpLocks/>
+            <a:stCxn id="11" idx="1"/>
+            <a:endCxn id="26" idx="0"/>
+          </p:cNvCxnSpPr>
+          <p:nvPr/>
+        </p:nvCxnSpPr>
+        <p:spPr>
+          <a:xfrm rot="10800000" flipV="1">
+            <a:off x="1362270" y="3018330"/>
+            <a:ext cx="1040364" cy="992948"/>
+          </a:xfrm>
+          <a:prstGeom prst="bentConnector2">
+            <a:avLst/>
+          </a:prstGeom>
+          <a:ln>
+            <a:solidFill>
+              <a:schemeClr val="tx1"/>
+            </a:solidFill>
+            <a:tailEnd type="triangle"/>
+          </a:ln>
+        </p:spPr>
+        <p:style>
+          <a:lnRef idx="1">
+            <a:schemeClr val="dk1"/>
+          </a:lnRef>
+          <a:fillRef idx="0">
+            <a:schemeClr val="dk1"/>
+          </a:fillRef>
+          <a:effectRef idx="0">
+            <a:schemeClr val="dk1"/>
+          </a:effectRef>
+          <a:fontRef idx="minor">
+            <a:schemeClr val="tx1"/>
+          </a:fontRef>
+        </p:style>
+      </p:cxnSp>
+      <p:sp>
+        <p:nvSpPr>
+          <p:cNvPr id="26" name="TextBox 25">
+            <a:extLst>
+              <a:ext uri="{FF2B5EF4-FFF2-40B4-BE49-F238E27FC236}">
+                <a16:creationId xmlns:a16="http://schemas.microsoft.com/office/drawing/2014/main" id="{7FFC9C16-B325-6356-701B-8516938F30AD}"/>
+              </a:ext>
+            </a:extLst>
+          </p:cNvPr>
+          <p:cNvSpPr txBox="1"/>
+          <p:nvPr/>
+        </p:nvSpPr>
+        <p:spPr>
+          <a:xfrm>
+            <a:off x="191278" y="4011278"/>
+            <a:ext cx="2341984" cy="2308324"/>
+          </a:xfrm>
+          <a:prstGeom prst="rect">
+            <a:avLst/>
+          </a:prstGeom>
+          <a:noFill/>
+          <a:ln>
+            <a:solidFill>
+              <a:schemeClr val="tx1"/>
+            </a:solidFill>
+          </a:ln>
+        </p:spPr>
+        <p:txBody>
+          <a:bodyPr wrap="square" rtlCol="0">
+            <a:spAutoFit/>
+          </a:bodyPr>
+          <a:lstStyle/>
+          <a:p>
+            <a:r>
+              <a:rPr lang="it-IT" dirty="0" err="1"/>
+              <a:t>Send</a:t>
+            </a:r>
+            <a:r>
+              <a:rPr lang="it-IT" dirty="0"/>
+              <a:t> an </a:t>
+            </a:r>
+            <a:r>
+              <a:rPr lang="it-IT" dirty="0" err="1"/>
+              <a:t>alert</a:t>
+            </a:r>
+            <a:r>
+              <a:rPr lang="it-IT" dirty="0"/>
+              <a:t> to </a:t>
+            </a:r>
+            <a:r>
+              <a:rPr lang="it-IT" dirty="0" err="1"/>
+              <a:t>communicate</a:t>
+            </a:r>
+            <a:r>
+              <a:rPr lang="it-IT" dirty="0"/>
+              <a:t> to the USER </a:t>
+            </a:r>
+            <a:r>
+              <a:rPr lang="it-IT" dirty="0" err="1"/>
+              <a:t>that</a:t>
+            </a:r>
+            <a:r>
+              <a:rPr lang="it-IT" dirty="0"/>
+              <a:t> the </a:t>
+            </a:r>
+            <a:r>
+              <a:rPr lang="it-IT" dirty="0" err="1"/>
+              <a:t>number</a:t>
+            </a:r>
+            <a:r>
+              <a:rPr lang="it-IT" dirty="0"/>
+              <a:t> of </a:t>
+            </a:r>
+            <a:r>
+              <a:rPr lang="it-IT" dirty="0" err="1"/>
+              <a:t>total</a:t>
+            </a:r>
+            <a:r>
+              <a:rPr lang="it-IT" dirty="0"/>
+              <a:t> km </a:t>
+            </a:r>
+            <a:r>
+              <a:rPr lang="it-IT" dirty="0" err="1"/>
+              <a:t>is</a:t>
+            </a:r>
+            <a:r>
+              <a:rPr lang="it-IT" dirty="0"/>
+              <a:t> </a:t>
+            </a:r>
+            <a:r>
+              <a:rPr lang="it-IT" dirty="0" err="1"/>
+              <a:t>too</a:t>
+            </a:r>
+            <a:r>
+              <a:rPr lang="it-IT" dirty="0"/>
+              <a:t> high so </a:t>
+            </a:r>
+            <a:r>
+              <a:rPr lang="it-IT" dirty="0" err="1"/>
+              <a:t>may</a:t>
+            </a:r>
+            <a:r>
+              <a:rPr lang="it-IT" dirty="0"/>
+              <a:t> be </a:t>
+            </a:r>
+            <a:r>
+              <a:rPr lang="it-IT" dirty="0" err="1"/>
+              <a:t>necessary</a:t>
+            </a:r>
+            <a:r>
+              <a:rPr lang="it-IT" dirty="0"/>
+              <a:t> to </a:t>
+            </a:r>
+            <a:r>
+              <a:rPr lang="it-IT" dirty="0" err="1"/>
+              <a:t>recharge</a:t>
+            </a:r>
+            <a:r>
+              <a:rPr lang="it-IT" dirty="0"/>
+              <a:t> the car </a:t>
+            </a:r>
+            <a:r>
+              <a:rPr lang="it-IT" dirty="0" err="1"/>
+              <a:t>between</a:t>
+            </a:r>
+            <a:r>
+              <a:rPr lang="it-IT" dirty="0"/>
+              <a:t> 2 </a:t>
+            </a:r>
+            <a:r>
+              <a:rPr lang="it-IT" dirty="0" err="1"/>
+              <a:t>appointment</a:t>
+            </a:r>
+            <a:r>
+              <a:rPr lang="it-IT" dirty="0"/>
+              <a:t>. </a:t>
+            </a:r>
+          </a:p>
+        </p:txBody>
+      </p:sp>
+      <p:cxnSp>
+        <p:nvCxnSpPr>
+          <p:cNvPr id="45" name="Connector: Elbow 44">
+            <a:extLst>
+              <a:ext uri="{FF2B5EF4-FFF2-40B4-BE49-F238E27FC236}">
+                <a16:creationId xmlns:a16="http://schemas.microsoft.com/office/drawing/2014/main" id="{593A449A-8104-444E-7CD2-E0FFD728459B}"/>
+              </a:ext>
+            </a:extLst>
+          </p:cNvPr>
+          <p:cNvCxnSpPr>
+            <a:cxnSpLocks/>
+            <a:stCxn id="11" idx="3"/>
+            <a:endCxn id="47" idx="0"/>
+          </p:cNvCxnSpPr>
+          <p:nvPr/>
+        </p:nvCxnSpPr>
+        <p:spPr>
+          <a:xfrm>
+            <a:off x="4744618" y="3018330"/>
+            <a:ext cx="858415" cy="1103463"/>
+          </a:xfrm>
+          <a:prstGeom prst="bentConnector2">
+            <a:avLst/>
+          </a:prstGeom>
+          <a:ln>
+            <a:tailEnd type="triangle"/>
+          </a:ln>
+        </p:spPr>
+        <p:style>
+          <a:lnRef idx="1">
+            <a:schemeClr val="dk1"/>
+          </a:lnRef>
+          <a:fillRef idx="0">
+            <a:schemeClr val="dk1"/>
+          </a:fillRef>
+          <a:effectRef idx="0">
+            <a:schemeClr val="dk1"/>
+          </a:effectRef>
+          <a:fontRef idx="minor">
+            <a:schemeClr val="tx1"/>
+          </a:fontRef>
+        </p:style>
+      </p:cxnSp>
+      <p:sp>
+        <p:nvSpPr>
+          <p:cNvPr id="47" name="TextBox 46">
+            <a:extLst>
+              <a:ext uri="{FF2B5EF4-FFF2-40B4-BE49-F238E27FC236}">
+                <a16:creationId xmlns:a16="http://schemas.microsoft.com/office/drawing/2014/main" id="{2E854C92-1311-1426-191D-48B10531A6C2}"/>
+              </a:ext>
+            </a:extLst>
+          </p:cNvPr>
+          <p:cNvSpPr txBox="1"/>
+          <p:nvPr/>
+        </p:nvSpPr>
+        <p:spPr>
+          <a:xfrm>
+            <a:off x="4432041" y="4121793"/>
+            <a:ext cx="2341984" cy="1477328"/>
+          </a:xfrm>
+          <a:prstGeom prst="rect">
+            <a:avLst/>
+          </a:prstGeom>
+          <a:noFill/>
+          <a:ln>
+            <a:solidFill>
+              <a:schemeClr val="tx1"/>
+            </a:solidFill>
+          </a:ln>
+        </p:spPr>
+        <p:txBody>
+          <a:bodyPr wrap="square" rtlCol="0">
+            <a:spAutoFit/>
+          </a:bodyPr>
+          <a:lstStyle/>
+          <a:p>
+            <a:r>
+              <a:rPr lang="it-IT" dirty="0" err="1"/>
+              <a:t>Send</a:t>
+            </a:r>
+            <a:r>
+              <a:rPr lang="it-IT" dirty="0"/>
+              <a:t> to the control strategy the </a:t>
+            </a:r>
+            <a:r>
+              <a:rPr lang="it-IT" dirty="0" err="1"/>
+              <a:t>value</a:t>
+            </a:r>
+            <a:r>
+              <a:rPr lang="it-IT" dirty="0"/>
+              <a:t> of the </a:t>
+            </a:r>
+            <a:r>
+              <a:rPr lang="it-IT" dirty="0" err="1"/>
+              <a:t>battery’s</a:t>
+            </a:r>
+            <a:r>
+              <a:rPr lang="it-IT" dirty="0"/>
+              <a:t> </a:t>
+            </a:r>
+            <a:r>
+              <a:rPr lang="it-IT" dirty="0" err="1"/>
+              <a:t>percentage</a:t>
+            </a:r>
+            <a:r>
+              <a:rPr lang="it-IT" dirty="0"/>
+              <a:t> </a:t>
+            </a:r>
+            <a:r>
+              <a:rPr lang="it-IT" dirty="0" err="1"/>
+              <a:t>necessary</a:t>
+            </a:r>
+            <a:r>
+              <a:rPr lang="it-IT" dirty="0"/>
+              <a:t> for the following day. </a:t>
+            </a:r>
+          </a:p>
+        </p:txBody>
+      </p:sp>
+      <mc:AlternateContent xmlns:mc="http://schemas.openxmlformats.org/markup-compatibility/2006">
+        <mc:Choice xmlns:a14="http://schemas.microsoft.com/office/drawing/2010/main" Requires="a14">
+          <p:sp>
+            <p:nvSpPr>
+              <p:cNvPr id="58" name="TextBox 57">
+                <a:extLst>
+                  <a:ext uri="{FF2B5EF4-FFF2-40B4-BE49-F238E27FC236}">
+                    <a16:creationId xmlns:a16="http://schemas.microsoft.com/office/drawing/2014/main" id="{C3D4CA3A-1CA7-380D-1239-A96BC2930A5C}"/>
+                  </a:ext>
+                </a:extLst>
+              </p:cNvPr>
+              <p:cNvSpPr txBox="1"/>
+              <p:nvPr/>
+            </p:nvSpPr>
+            <p:spPr>
+              <a:xfrm>
+                <a:off x="4329405" y="6319602"/>
+                <a:ext cx="3240246" cy="424283"/>
+              </a:xfrm>
+              <a:prstGeom prst="rect">
+                <a:avLst/>
+              </a:prstGeom>
+              <a:noFill/>
+            </p:spPr>
+            <p:txBody>
+              <a:bodyPr wrap="none" lIns="0" tIns="0" rIns="0" bIns="0" rtlCol="0">
+                <a:spAutoFit/>
+              </a:bodyPr>
+              <a:lstStyle/>
+              <a:p>
+                <a:r>
+                  <a:rPr lang="en-US" dirty="0"/>
+                  <a:t>Battery </a:t>
+                </a:r>
+                <a14:m>
+                  <m:oMath xmlns:m="http://schemas.openxmlformats.org/officeDocument/2006/math">
+                    <m:r>
+                      <a:rPr lang="en-US" i="1" smtClean="0">
+                        <a:latin typeface="Cambria Math" panose="02040503050406030204" pitchFamily="18" charset="0"/>
+                      </a:rPr>
+                      <m:t>=</m:t>
+                    </m:r>
+                    <m:f>
+                      <m:fPr>
+                        <m:ctrlPr>
+                          <a:rPr lang="en-US" i="1" smtClean="0">
+                            <a:latin typeface="Cambria Math" panose="02040503050406030204" pitchFamily="18" charset="0"/>
+                          </a:rPr>
+                        </m:ctrlPr>
+                      </m:fPr>
+                      <m:num>
+                        <m:r>
+                          <a:rPr lang="it-IT" b="0" i="1" smtClean="0">
+                            <a:latin typeface="Cambria Math" panose="02040503050406030204" pitchFamily="18" charset="0"/>
+                          </a:rPr>
+                          <m:t>𝐸𝑛𝑒𝑟𝑔𝑦𝑁𝑒𝑐𝑒𝑠𝑠𝑎𝑟𝑦</m:t>
+                        </m:r>
+                        <m:r>
+                          <a:rPr lang="it-IT" b="0" i="1" smtClean="0">
+                            <a:latin typeface="Cambria Math" panose="02040503050406030204" pitchFamily="18" charset="0"/>
+                          </a:rPr>
+                          <m:t>∗100</m:t>
+                        </m:r>
+                      </m:num>
+                      <m:den>
+                        <m:r>
+                          <a:rPr lang="it-IT" b="0" i="1" smtClean="0">
+                            <a:latin typeface="Cambria Math" panose="02040503050406030204" pitchFamily="18" charset="0"/>
+                          </a:rPr>
+                          <m:t>𝐵𝑎𝑡𝑡𝑒𝑟𝑦</m:t>
+                        </m:r>
+                        <m:r>
+                          <a:rPr lang="it-IT" b="0" i="1" smtClean="0">
+                            <a:latin typeface="Cambria Math" panose="02040503050406030204" pitchFamily="18" charset="0"/>
+                          </a:rPr>
+                          <m:t> </m:t>
+                        </m:r>
+                        <m:r>
+                          <a:rPr lang="it-IT" b="0" i="1" smtClean="0">
+                            <a:latin typeface="Cambria Math" panose="02040503050406030204" pitchFamily="18" charset="0"/>
+                          </a:rPr>
+                          <m:t>𝐶𝑎𝑝𝑎𝑐𝑖𝑡𝑦</m:t>
+                        </m:r>
+                      </m:den>
+                    </m:f>
+                  </m:oMath>
+                </a14:m>
+                <a:r>
+                  <a:rPr lang="en-US" dirty="0"/>
+                  <a:t> [%] </a:t>
+                </a:r>
+                <a:endParaRPr lang="it-IT" dirty="0"/>
+              </a:p>
+            </p:txBody>
+          </p:sp>
+        </mc:Choice>
+        <mc:Fallback>
+          <p:sp>
+            <p:nvSpPr>
+              <p:cNvPr id="58" name="TextBox 57">
+                <a:extLst>
+                  <a:ext uri="{FF2B5EF4-FFF2-40B4-BE49-F238E27FC236}">
+                    <a16:creationId xmlns:a16="http://schemas.microsoft.com/office/drawing/2014/main" id="{C3D4CA3A-1CA7-380D-1239-A96BC2930A5C}"/>
+                  </a:ext>
+                </a:extLst>
+              </p:cNvPr>
+              <p:cNvSpPr txBox="1">
+                <a:spLocks noRot="1" noChangeAspect="1" noMove="1" noResize="1" noEditPoints="1" noAdjustHandles="1" noChangeArrowheads="1" noChangeShapeType="1" noTextEdit="1"/>
+              </p:cNvSpPr>
+              <p:nvPr/>
+            </p:nvSpPr>
+            <p:spPr>
+              <a:xfrm>
+                <a:off x="4329405" y="6319602"/>
+                <a:ext cx="3240246" cy="424283"/>
+              </a:xfrm>
+              <a:prstGeom prst="rect">
+                <a:avLst/>
+              </a:prstGeom>
+              <a:blipFill>
+                <a:blip r:embed="rId2"/>
+                <a:stretch>
+                  <a:fillRect l="-4323" t="-4348" r="-3383" b="-18841"/>
+                </a:stretch>
+              </a:blipFill>
+            </p:spPr>
+            <p:txBody>
+              <a:bodyPr/>
+              <a:lstStyle/>
+              <a:p>
+                <a:r>
+                  <a:rPr lang="it-IT">
+                    <a:noFill/>
+                  </a:rPr>
+                  <a:t> </a:t>
+                </a:r>
+              </a:p>
+            </p:txBody>
+          </p:sp>
+        </mc:Fallback>
+      </mc:AlternateContent>
+      <mc:AlternateContent xmlns:mc="http://schemas.openxmlformats.org/markup-compatibility/2006">
+        <mc:Choice xmlns:a14="http://schemas.microsoft.com/office/drawing/2010/main" Requires="a14">
+          <p:sp>
+            <p:nvSpPr>
+              <p:cNvPr id="59" name="TextBox 58">
+                <a:extLst>
+                  <a:ext uri="{FF2B5EF4-FFF2-40B4-BE49-F238E27FC236}">
+                    <a16:creationId xmlns:a16="http://schemas.microsoft.com/office/drawing/2014/main" id="{DBC875CF-146A-FCD1-7640-48369E273BDA}"/>
+                  </a:ext>
+                </a:extLst>
+              </p:cNvPr>
+              <p:cNvSpPr txBox="1"/>
+              <p:nvPr/>
+            </p:nvSpPr>
+            <p:spPr>
+              <a:xfrm>
+                <a:off x="3932972" y="5778610"/>
+                <a:ext cx="4326056" cy="429926"/>
+              </a:xfrm>
+              <a:prstGeom prst="rect">
+                <a:avLst/>
+              </a:prstGeom>
+              <a:noFill/>
+            </p:spPr>
+            <p:txBody>
+              <a:bodyPr wrap="square" lIns="0" tIns="0" rIns="0" bIns="0" rtlCol="0">
+                <a:spAutoFit/>
+              </a:bodyPr>
+              <a:lstStyle/>
+              <a:p>
+                <a:r>
+                  <a:rPr lang="en-US" dirty="0"/>
+                  <a:t>EnergyNecessary </a:t>
+                </a:r>
+                <a14:m>
+                  <m:oMath xmlns:m="http://schemas.openxmlformats.org/officeDocument/2006/math">
+                    <m:r>
+                      <a:rPr lang="en-US" i="1" smtClean="0">
+                        <a:latin typeface="Cambria Math" panose="02040503050406030204" pitchFamily="18" charset="0"/>
+                      </a:rPr>
+                      <m:t>=</m:t>
+                    </m:r>
+                    <m:f>
+                      <m:fPr>
+                        <m:ctrlPr>
+                          <a:rPr lang="en-US" i="1" smtClean="0">
+                            <a:latin typeface="Cambria Math" panose="02040503050406030204" pitchFamily="18" charset="0"/>
+                          </a:rPr>
+                        </m:ctrlPr>
+                      </m:fPr>
+                      <m:num>
+                        <m:r>
+                          <a:rPr lang="it-IT" b="0" i="1" smtClean="0">
+                            <a:latin typeface="Cambria Math" panose="02040503050406030204" pitchFamily="18" charset="0"/>
+                          </a:rPr>
+                          <m:t>𝑁𝑢𝑚𝑏𝑒𝑟𝐾𝑚𝑃𝑒𝑟𝐷𝑎𝑦</m:t>
+                        </m:r>
+                      </m:num>
+                      <m:den>
+                        <m:r>
+                          <a:rPr lang="it-IT" b="0" i="1" smtClean="0">
+                            <a:latin typeface="Cambria Math" panose="02040503050406030204" pitchFamily="18" charset="0"/>
+                          </a:rPr>
+                          <m:t>𝐵𝑎𝑡𝑡𝑒𝑟𝑦</m:t>
+                        </m:r>
+                        <m:r>
+                          <a:rPr lang="it-IT" b="0" i="1" smtClean="0">
+                            <a:latin typeface="Cambria Math" panose="02040503050406030204" pitchFamily="18" charset="0"/>
+                          </a:rPr>
+                          <m:t> </m:t>
+                        </m:r>
+                        <m:r>
+                          <a:rPr lang="it-IT" b="0" i="1" smtClean="0">
+                            <a:latin typeface="Cambria Math" panose="02040503050406030204" pitchFamily="18" charset="0"/>
+                          </a:rPr>
+                          <m:t>𝐶𝑜𝑛𝑠𝑢𝑚𝑝𝑡𝑖𝑜𝑛</m:t>
+                        </m:r>
+                      </m:den>
+                    </m:f>
+                  </m:oMath>
+                </a14:m>
+                <a:r>
+                  <a:rPr lang="en-US" sz="1400" dirty="0"/>
+                  <a:t>[KWh] </a:t>
+                </a:r>
+                <a:endParaRPr lang="it-IT" sz="1400" dirty="0"/>
+              </a:p>
+            </p:txBody>
+          </p:sp>
+        </mc:Choice>
+        <mc:Fallback>
+          <p:sp>
+            <p:nvSpPr>
+              <p:cNvPr id="59" name="TextBox 58">
+                <a:extLst>
+                  <a:ext uri="{FF2B5EF4-FFF2-40B4-BE49-F238E27FC236}">
+                    <a16:creationId xmlns:a16="http://schemas.microsoft.com/office/drawing/2014/main" id="{DBC875CF-146A-FCD1-7640-48369E273BDA}"/>
+                  </a:ext>
+                </a:extLst>
+              </p:cNvPr>
+              <p:cNvSpPr txBox="1">
+                <a:spLocks noRot="1" noChangeAspect="1" noMove="1" noResize="1" noEditPoints="1" noAdjustHandles="1" noChangeArrowheads="1" noChangeShapeType="1" noTextEdit="1"/>
+              </p:cNvSpPr>
+              <p:nvPr/>
+            </p:nvSpPr>
+            <p:spPr>
+              <a:xfrm>
+                <a:off x="3932972" y="5778610"/>
+                <a:ext cx="4326056" cy="429926"/>
+              </a:xfrm>
+              <a:prstGeom prst="rect">
+                <a:avLst/>
+              </a:prstGeom>
+              <a:blipFill>
+                <a:blip r:embed="rId3"/>
+                <a:stretch>
+                  <a:fillRect l="-3239" t="-2857" b="-18571"/>
+                </a:stretch>
+              </a:blipFill>
+            </p:spPr>
+            <p:txBody>
+              <a:bodyPr/>
+              <a:lstStyle/>
+              <a:p>
+                <a:r>
+                  <a:rPr lang="it-IT">
+                    <a:noFill/>
+                  </a:rPr>
+                  <a:t> </a:t>
+                </a:r>
+              </a:p>
+            </p:txBody>
+          </p:sp>
+        </mc:Fallback>
+      </mc:AlternateContent>
+      <p:sp>
+        <p:nvSpPr>
+          <p:cNvPr id="60" name="TextBox 59">
+            <a:extLst>
+              <a:ext uri="{FF2B5EF4-FFF2-40B4-BE49-F238E27FC236}">
+                <a16:creationId xmlns:a16="http://schemas.microsoft.com/office/drawing/2014/main" id="{F1D404DA-9BD3-4463-7AF5-2D9018A338B8}"/>
+              </a:ext>
+            </a:extLst>
+          </p:cNvPr>
+          <p:cNvSpPr txBox="1"/>
+          <p:nvPr/>
+        </p:nvSpPr>
+        <p:spPr>
+          <a:xfrm>
+            <a:off x="1679511" y="2729974"/>
+            <a:ext cx="592495" cy="369332"/>
+          </a:xfrm>
+          <a:prstGeom prst="rect">
+            <a:avLst/>
+          </a:prstGeom>
+          <a:noFill/>
+        </p:spPr>
+        <p:txBody>
+          <a:bodyPr wrap="square" rtlCol="0">
+            <a:spAutoFit/>
+          </a:bodyPr>
+          <a:lstStyle/>
+          <a:p>
+            <a:r>
+              <a:rPr lang="it-IT" dirty="0"/>
+              <a:t>Yes</a:t>
+            </a:r>
+          </a:p>
+        </p:txBody>
+      </p:sp>
+      <p:sp>
+        <p:nvSpPr>
+          <p:cNvPr id="61" name="TextBox 60">
+            <a:extLst>
+              <a:ext uri="{FF2B5EF4-FFF2-40B4-BE49-F238E27FC236}">
+                <a16:creationId xmlns:a16="http://schemas.microsoft.com/office/drawing/2014/main" id="{907C5806-C0F4-64D3-4F31-7F8CC96B5EF8}"/>
+              </a:ext>
+            </a:extLst>
+          </p:cNvPr>
+          <p:cNvSpPr txBox="1"/>
+          <p:nvPr/>
+        </p:nvSpPr>
+        <p:spPr>
+          <a:xfrm>
+            <a:off x="5008206" y="2631506"/>
+            <a:ext cx="592495" cy="369332"/>
+          </a:xfrm>
+          <a:prstGeom prst="rect">
+            <a:avLst/>
+          </a:prstGeom>
+          <a:noFill/>
+        </p:spPr>
+        <p:txBody>
+          <a:bodyPr wrap="square" rtlCol="0">
+            <a:spAutoFit/>
+          </a:bodyPr>
+          <a:lstStyle/>
+          <a:p>
+            <a:r>
+              <a:rPr lang="it-IT" dirty="0"/>
+              <a:t>No</a:t>
+            </a:r>
+          </a:p>
+        </p:txBody>
+      </p:sp>
     </p:spTree>
     <p:extLst>
       <p:ext uri="{BB962C8B-B14F-4D97-AF65-F5344CB8AC3E}">

--- a/Materiale Extra/Use Case Diagram.pptx
+++ b/Materiale Extra/Use Case Diagram.pptx
@@ -10305,8 +10305,8 @@
         </p:nvSpPr>
         <p:spPr>
           <a:xfrm>
-            <a:off x="5375938" y="44933"/>
-            <a:ext cx="640782" cy="369332"/>
+            <a:off x="1838750" y="134019"/>
+            <a:ext cx="1571693" cy="369332"/>
           </a:xfrm>
           <a:prstGeom prst="rect">
             <a:avLst/>
@@ -10325,8 +10325,12 @@
           <a:lstStyle/>
           <a:p>
             <a:r>
+              <a:rPr lang="it-IT" dirty="0" err="1"/>
+              <a:t>ManualFlag</a:t>
+            </a:r>
+            <a:r>
               <a:rPr lang="it-IT" dirty="0"/>
-              <a:t>Start </a:t>
+              <a:t>=2 </a:t>
             </a:r>
           </a:p>
         </p:txBody>
@@ -10345,7 +10349,7 @@
         </p:nvSpPr>
         <p:spPr>
           <a:xfrm>
-            <a:off x="4350083" y="615157"/>
+            <a:off x="1278351" y="625410"/>
             <a:ext cx="2692492" cy="323165"/>
           </a:xfrm>
           <a:prstGeom prst="rect">
@@ -10394,7 +10398,7 @@
         </p:nvSpPr>
         <p:spPr>
           <a:xfrm>
-            <a:off x="4122372" y="1143438"/>
+            <a:off x="1050640" y="1109951"/>
             <a:ext cx="3147913" cy="369332"/>
           </a:xfrm>
           <a:prstGeom prst="rect">
@@ -10443,7 +10447,7 @@
         </p:nvSpPr>
         <p:spPr>
           <a:xfrm>
-            <a:off x="387456" y="3247139"/>
+            <a:off x="387456" y="2994929"/>
             <a:ext cx="2766426" cy="646331"/>
           </a:xfrm>
           <a:prstGeom prst="rect">
@@ -10552,7 +10556,7 @@
         </p:nvSpPr>
         <p:spPr>
           <a:xfrm>
-            <a:off x="1923014" y="5206481"/>
+            <a:off x="783696" y="5101764"/>
             <a:ext cx="1248483" cy="369332"/>
           </a:xfrm>
           <a:prstGeom prst="rect">
@@ -10596,7 +10600,7 @@
         </p:nvSpPr>
         <p:spPr>
           <a:xfrm>
-            <a:off x="4338734" y="5078534"/>
+            <a:off x="2696492" y="4963265"/>
             <a:ext cx="2855168" cy="646331"/>
           </a:xfrm>
           <a:prstGeom prst="rect">
@@ -10648,7 +10652,7 @@
         </p:nvSpPr>
         <p:spPr>
           <a:xfrm>
-            <a:off x="8289784" y="3288888"/>
+            <a:off x="6484928" y="3279910"/>
             <a:ext cx="2612572" cy="923330"/>
           </a:xfrm>
           <a:prstGeom prst="rect">
@@ -10726,7 +10730,7 @@
         <p:spPr>
           <a:xfrm flipV="1">
             <a:off x="1770669" y="2436913"/>
-            <a:ext cx="0" cy="810226"/>
+            <a:ext cx="0" cy="558016"/>
           </a:xfrm>
           <a:prstGeom prst="straightConnector1">
             <a:avLst/>
@@ -10770,9 +10774,9 @@
           <p:nvPr/>
         </p:nvCxnSpPr>
         <p:spPr>
-          <a:xfrm>
-            <a:off x="1770669" y="3893470"/>
-            <a:ext cx="0" cy="512811"/>
+          <a:xfrm flipH="1">
+            <a:off x="1770330" y="3641260"/>
+            <a:ext cx="339" cy="428785"/>
           </a:xfrm>
           <a:prstGeom prst="straightConnector1">
             <a:avLst/>
@@ -10817,8 +10821,8 @@
         </p:nvCxnSpPr>
         <p:spPr>
           <a:xfrm>
-            <a:off x="3171497" y="5391147"/>
-            <a:ext cx="1167237" cy="10553"/>
+            <a:off x="2032179" y="5286430"/>
+            <a:ext cx="664313" cy="1"/>
           </a:xfrm>
           <a:prstGeom prst="straightConnector1">
             <a:avLst/>
@@ -10898,7 +10902,7 @@
         </p:nvSpPr>
         <p:spPr>
           <a:xfrm>
-            <a:off x="1340833" y="4855323"/>
+            <a:off x="523920" y="4536440"/>
             <a:ext cx="485518" cy="369332"/>
           </a:xfrm>
           <a:prstGeom prst="rect">
@@ -10933,8 +10937,1523 @@
         </p:nvSpPr>
         <p:spPr>
           <a:xfrm>
-            <a:off x="3208820" y="6268310"/>
+            <a:off x="3283481" y="6268310"/>
             <a:ext cx="1379352" cy="369332"/>
+          </a:xfrm>
+          <a:prstGeom prst="rect">
+            <a:avLst/>
+          </a:prstGeom>
+          <a:noFill/>
+          <a:ln w="28575">
+            <a:solidFill>
+              <a:srgbClr val="00B050"/>
+            </a:solidFill>
+          </a:ln>
+        </p:spPr>
+        <p:txBody>
+          <a:bodyPr wrap="none" rtlCol="0">
+            <a:spAutoFit/>
+          </a:bodyPr>
+          <a:lstStyle/>
+          <a:p>
+            <a:r>
+              <a:rPr lang="it-IT" b="1" dirty="0" err="1">
+                <a:solidFill>
+                  <a:schemeClr val="accent6">
+                    <a:lumMod val="75000"/>
+                  </a:schemeClr>
+                </a:solidFill>
+              </a:rPr>
+              <a:t>Actuator</a:t>
+            </a:r>
+            <a:r>
+              <a:rPr lang="it-IT" b="1" dirty="0">
+                <a:solidFill>
+                  <a:schemeClr val="accent6">
+                    <a:lumMod val="75000"/>
+                  </a:schemeClr>
+                </a:solidFill>
+              </a:rPr>
+              <a:t> ON</a:t>
+            </a:r>
+          </a:p>
+        </p:txBody>
+      </p:sp>
+      <p:cxnSp>
+        <p:nvCxnSpPr>
+          <p:cNvPr id="31" name="Connector: Elbow 30">
+            <a:extLst>
+              <a:ext uri="{FF2B5EF4-FFF2-40B4-BE49-F238E27FC236}">
+                <a16:creationId xmlns:a16="http://schemas.microsoft.com/office/drawing/2014/main" id="{2F09E8B5-8BF5-AE31-4622-20C872E302D7}"/>
+              </a:ext>
+            </a:extLst>
+          </p:cNvPr>
+          <p:cNvCxnSpPr>
+            <a:cxnSpLocks/>
+            <a:stCxn id="12" idx="2"/>
+            <a:endCxn id="29" idx="1"/>
+          </p:cNvCxnSpPr>
+          <p:nvPr/>
+        </p:nvCxnSpPr>
+        <p:spPr>
+          <a:xfrm rot="16200000" flipH="1">
+            <a:off x="1854769" y="5024264"/>
+            <a:ext cx="981880" cy="1875543"/>
+          </a:xfrm>
+          <a:prstGeom prst="bentConnector2">
+            <a:avLst/>
+          </a:prstGeom>
+          <a:ln w="28575">
+            <a:solidFill>
+              <a:srgbClr val="00B050"/>
+            </a:solidFill>
+            <a:tailEnd type="triangle"/>
+          </a:ln>
+        </p:spPr>
+        <p:style>
+          <a:lnRef idx="1">
+            <a:schemeClr val="accent1"/>
+          </a:lnRef>
+          <a:fillRef idx="0">
+            <a:schemeClr val="accent1"/>
+          </a:fillRef>
+          <a:effectRef idx="0">
+            <a:schemeClr val="accent1"/>
+          </a:effectRef>
+          <a:fontRef idx="minor">
+            <a:schemeClr val="tx1"/>
+          </a:fontRef>
+        </p:style>
+      </p:cxnSp>
+      <p:sp>
+        <p:nvSpPr>
+          <p:cNvPr id="32" name="TextBox 31">
+            <a:extLst>
+              <a:ext uri="{FF2B5EF4-FFF2-40B4-BE49-F238E27FC236}">
+                <a16:creationId xmlns:a16="http://schemas.microsoft.com/office/drawing/2014/main" id="{A1BD8DFA-E72C-AA30-3E5B-8CF0F9E2EFFA}"/>
+              </a:ext>
+            </a:extLst>
+          </p:cNvPr>
+          <p:cNvSpPr txBox="1"/>
+          <p:nvPr/>
+        </p:nvSpPr>
+        <p:spPr>
+          <a:xfrm>
+            <a:off x="1926902" y="6089252"/>
+            <a:ext cx="515984" cy="369332"/>
+          </a:xfrm>
+          <a:prstGeom prst="rect">
+            <a:avLst/>
+          </a:prstGeom>
+          <a:noFill/>
+        </p:spPr>
+        <p:txBody>
+          <a:bodyPr wrap="square" rtlCol="0">
+            <a:spAutoFit/>
+          </a:bodyPr>
+          <a:lstStyle/>
+          <a:p>
+            <a:r>
+              <a:rPr lang="it-IT" b="1" dirty="0">
+                <a:solidFill>
+                  <a:schemeClr val="accent6">
+                    <a:lumMod val="75000"/>
+                  </a:schemeClr>
+                </a:solidFill>
+              </a:rPr>
+              <a:t>Yes</a:t>
+            </a:r>
+          </a:p>
+        </p:txBody>
+      </p:sp>
+      <p:sp>
+        <p:nvSpPr>
+          <p:cNvPr id="33" name="TextBox 32">
+            <a:extLst>
+              <a:ext uri="{FF2B5EF4-FFF2-40B4-BE49-F238E27FC236}">
+                <a16:creationId xmlns:a16="http://schemas.microsoft.com/office/drawing/2014/main" id="{7F09CE17-CD0D-D42C-AB1F-816F71BB5287}"/>
+              </a:ext>
+            </a:extLst>
+          </p:cNvPr>
+          <p:cNvSpPr txBox="1"/>
+          <p:nvPr/>
+        </p:nvSpPr>
+        <p:spPr>
+          <a:xfrm>
+            <a:off x="2108077" y="4997655"/>
+            <a:ext cx="455574" cy="369332"/>
+          </a:xfrm>
+          <a:prstGeom prst="rect">
+            <a:avLst/>
+          </a:prstGeom>
+          <a:noFill/>
+        </p:spPr>
+        <p:txBody>
+          <a:bodyPr wrap="none" rtlCol="0">
+            <a:spAutoFit/>
+          </a:bodyPr>
+          <a:lstStyle/>
+          <a:p>
+            <a:r>
+              <a:rPr lang="it-IT" dirty="0"/>
+              <a:t>No</a:t>
+            </a:r>
+          </a:p>
+        </p:txBody>
+      </p:sp>
+      <p:sp>
+        <p:nvSpPr>
+          <p:cNvPr id="36" name="TextBox 35">
+            <a:extLst>
+              <a:ext uri="{FF2B5EF4-FFF2-40B4-BE49-F238E27FC236}">
+                <a16:creationId xmlns:a16="http://schemas.microsoft.com/office/drawing/2014/main" id="{304085D0-06EB-308F-C2EC-10065C3CEC60}"/>
+              </a:ext>
+            </a:extLst>
+          </p:cNvPr>
+          <p:cNvSpPr txBox="1"/>
+          <p:nvPr/>
+        </p:nvSpPr>
+        <p:spPr>
+          <a:xfrm>
+            <a:off x="6043185" y="4978821"/>
+            <a:ext cx="485518" cy="369332"/>
+          </a:xfrm>
+          <a:prstGeom prst="rect">
+            <a:avLst/>
+          </a:prstGeom>
+          <a:noFill/>
+        </p:spPr>
+        <p:txBody>
+          <a:bodyPr wrap="none" rtlCol="0">
+            <a:spAutoFit/>
+          </a:bodyPr>
+          <a:lstStyle/>
+          <a:p>
+            <a:r>
+              <a:rPr lang="it-IT" dirty="0"/>
+              <a:t>Yes</a:t>
+            </a:r>
+          </a:p>
+        </p:txBody>
+      </p:sp>
+      <p:sp>
+        <p:nvSpPr>
+          <p:cNvPr id="37" name="TextBox 36">
+            <a:extLst>
+              <a:ext uri="{FF2B5EF4-FFF2-40B4-BE49-F238E27FC236}">
+                <a16:creationId xmlns:a16="http://schemas.microsoft.com/office/drawing/2014/main" id="{DA26C347-7ADC-1899-8C84-15AA7440AB60}"/>
+              </a:ext>
+            </a:extLst>
+          </p:cNvPr>
+          <p:cNvSpPr txBox="1"/>
+          <p:nvPr/>
+        </p:nvSpPr>
+        <p:spPr>
+          <a:xfrm>
+            <a:off x="5998403" y="3464576"/>
+            <a:ext cx="455574" cy="369332"/>
+          </a:xfrm>
+          <a:prstGeom prst="rect">
+            <a:avLst/>
+          </a:prstGeom>
+          <a:noFill/>
+        </p:spPr>
+        <p:txBody>
+          <a:bodyPr wrap="square" rtlCol="0">
+            <a:spAutoFit/>
+          </a:bodyPr>
+          <a:lstStyle/>
+          <a:p>
+            <a:r>
+              <a:rPr lang="it-IT" dirty="0"/>
+              <a:t>No</a:t>
+            </a:r>
+          </a:p>
+        </p:txBody>
+      </p:sp>
+      <p:cxnSp>
+        <p:nvCxnSpPr>
+          <p:cNvPr id="39" name="Connector: Elbow 38">
+            <a:extLst>
+              <a:ext uri="{FF2B5EF4-FFF2-40B4-BE49-F238E27FC236}">
+                <a16:creationId xmlns:a16="http://schemas.microsoft.com/office/drawing/2014/main" id="{8756AEFF-6C73-4FDF-2E9C-EFFFAE7DE5A3}"/>
+              </a:ext>
+            </a:extLst>
+          </p:cNvPr>
+          <p:cNvCxnSpPr>
+            <a:cxnSpLocks/>
+            <a:stCxn id="48" idx="2"/>
+            <a:endCxn id="29" idx="3"/>
+          </p:cNvCxnSpPr>
+          <p:nvPr/>
+        </p:nvCxnSpPr>
+        <p:spPr>
+          <a:xfrm rot="5400000">
+            <a:off x="5988944" y="4566785"/>
+            <a:ext cx="560080" cy="3212302"/>
+          </a:xfrm>
+          <a:prstGeom prst="bentConnector2">
+            <a:avLst/>
+          </a:prstGeom>
+          <a:ln w="19050">
+            <a:solidFill>
+              <a:srgbClr val="FF0000"/>
+            </a:solidFill>
+          </a:ln>
+        </p:spPr>
+        <p:style>
+          <a:lnRef idx="1">
+            <a:schemeClr val="accent1"/>
+          </a:lnRef>
+          <a:fillRef idx="0">
+            <a:schemeClr val="accent1"/>
+          </a:fillRef>
+          <a:effectRef idx="0">
+            <a:schemeClr val="accent1"/>
+          </a:effectRef>
+          <a:fontRef idx="minor">
+            <a:schemeClr val="tx1"/>
+          </a:fontRef>
+        </p:style>
+      </p:cxnSp>
+      <p:sp>
+        <p:nvSpPr>
+          <p:cNvPr id="40" name="TextBox 39">
+            <a:extLst>
+              <a:ext uri="{FF2B5EF4-FFF2-40B4-BE49-F238E27FC236}">
+                <a16:creationId xmlns:a16="http://schemas.microsoft.com/office/drawing/2014/main" id="{91356743-3CFE-2044-B5CE-95A4A411F691}"/>
+              </a:ext>
+            </a:extLst>
+          </p:cNvPr>
+          <p:cNvSpPr txBox="1"/>
+          <p:nvPr/>
+        </p:nvSpPr>
+        <p:spPr>
+          <a:xfrm>
+            <a:off x="5571128" y="6123734"/>
+            <a:ext cx="493212" cy="369332"/>
+          </a:xfrm>
+          <a:prstGeom prst="rect">
+            <a:avLst/>
+          </a:prstGeom>
+          <a:noFill/>
+        </p:spPr>
+        <p:txBody>
+          <a:bodyPr wrap="none" rtlCol="0">
+            <a:spAutoFit/>
+          </a:bodyPr>
+          <a:lstStyle/>
+          <a:p>
+            <a:r>
+              <a:rPr lang="it-IT" b="1" dirty="0">
+                <a:solidFill>
+                  <a:schemeClr val="accent6">
+                    <a:lumMod val="75000"/>
+                  </a:schemeClr>
+                </a:solidFill>
+              </a:rPr>
+              <a:t>Yes</a:t>
+            </a:r>
+          </a:p>
+        </p:txBody>
+      </p:sp>
+      <p:cxnSp>
+        <p:nvCxnSpPr>
+          <p:cNvPr id="43" name="Connector: Elbow 42">
+            <a:extLst>
+              <a:ext uri="{FF2B5EF4-FFF2-40B4-BE49-F238E27FC236}">
+                <a16:creationId xmlns:a16="http://schemas.microsoft.com/office/drawing/2014/main" id="{B2C367B5-6F78-BF8D-BFFB-2400E26CEE31}"/>
+              </a:ext>
+            </a:extLst>
+          </p:cNvPr>
+          <p:cNvCxnSpPr>
+            <a:cxnSpLocks/>
+            <a:stCxn id="14" idx="3"/>
+            <a:endCxn id="11" idx="3"/>
+          </p:cNvCxnSpPr>
+          <p:nvPr/>
+        </p:nvCxnSpPr>
+        <p:spPr>
+          <a:xfrm flipH="1" flipV="1">
+            <a:off x="2490001" y="2252247"/>
+            <a:ext cx="6607499" cy="1489328"/>
+          </a:xfrm>
+          <a:prstGeom prst="bentConnector3">
+            <a:avLst>
+              <a:gd name="adj1" fmla="val -3460"/>
+            </a:avLst>
+          </a:prstGeom>
+          <a:ln w="28575">
+            <a:solidFill>
+              <a:srgbClr val="FF0000"/>
+            </a:solidFill>
+            <a:tailEnd type="triangle"/>
+          </a:ln>
+        </p:spPr>
+        <p:style>
+          <a:lnRef idx="1">
+            <a:schemeClr val="accent1"/>
+          </a:lnRef>
+          <a:fillRef idx="0">
+            <a:schemeClr val="accent1"/>
+          </a:fillRef>
+          <a:effectRef idx="0">
+            <a:schemeClr val="accent1"/>
+          </a:effectRef>
+          <a:fontRef idx="minor">
+            <a:schemeClr val="tx1"/>
+          </a:fontRef>
+        </p:style>
+      </p:cxnSp>
+      <p:sp>
+        <p:nvSpPr>
+          <p:cNvPr id="44" name="TextBox 43">
+            <a:extLst>
+              <a:ext uri="{FF2B5EF4-FFF2-40B4-BE49-F238E27FC236}">
+                <a16:creationId xmlns:a16="http://schemas.microsoft.com/office/drawing/2014/main" id="{15A3D78C-2376-D655-E415-66C063ABCC33}"/>
+              </a:ext>
+            </a:extLst>
+          </p:cNvPr>
+          <p:cNvSpPr txBox="1"/>
+          <p:nvPr/>
+        </p:nvSpPr>
+        <p:spPr>
+          <a:xfrm>
+            <a:off x="8718828" y="1952612"/>
+            <a:ext cx="460382" cy="369332"/>
+          </a:xfrm>
+          <a:prstGeom prst="rect">
+            <a:avLst/>
+          </a:prstGeom>
+          <a:noFill/>
+        </p:spPr>
+        <p:txBody>
+          <a:bodyPr wrap="none" rtlCol="0">
+            <a:spAutoFit/>
+          </a:bodyPr>
+          <a:lstStyle/>
+          <a:p>
+            <a:r>
+              <a:rPr lang="it-IT" b="1" dirty="0">
+                <a:solidFill>
+                  <a:srgbClr val="FF0000"/>
+                </a:solidFill>
+              </a:rPr>
+              <a:t>No</a:t>
+            </a:r>
+          </a:p>
+        </p:txBody>
+      </p:sp>
+      <p:sp>
+        <p:nvSpPr>
+          <p:cNvPr id="45" name="Rectangle: Rounded Corners 44">
+            <a:extLst>
+              <a:ext uri="{FF2B5EF4-FFF2-40B4-BE49-F238E27FC236}">
+                <a16:creationId xmlns:a16="http://schemas.microsoft.com/office/drawing/2014/main" id="{7E6BB968-478F-1091-CCE3-C6748DF3F8BE}"/>
+              </a:ext>
+            </a:extLst>
+          </p:cNvPr>
+          <p:cNvSpPr/>
+          <p:nvPr/>
+        </p:nvSpPr>
+        <p:spPr>
+          <a:xfrm>
+            <a:off x="195682" y="1782722"/>
+            <a:ext cx="9888241" cy="4940660"/>
+          </a:xfrm>
+          <a:prstGeom prst="roundRect">
+            <a:avLst/>
+          </a:prstGeom>
+          <a:noFill/>
+          <a:ln w="28575">
+            <a:prstDash val="sysDot"/>
+          </a:ln>
+        </p:spPr>
+        <p:style>
+          <a:lnRef idx="2">
+            <a:schemeClr val="accent6"/>
+          </a:lnRef>
+          <a:fillRef idx="1">
+            <a:schemeClr val="lt1"/>
+          </a:fillRef>
+          <a:effectRef idx="0">
+            <a:schemeClr val="accent6"/>
+          </a:effectRef>
+          <a:fontRef idx="minor">
+            <a:schemeClr val="dk1"/>
+          </a:fontRef>
+        </p:style>
+        <p:txBody>
+          <a:bodyPr rtlCol="0" anchor="ctr"/>
+          <a:lstStyle/>
+          <a:p>
+            <a:pPr algn="ctr"/>
+            <a:endParaRPr lang="it-IT"/>
+          </a:p>
+        </p:txBody>
+      </p:sp>
+      <p:cxnSp>
+        <p:nvCxnSpPr>
+          <p:cNvPr id="47" name="Straight Arrow Connector 46">
+            <a:extLst>
+              <a:ext uri="{FF2B5EF4-FFF2-40B4-BE49-F238E27FC236}">
+                <a16:creationId xmlns:a16="http://schemas.microsoft.com/office/drawing/2014/main" id="{94F2DE27-305F-B68D-885F-136D69328174}"/>
+              </a:ext>
+            </a:extLst>
+          </p:cNvPr>
+          <p:cNvCxnSpPr>
+            <a:cxnSpLocks/>
+            <a:stCxn id="6" idx="2"/>
+            <a:endCxn id="7" idx="0"/>
+          </p:cNvCxnSpPr>
+          <p:nvPr/>
+        </p:nvCxnSpPr>
+        <p:spPr>
+          <a:xfrm>
+            <a:off x="2624597" y="503351"/>
+            <a:ext cx="0" cy="122059"/>
+          </a:xfrm>
+          <a:prstGeom prst="straightConnector1">
+            <a:avLst/>
+          </a:prstGeom>
+          <a:ln>
+            <a:solidFill>
+              <a:schemeClr val="tx1"/>
+            </a:solidFill>
+            <a:tailEnd type="triangle"/>
+          </a:ln>
+        </p:spPr>
+        <p:style>
+          <a:lnRef idx="1">
+            <a:schemeClr val="accent1"/>
+          </a:lnRef>
+          <a:fillRef idx="0">
+            <a:schemeClr val="accent1"/>
+          </a:fillRef>
+          <a:effectRef idx="0">
+            <a:schemeClr val="accent1"/>
+          </a:effectRef>
+          <a:fontRef idx="minor">
+            <a:schemeClr val="tx1"/>
+          </a:fontRef>
+        </p:style>
+      </p:cxnSp>
+      <p:cxnSp>
+        <p:nvCxnSpPr>
+          <p:cNvPr id="52" name="Straight Arrow Connector 51">
+            <a:extLst>
+              <a:ext uri="{FF2B5EF4-FFF2-40B4-BE49-F238E27FC236}">
+                <a16:creationId xmlns:a16="http://schemas.microsoft.com/office/drawing/2014/main" id="{A360DAD6-8B33-C183-0B48-D090244E99DF}"/>
+              </a:ext>
+            </a:extLst>
+          </p:cNvPr>
+          <p:cNvCxnSpPr>
+            <a:cxnSpLocks/>
+            <a:stCxn id="7" idx="2"/>
+            <a:endCxn id="9" idx="0"/>
+          </p:cNvCxnSpPr>
+          <p:nvPr/>
+        </p:nvCxnSpPr>
+        <p:spPr>
+          <a:xfrm>
+            <a:off x="2624597" y="948575"/>
+            <a:ext cx="0" cy="161376"/>
+          </a:xfrm>
+          <a:prstGeom prst="straightConnector1">
+            <a:avLst/>
+          </a:prstGeom>
+          <a:ln>
+            <a:solidFill>
+              <a:schemeClr val="tx1"/>
+            </a:solidFill>
+            <a:tailEnd type="triangle"/>
+          </a:ln>
+        </p:spPr>
+        <p:style>
+          <a:lnRef idx="1">
+            <a:schemeClr val="accent1"/>
+          </a:lnRef>
+          <a:fillRef idx="0">
+            <a:schemeClr val="accent1"/>
+          </a:fillRef>
+          <a:effectRef idx="0">
+            <a:schemeClr val="accent1"/>
+          </a:effectRef>
+          <a:fontRef idx="minor">
+            <a:schemeClr val="tx1"/>
+          </a:fontRef>
+        </p:style>
+      </p:cxnSp>
+      <p:cxnSp>
+        <p:nvCxnSpPr>
+          <p:cNvPr id="62" name="Connector: Elbow 61">
+            <a:extLst>
+              <a:ext uri="{FF2B5EF4-FFF2-40B4-BE49-F238E27FC236}">
+                <a16:creationId xmlns:a16="http://schemas.microsoft.com/office/drawing/2014/main" id="{E3BC6293-DBBF-349F-E06D-0941F0C975CA}"/>
+              </a:ext>
+            </a:extLst>
+          </p:cNvPr>
+          <p:cNvCxnSpPr>
+            <a:stCxn id="9" idx="1"/>
+            <a:endCxn id="7" idx="1"/>
+          </p:cNvCxnSpPr>
+          <p:nvPr/>
+        </p:nvCxnSpPr>
+        <p:spPr>
+          <a:xfrm rot="10800000" flipH="1">
+            <a:off x="1050639" y="786993"/>
+            <a:ext cx="227711" cy="507624"/>
+          </a:xfrm>
+          <a:prstGeom prst="bentConnector3">
+            <a:avLst>
+              <a:gd name="adj1" fmla="val -100390"/>
+            </a:avLst>
+          </a:prstGeom>
+          <a:ln>
+            <a:solidFill>
+              <a:schemeClr val="tx1"/>
+            </a:solidFill>
+            <a:tailEnd type="triangle"/>
+          </a:ln>
+        </p:spPr>
+        <p:style>
+          <a:lnRef idx="1">
+            <a:schemeClr val="dk1"/>
+          </a:lnRef>
+          <a:fillRef idx="0">
+            <a:schemeClr val="dk1"/>
+          </a:fillRef>
+          <a:effectRef idx="0">
+            <a:schemeClr val="dk1"/>
+          </a:effectRef>
+          <a:fontRef idx="minor">
+            <a:schemeClr val="tx1"/>
+          </a:fontRef>
+        </p:style>
+      </p:cxnSp>
+      <p:sp>
+        <p:nvSpPr>
+          <p:cNvPr id="63" name="TextBox 62">
+            <a:extLst>
+              <a:ext uri="{FF2B5EF4-FFF2-40B4-BE49-F238E27FC236}">
+                <a16:creationId xmlns:a16="http://schemas.microsoft.com/office/drawing/2014/main" id="{E3925543-8884-0413-91EA-1991A51014B1}"/>
+              </a:ext>
+            </a:extLst>
+          </p:cNvPr>
+          <p:cNvSpPr txBox="1"/>
+          <p:nvPr/>
+        </p:nvSpPr>
+        <p:spPr>
+          <a:xfrm>
+            <a:off x="1097774" y="4070045"/>
+            <a:ext cx="1345112" cy="369332"/>
+          </a:xfrm>
+          <a:prstGeom prst="rect">
+            <a:avLst/>
+          </a:prstGeom>
+          <a:noFill/>
+          <a:ln>
+            <a:solidFill>
+              <a:schemeClr val="tx1"/>
+            </a:solidFill>
+          </a:ln>
+        </p:spPr>
+        <p:txBody>
+          <a:bodyPr wrap="none" rtlCol="0">
+            <a:spAutoFit/>
+          </a:bodyPr>
+          <a:lstStyle/>
+          <a:p>
+            <a:r>
+              <a:rPr lang="it-IT" dirty="0"/>
+              <a:t>Solar </a:t>
+            </a:r>
+            <a:r>
+              <a:rPr lang="it-IT" dirty="0" err="1"/>
+              <a:t>Pannel</a:t>
+            </a:r>
+            <a:endParaRPr lang="it-IT" dirty="0"/>
+          </a:p>
+        </p:txBody>
+      </p:sp>
+      <p:cxnSp>
+        <p:nvCxnSpPr>
+          <p:cNvPr id="67" name="Connector: Elbow 66">
+            <a:extLst>
+              <a:ext uri="{FF2B5EF4-FFF2-40B4-BE49-F238E27FC236}">
+                <a16:creationId xmlns:a16="http://schemas.microsoft.com/office/drawing/2014/main" id="{1B891E73-C6C9-F645-56B1-A9F85453BAAA}"/>
+              </a:ext>
+            </a:extLst>
+          </p:cNvPr>
+          <p:cNvCxnSpPr>
+            <a:cxnSpLocks/>
+            <a:stCxn id="63" idx="1"/>
+            <a:endCxn id="12" idx="1"/>
+          </p:cNvCxnSpPr>
+          <p:nvPr/>
+        </p:nvCxnSpPr>
+        <p:spPr>
+          <a:xfrm rot="10800000" flipV="1">
+            <a:off x="783696" y="4254710"/>
+            <a:ext cx="314078" cy="1031719"/>
+          </a:xfrm>
+          <a:prstGeom prst="bentConnector3">
+            <a:avLst>
+              <a:gd name="adj1" fmla="val 172784"/>
+            </a:avLst>
+          </a:prstGeom>
+          <a:ln>
+            <a:solidFill>
+              <a:schemeClr val="tx1"/>
+            </a:solidFill>
+            <a:tailEnd type="triangle"/>
+          </a:ln>
+        </p:spPr>
+        <p:style>
+          <a:lnRef idx="1">
+            <a:schemeClr val="accent1"/>
+          </a:lnRef>
+          <a:fillRef idx="0">
+            <a:schemeClr val="accent1"/>
+          </a:fillRef>
+          <a:effectRef idx="0">
+            <a:schemeClr val="accent1"/>
+          </a:effectRef>
+          <a:fontRef idx="minor">
+            <a:schemeClr val="tx1"/>
+          </a:fontRef>
+        </p:style>
+      </p:cxnSp>
+      <p:sp>
+        <p:nvSpPr>
+          <p:cNvPr id="69" name="TextBox 68">
+            <a:extLst>
+              <a:ext uri="{FF2B5EF4-FFF2-40B4-BE49-F238E27FC236}">
+                <a16:creationId xmlns:a16="http://schemas.microsoft.com/office/drawing/2014/main" id="{DDBB4E3A-E190-57D1-CB7A-2A29F8610E24}"/>
+              </a:ext>
+            </a:extLst>
+          </p:cNvPr>
+          <p:cNvSpPr txBox="1"/>
+          <p:nvPr/>
+        </p:nvSpPr>
+        <p:spPr>
+          <a:xfrm>
+            <a:off x="1304042" y="3702416"/>
+            <a:ext cx="485518" cy="646331"/>
+          </a:xfrm>
+          <a:prstGeom prst="rect">
+            <a:avLst/>
+          </a:prstGeom>
+          <a:noFill/>
+        </p:spPr>
+        <p:txBody>
+          <a:bodyPr wrap="none" rtlCol="0">
+            <a:spAutoFit/>
+          </a:bodyPr>
+          <a:lstStyle/>
+          <a:p>
+            <a:r>
+              <a:rPr lang="it-IT" dirty="0"/>
+              <a:t>Yes</a:t>
+            </a:r>
+          </a:p>
+          <a:p>
+            <a:endParaRPr lang="it-IT" dirty="0"/>
+          </a:p>
+        </p:txBody>
+      </p:sp>
+      <p:cxnSp>
+        <p:nvCxnSpPr>
+          <p:cNvPr id="71" name="Connector: Elbow 70">
+            <a:extLst>
+              <a:ext uri="{FF2B5EF4-FFF2-40B4-BE49-F238E27FC236}">
+                <a16:creationId xmlns:a16="http://schemas.microsoft.com/office/drawing/2014/main" id="{388AC8F0-0472-1665-BECC-81DAE07CBDFE}"/>
+              </a:ext>
+            </a:extLst>
+          </p:cNvPr>
+          <p:cNvCxnSpPr>
+            <a:stCxn id="63" idx="3"/>
+            <a:endCxn id="13" idx="0"/>
+          </p:cNvCxnSpPr>
+          <p:nvPr/>
+        </p:nvCxnSpPr>
+        <p:spPr>
+          <a:xfrm>
+            <a:off x="2442886" y="4254711"/>
+            <a:ext cx="1681190" cy="708554"/>
+          </a:xfrm>
+          <a:prstGeom prst="bentConnector2">
+            <a:avLst/>
+          </a:prstGeom>
+          <a:ln>
+            <a:solidFill>
+              <a:schemeClr val="tx1"/>
+            </a:solidFill>
+            <a:tailEnd type="triangle"/>
+          </a:ln>
+        </p:spPr>
+        <p:style>
+          <a:lnRef idx="1">
+            <a:schemeClr val="accent1"/>
+          </a:lnRef>
+          <a:fillRef idx="0">
+            <a:schemeClr val="accent1"/>
+          </a:fillRef>
+          <a:effectRef idx="0">
+            <a:schemeClr val="accent1"/>
+          </a:effectRef>
+          <a:fontRef idx="minor">
+            <a:schemeClr val="tx1"/>
+          </a:fontRef>
+        </p:style>
+      </p:cxnSp>
+      <p:sp>
+        <p:nvSpPr>
+          <p:cNvPr id="72" name="TextBox 71">
+            <a:extLst>
+              <a:ext uri="{FF2B5EF4-FFF2-40B4-BE49-F238E27FC236}">
+                <a16:creationId xmlns:a16="http://schemas.microsoft.com/office/drawing/2014/main" id="{16751FD6-4174-4B13-2A69-7BEADB5F4C7F}"/>
+              </a:ext>
+            </a:extLst>
+          </p:cNvPr>
+          <p:cNvSpPr txBox="1"/>
+          <p:nvPr/>
+        </p:nvSpPr>
+        <p:spPr>
+          <a:xfrm>
+            <a:off x="3650854" y="4439377"/>
+            <a:ext cx="455574" cy="369332"/>
+          </a:xfrm>
+          <a:prstGeom prst="rect">
+            <a:avLst/>
+          </a:prstGeom>
+          <a:noFill/>
+        </p:spPr>
+        <p:txBody>
+          <a:bodyPr wrap="none" rtlCol="0">
+            <a:spAutoFit/>
+          </a:bodyPr>
+          <a:lstStyle/>
+          <a:p>
+            <a:r>
+              <a:rPr lang="it-IT" dirty="0"/>
+              <a:t>No</a:t>
+            </a:r>
+          </a:p>
+        </p:txBody>
+      </p:sp>
+      <p:sp>
+        <p:nvSpPr>
+          <p:cNvPr id="89" name="Rectangle: Rounded Corners 88">
+            <a:extLst>
+              <a:ext uri="{FF2B5EF4-FFF2-40B4-BE49-F238E27FC236}">
+                <a16:creationId xmlns:a16="http://schemas.microsoft.com/office/drawing/2014/main" id="{CF4821FD-0D05-B7E4-3FF6-B1BD7602461B}"/>
+              </a:ext>
+            </a:extLst>
+          </p:cNvPr>
+          <p:cNvSpPr/>
+          <p:nvPr/>
+        </p:nvSpPr>
+        <p:spPr>
+          <a:xfrm>
+            <a:off x="652594" y="77143"/>
+            <a:ext cx="4112815" cy="1619839"/>
+          </a:xfrm>
+          <a:prstGeom prst="roundRect">
+            <a:avLst/>
+          </a:prstGeom>
+          <a:noFill/>
+          <a:ln w="28575">
+            <a:solidFill>
+              <a:schemeClr val="accent1"/>
+            </a:solidFill>
+          </a:ln>
+        </p:spPr>
+        <p:style>
+          <a:lnRef idx="2">
+            <a:schemeClr val="accent6"/>
+          </a:lnRef>
+          <a:fillRef idx="1">
+            <a:schemeClr val="lt1"/>
+          </a:fillRef>
+          <a:effectRef idx="0">
+            <a:schemeClr val="accent6"/>
+          </a:effectRef>
+          <a:fontRef idx="minor">
+            <a:schemeClr val="dk1"/>
+          </a:fontRef>
+        </p:style>
+        <p:txBody>
+          <a:bodyPr rtlCol="0" anchor="ctr"/>
+          <a:lstStyle/>
+          <a:p>
+            <a:pPr algn="ctr"/>
+            <a:endParaRPr lang="it-IT"/>
+          </a:p>
+        </p:txBody>
+      </p:sp>
+      <p:sp>
+        <p:nvSpPr>
+          <p:cNvPr id="90" name="Arrow: Down 89">
+            <a:extLst>
+              <a:ext uri="{FF2B5EF4-FFF2-40B4-BE49-F238E27FC236}">
+                <a16:creationId xmlns:a16="http://schemas.microsoft.com/office/drawing/2014/main" id="{4D0AB9CA-3C7E-300E-C9F1-E8A17401582D}"/>
+              </a:ext>
+            </a:extLst>
+          </p:cNvPr>
+          <p:cNvSpPr/>
+          <p:nvPr/>
+        </p:nvSpPr>
+        <p:spPr>
+          <a:xfrm>
+            <a:off x="2150519" y="1571180"/>
+            <a:ext cx="390380" cy="438803"/>
+          </a:xfrm>
+          <a:prstGeom prst="downArrow">
+            <a:avLst/>
+          </a:prstGeom>
+          <a:solidFill>
+            <a:srgbClr val="00B050"/>
+          </a:solidFill>
+          <a:ln>
+            <a:solidFill>
+              <a:schemeClr val="accent6"/>
+            </a:solidFill>
+          </a:ln>
+        </p:spPr>
+        <p:style>
+          <a:lnRef idx="2">
+            <a:schemeClr val="accent1">
+              <a:shade val="50000"/>
+            </a:schemeClr>
+          </a:lnRef>
+          <a:fillRef idx="1">
+            <a:schemeClr val="accent1"/>
+          </a:fillRef>
+          <a:effectRef idx="0">
+            <a:schemeClr val="accent1"/>
+          </a:effectRef>
+          <a:fontRef idx="minor">
+            <a:schemeClr val="lt1"/>
+          </a:fontRef>
+        </p:style>
+        <p:txBody>
+          <a:bodyPr rtlCol="0" anchor="ctr"/>
+          <a:lstStyle/>
+          <a:p>
+            <a:pPr algn="ctr"/>
+            <a:endParaRPr lang="it-IT" dirty="0"/>
+          </a:p>
+        </p:txBody>
+      </p:sp>
+      <p:cxnSp>
+        <p:nvCxnSpPr>
+          <p:cNvPr id="38" name="Straight Arrow Connector 37">
+            <a:extLst>
+              <a:ext uri="{FF2B5EF4-FFF2-40B4-BE49-F238E27FC236}">
+                <a16:creationId xmlns:a16="http://schemas.microsoft.com/office/drawing/2014/main" id="{1BC8D832-E161-2AC9-4178-E810157EB80E}"/>
+              </a:ext>
+            </a:extLst>
+          </p:cNvPr>
+          <p:cNvCxnSpPr>
+            <a:cxnSpLocks/>
+            <a:stCxn id="13" idx="3"/>
+            <a:endCxn id="48" idx="1"/>
+          </p:cNvCxnSpPr>
+          <p:nvPr/>
+        </p:nvCxnSpPr>
+        <p:spPr>
+          <a:xfrm>
+            <a:off x="5551660" y="5286431"/>
+            <a:ext cx="983050" cy="6301"/>
+          </a:xfrm>
+          <a:prstGeom prst="straightConnector1">
+            <a:avLst/>
+          </a:prstGeom>
+          <a:ln>
+            <a:solidFill>
+              <a:schemeClr val="tx1"/>
+            </a:solidFill>
+            <a:tailEnd type="triangle"/>
+          </a:ln>
+        </p:spPr>
+        <p:style>
+          <a:lnRef idx="1">
+            <a:schemeClr val="accent1"/>
+          </a:lnRef>
+          <a:fillRef idx="0">
+            <a:schemeClr val="accent1"/>
+          </a:fillRef>
+          <a:effectRef idx="0">
+            <a:schemeClr val="accent1"/>
+          </a:effectRef>
+          <a:fontRef idx="minor">
+            <a:schemeClr val="tx1"/>
+          </a:fontRef>
+        </p:style>
+      </p:cxnSp>
+      <p:sp>
+        <p:nvSpPr>
+          <p:cNvPr id="48" name="TextBox 47">
+            <a:extLst>
+              <a:ext uri="{FF2B5EF4-FFF2-40B4-BE49-F238E27FC236}">
+                <a16:creationId xmlns:a16="http://schemas.microsoft.com/office/drawing/2014/main" id="{266462AA-2DDE-8B41-90D2-94C1E484735A}"/>
+              </a:ext>
+            </a:extLst>
+          </p:cNvPr>
+          <p:cNvSpPr txBox="1"/>
+          <p:nvPr/>
+        </p:nvSpPr>
+        <p:spPr>
+          <a:xfrm>
+            <a:off x="6534710" y="4692567"/>
+            <a:ext cx="2680849" cy="1200329"/>
+          </a:xfrm>
+          <a:prstGeom prst="rect">
+            <a:avLst/>
+          </a:prstGeom>
+          <a:noFill/>
+          <a:ln w="3175">
+            <a:solidFill>
+              <a:schemeClr val="tx1"/>
+            </a:solidFill>
+          </a:ln>
+        </p:spPr>
+        <p:txBody>
+          <a:bodyPr wrap="square" rtlCol="0">
+            <a:spAutoFit/>
+          </a:bodyPr>
+          <a:lstStyle/>
+          <a:p>
+            <a:r>
+              <a:rPr lang="it-IT" dirty="0"/>
+              <a:t>[% </a:t>
+            </a:r>
+            <a:r>
+              <a:rPr lang="it-IT" dirty="0" err="1"/>
+              <a:t>battery</a:t>
+            </a:r>
+            <a:r>
+              <a:rPr lang="it-IT" dirty="0"/>
+              <a:t> for </a:t>
+            </a:r>
+            <a:r>
+              <a:rPr lang="it-IT" dirty="0" err="1"/>
+              <a:t>daily</a:t>
+            </a:r>
+            <a:r>
+              <a:rPr lang="it-IT" dirty="0"/>
+              <a:t> </a:t>
+            </a:r>
+            <a:r>
+              <a:rPr lang="it-IT" dirty="0" err="1"/>
+              <a:t>appointment</a:t>
+            </a:r>
+            <a:r>
+              <a:rPr lang="it-IT" dirty="0"/>
+              <a:t> * 1,2]+15 (20% more </a:t>
+            </a:r>
+            <a:r>
+              <a:rPr lang="it-IT" dirty="0" err="1"/>
+              <a:t>than</a:t>
+            </a:r>
+            <a:r>
+              <a:rPr lang="it-IT" dirty="0"/>
+              <a:t> </a:t>
+            </a:r>
+            <a:r>
+              <a:rPr lang="it-IT" dirty="0" err="1"/>
+              <a:t>usual</a:t>
+            </a:r>
+            <a:r>
+              <a:rPr lang="it-IT" dirty="0"/>
+              <a:t>) &lt; % </a:t>
+            </a:r>
+            <a:r>
+              <a:rPr lang="it-IT" dirty="0" err="1"/>
+              <a:t>battery</a:t>
+            </a:r>
+            <a:endParaRPr lang="it-IT" dirty="0"/>
+          </a:p>
+        </p:txBody>
+      </p:sp>
+      <p:cxnSp>
+        <p:nvCxnSpPr>
+          <p:cNvPr id="59" name="Connector: Elbow 58">
+            <a:extLst>
+              <a:ext uri="{FF2B5EF4-FFF2-40B4-BE49-F238E27FC236}">
+                <a16:creationId xmlns:a16="http://schemas.microsoft.com/office/drawing/2014/main" id="{98DB1183-C854-8ABC-0E5B-5651A281BF14}"/>
+              </a:ext>
+            </a:extLst>
+          </p:cNvPr>
+          <p:cNvCxnSpPr>
+            <a:stCxn id="13" idx="3"/>
+            <a:endCxn id="14" idx="1"/>
+          </p:cNvCxnSpPr>
+          <p:nvPr/>
+        </p:nvCxnSpPr>
+        <p:spPr>
+          <a:xfrm flipV="1">
+            <a:off x="5551660" y="3741575"/>
+            <a:ext cx="933268" cy="1544856"/>
+          </a:xfrm>
+          <a:prstGeom prst="bentConnector3">
+            <a:avLst/>
+          </a:prstGeom>
+          <a:ln w="12700">
+            <a:solidFill>
+              <a:schemeClr val="tx1"/>
+            </a:solidFill>
+            <a:tailEnd type="triangle"/>
+          </a:ln>
+        </p:spPr>
+        <p:style>
+          <a:lnRef idx="1">
+            <a:schemeClr val="dk1"/>
+          </a:lnRef>
+          <a:fillRef idx="0">
+            <a:schemeClr val="dk1"/>
+          </a:fillRef>
+          <a:effectRef idx="0">
+            <a:schemeClr val="dk1"/>
+          </a:effectRef>
+          <a:fontRef idx="minor">
+            <a:schemeClr val="tx1"/>
+          </a:fontRef>
+        </p:style>
+      </p:cxnSp>
+      <p:cxnSp>
+        <p:nvCxnSpPr>
+          <p:cNvPr id="119" name="Connector: Elbow 118">
+            <a:extLst>
+              <a:ext uri="{FF2B5EF4-FFF2-40B4-BE49-F238E27FC236}">
+                <a16:creationId xmlns:a16="http://schemas.microsoft.com/office/drawing/2014/main" id="{3467A2A2-4B1F-A44D-C128-75D2A35BDB4D}"/>
+              </a:ext>
+            </a:extLst>
+          </p:cNvPr>
+          <p:cNvCxnSpPr>
+            <a:stCxn id="48" idx="2"/>
+            <a:endCxn id="29" idx="3"/>
+          </p:cNvCxnSpPr>
+          <p:nvPr/>
+        </p:nvCxnSpPr>
+        <p:spPr>
+          <a:xfrm rot="5400000">
+            <a:off x="5988944" y="4566785"/>
+            <a:ext cx="560080" cy="3212302"/>
+          </a:xfrm>
+          <a:prstGeom prst="bentConnector2">
+            <a:avLst/>
+          </a:prstGeom>
+          <a:ln w="28575">
+            <a:solidFill>
+              <a:srgbClr val="00B050"/>
+            </a:solidFill>
+            <a:tailEnd type="triangle"/>
+          </a:ln>
+        </p:spPr>
+        <p:style>
+          <a:lnRef idx="1">
+            <a:schemeClr val="accent1"/>
+          </a:lnRef>
+          <a:fillRef idx="0">
+            <a:schemeClr val="accent1"/>
+          </a:fillRef>
+          <a:effectRef idx="0">
+            <a:schemeClr val="accent1"/>
+          </a:effectRef>
+          <a:fontRef idx="minor">
+            <a:schemeClr val="tx1"/>
+          </a:fontRef>
+        </p:style>
+      </p:cxnSp>
+      <p:cxnSp>
+        <p:nvCxnSpPr>
+          <p:cNvPr id="2" name="Connector: Elbow 1">
+            <a:extLst>
+              <a:ext uri="{FF2B5EF4-FFF2-40B4-BE49-F238E27FC236}">
+                <a16:creationId xmlns:a16="http://schemas.microsoft.com/office/drawing/2014/main" id="{30536AD6-8258-5985-186A-32583858F38A}"/>
+              </a:ext>
+            </a:extLst>
+          </p:cNvPr>
+          <p:cNvCxnSpPr>
+            <a:cxnSpLocks/>
+            <a:stCxn id="14" idx="3"/>
+            <a:endCxn id="29" idx="3"/>
+          </p:cNvCxnSpPr>
+          <p:nvPr/>
+        </p:nvCxnSpPr>
+        <p:spPr>
+          <a:xfrm flipH="1">
+            <a:off x="4662833" y="3741575"/>
+            <a:ext cx="4434667" cy="2711401"/>
+          </a:xfrm>
+          <a:prstGeom prst="bentConnector3">
+            <a:avLst>
+              <a:gd name="adj1" fmla="val -13150"/>
+            </a:avLst>
+          </a:prstGeom>
+          <a:ln w="28575">
+            <a:solidFill>
+              <a:srgbClr val="00B050"/>
+            </a:solidFill>
+            <a:tailEnd type="triangle"/>
+          </a:ln>
+        </p:spPr>
+        <p:style>
+          <a:lnRef idx="1">
+            <a:schemeClr val="accent1"/>
+          </a:lnRef>
+          <a:fillRef idx="0">
+            <a:schemeClr val="accent1"/>
+          </a:fillRef>
+          <a:effectRef idx="0">
+            <a:schemeClr val="accent1"/>
+          </a:effectRef>
+          <a:fontRef idx="minor">
+            <a:schemeClr val="tx1"/>
+          </a:fontRef>
+        </p:style>
+      </p:cxnSp>
+      <p:cxnSp>
+        <p:nvCxnSpPr>
+          <p:cNvPr id="93" name="Connector: Elbow 92">
+            <a:extLst>
+              <a:ext uri="{FF2B5EF4-FFF2-40B4-BE49-F238E27FC236}">
+                <a16:creationId xmlns:a16="http://schemas.microsoft.com/office/drawing/2014/main" id="{AAEE8C32-B438-58CD-118C-5E68333B7879}"/>
+              </a:ext>
+            </a:extLst>
+          </p:cNvPr>
+          <p:cNvCxnSpPr>
+            <a:stCxn id="48" idx="3"/>
+          </p:cNvCxnSpPr>
+          <p:nvPr/>
+        </p:nvCxnSpPr>
+        <p:spPr>
+          <a:xfrm flipV="1">
+            <a:off x="9215559" y="3649242"/>
+            <a:ext cx="115053" cy="1643490"/>
+          </a:xfrm>
+          <a:prstGeom prst="bentConnector2">
+            <a:avLst/>
+          </a:prstGeom>
+          <a:ln w="28575">
+            <a:solidFill>
+              <a:srgbClr val="FF0000"/>
+            </a:solidFill>
+          </a:ln>
+        </p:spPr>
+        <p:style>
+          <a:lnRef idx="1">
+            <a:schemeClr val="accent2"/>
+          </a:lnRef>
+          <a:fillRef idx="0">
+            <a:schemeClr val="accent2"/>
+          </a:fillRef>
+          <a:effectRef idx="0">
+            <a:schemeClr val="accent2"/>
+          </a:effectRef>
+          <a:fontRef idx="minor">
+            <a:schemeClr val="tx1"/>
+          </a:fontRef>
+        </p:style>
+      </p:cxnSp>
+      <p:sp>
+        <p:nvSpPr>
+          <p:cNvPr id="102" name="TextBox 101">
+            <a:extLst>
+              <a:ext uri="{FF2B5EF4-FFF2-40B4-BE49-F238E27FC236}">
+                <a16:creationId xmlns:a16="http://schemas.microsoft.com/office/drawing/2014/main" id="{CAD8E98D-DDA3-8CDA-BF6A-C145881CD456}"/>
+              </a:ext>
+            </a:extLst>
+          </p:cNvPr>
+          <p:cNvSpPr txBox="1"/>
+          <p:nvPr/>
+        </p:nvSpPr>
+        <p:spPr>
+          <a:xfrm>
+            <a:off x="5824602" y="198123"/>
+            <a:ext cx="1571693" cy="369332"/>
+          </a:xfrm>
+          <a:prstGeom prst="rect">
+            <a:avLst/>
+          </a:prstGeom>
+          <a:noFill/>
+          <a:ln w="12700">
+            <a:solidFill>
+              <a:schemeClr val="tx1"/>
+            </a:solidFill>
+          </a:ln>
+        </p:spPr>
+        <p:txBody>
+          <a:bodyPr wrap="square" rtlCol="0">
+            <a:spAutoFit/>
+          </a:bodyPr>
+          <a:lstStyle/>
+          <a:p>
+            <a:r>
+              <a:rPr lang="it-IT" dirty="0" err="1"/>
+              <a:t>ManualFlag</a:t>
+            </a:r>
+            <a:r>
+              <a:rPr lang="it-IT" dirty="0"/>
+              <a:t>=0 </a:t>
+            </a:r>
+          </a:p>
+        </p:txBody>
+      </p:sp>
+      <p:cxnSp>
+        <p:nvCxnSpPr>
+          <p:cNvPr id="105" name="Straight Arrow Connector 104">
+            <a:extLst>
+              <a:ext uri="{FF2B5EF4-FFF2-40B4-BE49-F238E27FC236}">
+                <a16:creationId xmlns:a16="http://schemas.microsoft.com/office/drawing/2014/main" id="{59D8831D-9C88-0B8D-DF57-33097E26A408}"/>
+              </a:ext>
+            </a:extLst>
+          </p:cNvPr>
+          <p:cNvCxnSpPr>
+            <a:cxnSpLocks/>
+            <a:stCxn id="102" idx="2"/>
+            <a:endCxn id="116" idx="0"/>
+          </p:cNvCxnSpPr>
+          <p:nvPr/>
+        </p:nvCxnSpPr>
+        <p:spPr>
+          <a:xfrm>
+            <a:off x="6610449" y="567455"/>
+            <a:ext cx="7045" cy="489006"/>
+          </a:xfrm>
+          <a:prstGeom prst="straightConnector1">
+            <a:avLst/>
+          </a:prstGeom>
+          <a:ln w="28575">
+            <a:solidFill>
+              <a:srgbClr val="FF0000"/>
+            </a:solidFill>
+            <a:tailEnd type="triangle"/>
+          </a:ln>
+        </p:spPr>
+        <p:style>
+          <a:lnRef idx="1">
+            <a:schemeClr val="accent1"/>
+          </a:lnRef>
+          <a:fillRef idx="0">
+            <a:schemeClr val="accent1"/>
+          </a:fillRef>
+          <a:effectRef idx="0">
+            <a:schemeClr val="accent1"/>
+          </a:effectRef>
+          <a:fontRef idx="minor">
+            <a:schemeClr val="tx1"/>
+          </a:fontRef>
+        </p:style>
+      </p:cxnSp>
+      <p:sp>
+        <p:nvSpPr>
+          <p:cNvPr id="108" name="Rectangle: Rounded Corners 107">
+            <a:extLst>
+              <a:ext uri="{FF2B5EF4-FFF2-40B4-BE49-F238E27FC236}">
+                <a16:creationId xmlns:a16="http://schemas.microsoft.com/office/drawing/2014/main" id="{27FDFB82-20D0-A797-78E5-15F1A29A7488}"/>
+              </a:ext>
+            </a:extLst>
+          </p:cNvPr>
+          <p:cNvSpPr/>
+          <p:nvPr/>
+        </p:nvSpPr>
+        <p:spPr>
+          <a:xfrm>
+            <a:off x="5641404" y="47464"/>
+            <a:ext cx="1881591" cy="1619839"/>
+          </a:xfrm>
+          <a:prstGeom prst="roundRect">
+            <a:avLst/>
+          </a:prstGeom>
+          <a:noFill/>
+          <a:ln w="28575">
+            <a:solidFill>
+              <a:srgbClr val="FF0000"/>
+            </a:solidFill>
+          </a:ln>
+        </p:spPr>
+        <p:style>
+          <a:lnRef idx="2">
+            <a:schemeClr val="accent6"/>
+          </a:lnRef>
+          <a:fillRef idx="1">
+            <a:schemeClr val="lt1"/>
+          </a:fillRef>
+          <a:effectRef idx="0">
+            <a:schemeClr val="accent6"/>
+          </a:effectRef>
+          <a:fontRef idx="minor">
+            <a:schemeClr val="dk1"/>
+          </a:fontRef>
+        </p:style>
+        <p:txBody>
+          <a:bodyPr rtlCol="0" anchor="ctr"/>
+          <a:lstStyle/>
+          <a:p>
+            <a:pPr algn="ctr"/>
+            <a:endParaRPr lang="it-IT"/>
+          </a:p>
+        </p:txBody>
+      </p:sp>
+      <p:sp>
+        <p:nvSpPr>
+          <p:cNvPr id="109" name="TextBox 108">
+            <a:extLst>
+              <a:ext uri="{FF2B5EF4-FFF2-40B4-BE49-F238E27FC236}">
+                <a16:creationId xmlns:a16="http://schemas.microsoft.com/office/drawing/2014/main" id="{4929D3B5-794A-E020-F937-5DBBD7CDF946}"/>
+              </a:ext>
+            </a:extLst>
+          </p:cNvPr>
+          <p:cNvSpPr txBox="1"/>
+          <p:nvPr/>
+        </p:nvSpPr>
+        <p:spPr>
+          <a:xfrm>
+            <a:off x="7931639" y="156859"/>
+            <a:ext cx="1571693" cy="369332"/>
+          </a:xfrm>
+          <a:prstGeom prst="rect">
+            <a:avLst/>
+          </a:prstGeom>
+          <a:noFill/>
+          <a:ln w="12700">
+            <a:solidFill>
+              <a:schemeClr val="tx1"/>
+            </a:solidFill>
+          </a:ln>
+        </p:spPr>
+        <p:txBody>
+          <a:bodyPr wrap="square" rtlCol="0">
+            <a:spAutoFit/>
+          </a:bodyPr>
+          <a:lstStyle/>
+          <a:p>
+            <a:r>
+              <a:rPr lang="it-IT" dirty="0" err="1"/>
+              <a:t>ManualFlag</a:t>
+            </a:r>
+            <a:r>
+              <a:rPr lang="it-IT" dirty="0"/>
+              <a:t>=1 </a:t>
+            </a:r>
+          </a:p>
+        </p:txBody>
+      </p:sp>
+      <p:cxnSp>
+        <p:nvCxnSpPr>
+          <p:cNvPr id="112" name="Straight Arrow Connector 111">
+            <a:extLst>
+              <a:ext uri="{FF2B5EF4-FFF2-40B4-BE49-F238E27FC236}">
+                <a16:creationId xmlns:a16="http://schemas.microsoft.com/office/drawing/2014/main" id="{B1C423F7-9C08-F8BC-76AB-E2777B132C69}"/>
+              </a:ext>
+            </a:extLst>
+          </p:cNvPr>
+          <p:cNvCxnSpPr>
+            <a:cxnSpLocks/>
+            <a:stCxn id="109" idx="2"/>
+            <a:endCxn id="125" idx="0"/>
+          </p:cNvCxnSpPr>
+          <p:nvPr/>
+        </p:nvCxnSpPr>
+        <p:spPr>
+          <a:xfrm flipH="1">
+            <a:off x="8717485" y="526191"/>
+            <a:ext cx="1" cy="553769"/>
+          </a:xfrm>
+          <a:prstGeom prst="straightConnector1">
+            <a:avLst/>
+          </a:prstGeom>
+          <a:ln w="28575">
+            <a:solidFill>
+              <a:schemeClr val="accent6"/>
+            </a:solidFill>
+            <a:tailEnd type="triangle"/>
+          </a:ln>
+        </p:spPr>
+        <p:style>
+          <a:lnRef idx="1">
+            <a:schemeClr val="accent1"/>
+          </a:lnRef>
+          <a:fillRef idx="0">
+            <a:schemeClr val="accent1"/>
+          </a:fillRef>
+          <a:effectRef idx="0">
+            <a:schemeClr val="accent1"/>
+          </a:effectRef>
+          <a:fontRef idx="minor">
+            <a:schemeClr val="tx1"/>
+          </a:fontRef>
+        </p:style>
+      </p:cxnSp>
+      <p:sp>
+        <p:nvSpPr>
+          <p:cNvPr id="115" name="Rectangle: Rounded Corners 114">
+            <a:extLst>
+              <a:ext uri="{FF2B5EF4-FFF2-40B4-BE49-F238E27FC236}">
+                <a16:creationId xmlns:a16="http://schemas.microsoft.com/office/drawing/2014/main" id="{19F3CEAB-33B5-13DC-505B-296B33991234}"/>
+              </a:ext>
+            </a:extLst>
+          </p:cNvPr>
+          <p:cNvSpPr/>
+          <p:nvPr/>
+        </p:nvSpPr>
+        <p:spPr>
+          <a:xfrm>
+            <a:off x="7743867" y="37726"/>
+            <a:ext cx="1881591" cy="1619839"/>
+          </a:xfrm>
+          <a:prstGeom prst="roundRect">
+            <a:avLst/>
+          </a:prstGeom>
+          <a:noFill/>
+          <a:ln w="28575">
+            <a:solidFill>
+              <a:schemeClr val="accent6"/>
+            </a:solidFill>
+          </a:ln>
+        </p:spPr>
+        <p:style>
+          <a:lnRef idx="2">
+            <a:schemeClr val="accent6"/>
+          </a:lnRef>
+          <a:fillRef idx="1">
+            <a:schemeClr val="lt1"/>
+          </a:fillRef>
+          <a:effectRef idx="0">
+            <a:schemeClr val="accent6"/>
+          </a:effectRef>
+          <a:fontRef idx="minor">
+            <a:schemeClr val="dk1"/>
+          </a:fontRef>
+        </p:style>
+        <p:txBody>
+          <a:bodyPr rtlCol="0" anchor="ctr"/>
+          <a:lstStyle/>
+          <a:p>
+            <a:pPr algn="ctr"/>
+            <a:endParaRPr lang="it-IT"/>
+          </a:p>
+        </p:txBody>
+      </p:sp>
+      <p:sp>
+        <p:nvSpPr>
+          <p:cNvPr id="116" name="TextBox 115">
+            <a:extLst>
+              <a:ext uri="{FF2B5EF4-FFF2-40B4-BE49-F238E27FC236}">
+                <a16:creationId xmlns:a16="http://schemas.microsoft.com/office/drawing/2014/main" id="{B08BBD3B-C820-8B70-79A7-F31EA7693550}"/>
+              </a:ext>
+            </a:extLst>
+          </p:cNvPr>
+          <p:cNvSpPr txBox="1"/>
+          <p:nvPr/>
+        </p:nvSpPr>
+        <p:spPr>
+          <a:xfrm>
+            <a:off x="5898162" y="1056461"/>
+            <a:ext cx="1438664" cy="369332"/>
           </a:xfrm>
           <a:prstGeom prst="rect">
             <a:avLst/>
@@ -10966,78 +12485,37 @@
                   <a:srgbClr val="FF0000"/>
                 </a:solidFill>
               </a:rPr>
-              <a:t> ON</a:t>
-            </a:r>
-          </a:p>
-        </p:txBody>
-      </p:sp>
-      <p:cxnSp>
-        <p:nvCxnSpPr>
-          <p:cNvPr id="31" name="Connector: Elbow 30">
-            <a:extLst>
-              <a:ext uri="{FF2B5EF4-FFF2-40B4-BE49-F238E27FC236}">
-                <a16:creationId xmlns:a16="http://schemas.microsoft.com/office/drawing/2014/main" id="{2F09E8B5-8BF5-AE31-4622-20C872E302D7}"/>
-              </a:ext>
-            </a:extLst>
-          </p:cNvPr>
-          <p:cNvCxnSpPr>
-            <a:cxnSpLocks/>
-            <a:stCxn id="12" idx="2"/>
-            <a:endCxn id="29" idx="1"/>
-          </p:cNvCxnSpPr>
-          <p:nvPr/>
-        </p:nvCxnSpPr>
-        <p:spPr>
-          <a:xfrm rot="16200000" flipH="1">
-            <a:off x="2439457" y="5683612"/>
-            <a:ext cx="877163" cy="661564"/>
-          </a:xfrm>
-          <a:prstGeom prst="bentConnector2">
-            <a:avLst/>
-          </a:prstGeom>
+              <a:t> OFF</a:t>
+            </a:r>
+          </a:p>
+        </p:txBody>
+      </p:sp>
+      <p:sp>
+        <p:nvSpPr>
+          <p:cNvPr id="125" name="TextBox 124">
+            <a:extLst>
+              <a:ext uri="{FF2B5EF4-FFF2-40B4-BE49-F238E27FC236}">
+                <a16:creationId xmlns:a16="http://schemas.microsoft.com/office/drawing/2014/main" id="{AE03F61A-75CC-72B5-E9E1-BF6BFE711836}"/>
+              </a:ext>
+            </a:extLst>
+          </p:cNvPr>
+          <p:cNvSpPr txBox="1"/>
+          <p:nvPr/>
+        </p:nvSpPr>
+        <p:spPr>
+          <a:xfrm>
+            <a:off x="8027809" y="1079960"/>
+            <a:ext cx="1379352" cy="369332"/>
+          </a:xfrm>
+          <a:prstGeom prst="rect">
+            <a:avLst/>
+          </a:prstGeom>
+          <a:noFill/>
           <a:ln w="28575">
             <a:solidFill>
-              <a:srgbClr val="FF0000"/>
-            </a:solidFill>
-            <a:tailEnd type="triangle"/>
-          </a:ln>
-        </p:spPr>
-        <p:style>
-          <a:lnRef idx="1">
-            <a:schemeClr val="accent1"/>
-          </a:lnRef>
-          <a:fillRef idx="0">
-            <a:schemeClr val="accent1"/>
-          </a:fillRef>
-          <a:effectRef idx="0">
-            <a:schemeClr val="accent1"/>
-          </a:effectRef>
-          <a:fontRef idx="minor">
-            <a:schemeClr val="tx1"/>
-          </a:fontRef>
-        </p:style>
-      </p:cxnSp>
-      <p:sp>
-        <p:nvSpPr>
-          <p:cNvPr id="32" name="TextBox 31">
-            <a:extLst>
-              <a:ext uri="{FF2B5EF4-FFF2-40B4-BE49-F238E27FC236}">
-                <a16:creationId xmlns:a16="http://schemas.microsoft.com/office/drawing/2014/main" id="{A1BD8DFA-E72C-AA30-3E5B-8CF0F9E2EFFA}"/>
-              </a:ext>
-            </a:extLst>
-          </p:cNvPr>
-          <p:cNvSpPr txBox="1"/>
-          <p:nvPr/>
-        </p:nvSpPr>
-        <p:spPr>
-          <a:xfrm>
-            <a:off x="2521236" y="6175977"/>
-            <a:ext cx="493212" cy="369332"/>
-          </a:xfrm>
-          <a:prstGeom prst="rect">
-            <a:avLst/>
-          </a:prstGeom>
-          <a:noFill/>
+              <a:srgbClr val="00B050"/>
+            </a:solidFill>
+          </a:ln>
         </p:spPr>
         <p:txBody>
           <a:bodyPr wrap="none" rtlCol="0">
@@ -11046,1103 +12524,28 @@
           <a:lstStyle/>
           <a:p>
             <a:r>
+              <a:rPr lang="it-IT" b="1" dirty="0" err="1">
+                <a:solidFill>
+                  <a:schemeClr val="accent6">
+                    <a:lumMod val="75000"/>
+                  </a:schemeClr>
+                </a:solidFill>
+              </a:rPr>
+              <a:t>Actuator</a:t>
+            </a:r>
+            <a:r>
               <a:rPr lang="it-IT" b="1" dirty="0">
                 <a:solidFill>
-                  <a:srgbClr val="FF0000"/>
+                  <a:schemeClr val="accent6">
+                    <a:lumMod val="75000"/>
+                  </a:schemeClr>
                 </a:solidFill>
               </a:rPr>
-              <a:t>Yes</a:t>
-            </a:r>
-          </a:p>
-        </p:txBody>
-      </p:sp>
-      <p:sp>
-        <p:nvSpPr>
-          <p:cNvPr id="33" name="TextBox 32">
-            <a:extLst>
-              <a:ext uri="{FF2B5EF4-FFF2-40B4-BE49-F238E27FC236}">
-                <a16:creationId xmlns:a16="http://schemas.microsoft.com/office/drawing/2014/main" id="{7F09CE17-CD0D-D42C-AB1F-816F71BB5287}"/>
-              </a:ext>
-            </a:extLst>
-          </p:cNvPr>
-          <p:cNvSpPr txBox="1"/>
-          <p:nvPr/>
-        </p:nvSpPr>
-        <p:spPr>
-          <a:xfrm>
-            <a:off x="3335044" y="5039989"/>
-            <a:ext cx="455574" cy="369332"/>
-          </a:xfrm>
-          <a:prstGeom prst="rect">
-            <a:avLst/>
-          </a:prstGeom>
-          <a:noFill/>
-        </p:spPr>
-        <p:txBody>
-          <a:bodyPr wrap="none" rtlCol="0">
-            <a:spAutoFit/>
-          </a:bodyPr>
-          <a:lstStyle/>
-          <a:p>
-            <a:r>
-              <a:rPr lang="it-IT" dirty="0"/>
-              <a:t>No</a:t>
-            </a:r>
-          </a:p>
-        </p:txBody>
-      </p:sp>
-      <p:sp>
-        <p:nvSpPr>
-          <p:cNvPr id="36" name="TextBox 35">
-            <a:extLst>
-              <a:ext uri="{FF2B5EF4-FFF2-40B4-BE49-F238E27FC236}">
-                <a16:creationId xmlns:a16="http://schemas.microsoft.com/office/drawing/2014/main" id="{304085D0-06EB-308F-C2EC-10065C3CEC60}"/>
-              </a:ext>
-            </a:extLst>
-          </p:cNvPr>
-          <p:cNvSpPr txBox="1"/>
-          <p:nvPr/>
-        </p:nvSpPr>
-        <p:spPr>
-          <a:xfrm>
-            <a:off x="7733093" y="5081599"/>
-            <a:ext cx="485518" cy="369332"/>
-          </a:xfrm>
-          <a:prstGeom prst="rect">
-            <a:avLst/>
-          </a:prstGeom>
-          <a:noFill/>
-        </p:spPr>
-        <p:txBody>
-          <a:bodyPr wrap="none" rtlCol="0">
-            <a:spAutoFit/>
-          </a:bodyPr>
-          <a:lstStyle/>
-          <a:p>
-            <a:r>
-              <a:rPr lang="it-IT" dirty="0"/>
-              <a:t>Yes</a:t>
-            </a:r>
-          </a:p>
-        </p:txBody>
-      </p:sp>
-      <p:sp>
-        <p:nvSpPr>
-          <p:cNvPr id="37" name="TextBox 36">
-            <a:extLst>
-              <a:ext uri="{FF2B5EF4-FFF2-40B4-BE49-F238E27FC236}">
-                <a16:creationId xmlns:a16="http://schemas.microsoft.com/office/drawing/2014/main" id="{DA26C347-7ADC-1899-8C84-15AA7440AB60}"/>
-              </a:ext>
-            </a:extLst>
-          </p:cNvPr>
-          <p:cNvSpPr txBox="1"/>
-          <p:nvPr/>
-        </p:nvSpPr>
-        <p:spPr>
-          <a:xfrm>
-            <a:off x="7791214" y="4231509"/>
-            <a:ext cx="455574" cy="369332"/>
-          </a:xfrm>
-          <a:prstGeom prst="rect">
-            <a:avLst/>
-          </a:prstGeom>
-          <a:noFill/>
-        </p:spPr>
-        <p:txBody>
-          <a:bodyPr wrap="square" rtlCol="0">
-            <a:spAutoFit/>
-          </a:bodyPr>
-          <a:lstStyle/>
-          <a:p>
-            <a:r>
-              <a:rPr lang="it-IT" dirty="0"/>
-              <a:t>No</a:t>
-            </a:r>
-          </a:p>
-        </p:txBody>
-      </p:sp>
-      <p:cxnSp>
-        <p:nvCxnSpPr>
-          <p:cNvPr id="39" name="Connector: Elbow 38">
-            <a:extLst>
-              <a:ext uri="{FF2B5EF4-FFF2-40B4-BE49-F238E27FC236}">
-                <a16:creationId xmlns:a16="http://schemas.microsoft.com/office/drawing/2014/main" id="{8756AEFF-6C73-4FDF-2E9C-EFFFAE7DE5A3}"/>
-              </a:ext>
-            </a:extLst>
-          </p:cNvPr>
-          <p:cNvCxnSpPr>
-            <a:cxnSpLocks/>
-            <a:stCxn id="48" idx="2"/>
-            <a:endCxn id="29" idx="3"/>
-          </p:cNvCxnSpPr>
-          <p:nvPr/>
-        </p:nvCxnSpPr>
-        <p:spPr>
-          <a:xfrm rot="5400000">
-            <a:off x="6895375" y="3684109"/>
-            <a:ext cx="461665" cy="5076069"/>
-          </a:xfrm>
-          <a:prstGeom prst="bentConnector2">
-            <a:avLst/>
-          </a:prstGeom>
-          <a:ln w="19050">
-            <a:solidFill>
-              <a:srgbClr val="FF0000"/>
-            </a:solidFill>
-          </a:ln>
-        </p:spPr>
-        <p:style>
-          <a:lnRef idx="1">
-            <a:schemeClr val="accent1"/>
-          </a:lnRef>
-          <a:fillRef idx="0">
-            <a:schemeClr val="accent1"/>
-          </a:fillRef>
-          <a:effectRef idx="0">
-            <a:schemeClr val="accent1"/>
-          </a:effectRef>
-          <a:fontRef idx="minor">
-            <a:schemeClr val="tx1"/>
-          </a:fontRef>
-        </p:style>
-      </p:cxnSp>
-      <p:sp>
-        <p:nvSpPr>
-          <p:cNvPr id="40" name="TextBox 39">
-            <a:extLst>
-              <a:ext uri="{FF2B5EF4-FFF2-40B4-BE49-F238E27FC236}">
-                <a16:creationId xmlns:a16="http://schemas.microsoft.com/office/drawing/2014/main" id="{91356743-3CFE-2044-B5CE-95A4A411F691}"/>
-              </a:ext>
-            </a:extLst>
-          </p:cNvPr>
-          <p:cNvSpPr txBox="1"/>
-          <p:nvPr/>
-        </p:nvSpPr>
-        <p:spPr>
-          <a:xfrm>
-            <a:off x="7326460" y="6163812"/>
-            <a:ext cx="493212" cy="369332"/>
-          </a:xfrm>
-          <a:prstGeom prst="rect">
-            <a:avLst/>
-          </a:prstGeom>
-          <a:noFill/>
-        </p:spPr>
-        <p:txBody>
-          <a:bodyPr wrap="none" rtlCol="0">
-            <a:spAutoFit/>
-          </a:bodyPr>
-          <a:lstStyle/>
-          <a:p>
-            <a:r>
-              <a:rPr lang="it-IT" b="1" dirty="0">
-                <a:solidFill>
-                  <a:srgbClr val="FF0000"/>
-                </a:solidFill>
-              </a:rPr>
-              <a:t>Yes</a:t>
-            </a:r>
-          </a:p>
-        </p:txBody>
-      </p:sp>
-      <p:cxnSp>
-        <p:nvCxnSpPr>
-          <p:cNvPr id="43" name="Connector: Elbow 42">
-            <a:extLst>
-              <a:ext uri="{FF2B5EF4-FFF2-40B4-BE49-F238E27FC236}">
-                <a16:creationId xmlns:a16="http://schemas.microsoft.com/office/drawing/2014/main" id="{B2C367B5-6F78-BF8D-BFFB-2400E26CEE31}"/>
-              </a:ext>
-            </a:extLst>
-          </p:cNvPr>
-          <p:cNvCxnSpPr>
-            <a:cxnSpLocks/>
-            <a:stCxn id="14" idx="3"/>
-          </p:cNvCxnSpPr>
-          <p:nvPr/>
-        </p:nvCxnSpPr>
-        <p:spPr>
-          <a:xfrm flipH="1" flipV="1">
-            <a:off x="2490001" y="2262615"/>
-            <a:ext cx="8412355" cy="1487938"/>
-          </a:xfrm>
-          <a:prstGeom prst="bentConnector3">
-            <a:avLst>
-              <a:gd name="adj1" fmla="val -2717"/>
-            </a:avLst>
-          </a:prstGeom>
-          <a:ln w="28575">
-            <a:solidFill>
-              <a:srgbClr val="FF0000"/>
-            </a:solidFill>
-            <a:tailEnd type="triangle"/>
-          </a:ln>
-        </p:spPr>
-        <p:style>
-          <a:lnRef idx="1">
-            <a:schemeClr val="accent1"/>
-          </a:lnRef>
-          <a:fillRef idx="0">
-            <a:schemeClr val="accent1"/>
-          </a:fillRef>
-          <a:effectRef idx="0">
-            <a:schemeClr val="accent1"/>
-          </a:effectRef>
-          <a:fontRef idx="minor">
-            <a:schemeClr val="tx1"/>
-          </a:fontRef>
-        </p:style>
-      </p:cxnSp>
-      <p:sp>
-        <p:nvSpPr>
-          <p:cNvPr id="44" name="TextBox 43">
-            <a:extLst>
-              <a:ext uri="{FF2B5EF4-FFF2-40B4-BE49-F238E27FC236}">
-                <a16:creationId xmlns:a16="http://schemas.microsoft.com/office/drawing/2014/main" id="{15A3D78C-2376-D655-E415-66C063ABCC33}"/>
-              </a:ext>
-            </a:extLst>
-          </p:cNvPr>
-          <p:cNvSpPr txBox="1"/>
-          <p:nvPr/>
-        </p:nvSpPr>
-        <p:spPr>
-          <a:xfrm>
-            <a:off x="8718828" y="1952612"/>
-            <a:ext cx="460382" cy="369332"/>
-          </a:xfrm>
-          <a:prstGeom prst="rect">
-            <a:avLst/>
-          </a:prstGeom>
-          <a:noFill/>
-        </p:spPr>
-        <p:txBody>
-          <a:bodyPr wrap="none" rtlCol="0">
-            <a:spAutoFit/>
-          </a:bodyPr>
-          <a:lstStyle/>
-          <a:p>
-            <a:r>
-              <a:rPr lang="it-IT" b="1" dirty="0">
-                <a:solidFill>
-                  <a:srgbClr val="FF0000"/>
-                </a:solidFill>
-              </a:rPr>
-              <a:t>No</a:t>
-            </a:r>
-          </a:p>
-        </p:txBody>
-      </p:sp>
-      <p:sp>
-        <p:nvSpPr>
-          <p:cNvPr id="45" name="Rectangle: Rounded Corners 44">
-            <a:extLst>
-              <a:ext uri="{FF2B5EF4-FFF2-40B4-BE49-F238E27FC236}">
-                <a16:creationId xmlns:a16="http://schemas.microsoft.com/office/drawing/2014/main" id="{7E6BB968-478F-1091-CCE3-C6748DF3F8BE}"/>
-              </a:ext>
-            </a:extLst>
-          </p:cNvPr>
-          <p:cNvSpPr/>
-          <p:nvPr/>
-        </p:nvSpPr>
-        <p:spPr>
-          <a:xfrm>
-            <a:off x="195682" y="1802414"/>
-            <a:ext cx="11448661" cy="4920968"/>
-          </a:xfrm>
-          <a:prstGeom prst="roundRect">
-            <a:avLst/>
-          </a:prstGeom>
-          <a:noFill/>
-          <a:ln w="28575">
-            <a:prstDash val="sysDot"/>
-          </a:ln>
-        </p:spPr>
-        <p:style>
-          <a:lnRef idx="2">
-            <a:schemeClr val="accent6"/>
-          </a:lnRef>
-          <a:fillRef idx="1">
-            <a:schemeClr val="lt1"/>
-          </a:fillRef>
-          <a:effectRef idx="0">
-            <a:schemeClr val="accent6"/>
-          </a:effectRef>
-          <a:fontRef idx="minor">
-            <a:schemeClr val="dk1"/>
-          </a:fontRef>
-        </p:style>
-        <p:txBody>
-          <a:bodyPr rtlCol="0" anchor="ctr"/>
-          <a:lstStyle/>
-          <a:p>
-            <a:pPr algn="ctr"/>
-            <a:endParaRPr lang="it-IT"/>
-          </a:p>
-        </p:txBody>
-      </p:sp>
-      <p:cxnSp>
-        <p:nvCxnSpPr>
-          <p:cNvPr id="47" name="Straight Arrow Connector 46">
-            <a:extLst>
-              <a:ext uri="{FF2B5EF4-FFF2-40B4-BE49-F238E27FC236}">
-                <a16:creationId xmlns:a16="http://schemas.microsoft.com/office/drawing/2014/main" id="{94F2DE27-305F-B68D-885F-136D69328174}"/>
-              </a:ext>
-            </a:extLst>
-          </p:cNvPr>
-          <p:cNvCxnSpPr>
-            <a:cxnSpLocks/>
-            <a:stCxn id="6" idx="2"/>
-            <a:endCxn id="7" idx="0"/>
-          </p:cNvCxnSpPr>
-          <p:nvPr/>
-        </p:nvCxnSpPr>
-        <p:spPr>
-          <a:xfrm>
-            <a:off x="5696329" y="414265"/>
-            <a:ext cx="0" cy="200892"/>
-          </a:xfrm>
-          <a:prstGeom prst="straightConnector1">
-            <a:avLst/>
-          </a:prstGeom>
-          <a:ln>
-            <a:solidFill>
-              <a:schemeClr val="tx1"/>
-            </a:solidFill>
-            <a:tailEnd type="triangle"/>
-          </a:ln>
-        </p:spPr>
-        <p:style>
-          <a:lnRef idx="1">
-            <a:schemeClr val="accent1"/>
-          </a:lnRef>
-          <a:fillRef idx="0">
-            <a:schemeClr val="accent1"/>
-          </a:fillRef>
-          <a:effectRef idx="0">
-            <a:schemeClr val="accent1"/>
-          </a:effectRef>
-          <a:fontRef idx="minor">
-            <a:schemeClr val="tx1"/>
-          </a:fontRef>
-        </p:style>
-      </p:cxnSp>
-      <p:cxnSp>
-        <p:nvCxnSpPr>
-          <p:cNvPr id="52" name="Straight Arrow Connector 51">
-            <a:extLst>
-              <a:ext uri="{FF2B5EF4-FFF2-40B4-BE49-F238E27FC236}">
-                <a16:creationId xmlns:a16="http://schemas.microsoft.com/office/drawing/2014/main" id="{A360DAD6-8B33-C183-0B48-D090244E99DF}"/>
-              </a:ext>
-            </a:extLst>
-          </p:cNvPr>
-          <p:cNvCxnSpPr>
-            <a:cxnSpLocks/>
-            <a:stCxn id="7" idx="2"/>
-            <a:endCxn id="9" idx="0"/>
-          </p:cNvCxnSpPr>
-          <p:nvPr/>
-        </p:nvCxnSpPr>
-        <p:spPr>
-          <a:xfrm>
-            <a:off x="5696329" y="938322"/>
-            <a:ext cx="0" cy="205116"/>
-          </a:xfrm>
-          <a:prstGeom prst="straightConnector1">
-            <a:avLst/>
-          </a:prstGeom>
-          <a:ln>
-            <a:solidFill>
-              <a:schemeClr val="tx1"/>
-            </a:solidFill>
-            <a:tailEnd type="triangle"/>
-          </a:ln>
-        </p:spPr>
-        <p:style>
-          <a:lnRef idx="1">
-            <a:schemeClr val="accent1"/>
-          </a:lnRef>
-          <a:fillRef idx="0">
-            <a:schemeClr val="accent1"/>
-          </a:fillRef>
-          <a:effectRef idx="0">
-            <a:schemeClr val="accent1"/>
-          </a:effectRef>
-          <a:fontRef idx="minor">
-            <a:schemeClr val="tx1"/>
-          </a:fontRef>
-        </p:style>
-      </p:cxnSp>
-      <p:cxnSp>
-        <p:nvCxnSpPr>
-          <p:cNvPr id="62" name="Connector: Elbow 61">
-            <a:extLst>
-              <a:ext uri="{FF2B5EF4-FFF2-40B4-BE49-F238E27FC236}">
-                <a16:creationId xmlns:a16="http://schemas.microsoft.com/office/drawing/2014/main" id="{E3BC6293-DBBF-349F-E06D-0941F0C975CA}"/>
-              </a:ext>
-            </a:extLst>
-          </p:cNvPr>
-          <p:cNvCxnSpPr>
-            <a:stCxn id="9" idx="1"/>
-            <a:endCxn id="7" idx="1"/>
-          </p:cNvCxnSpPr>
-          <p:nvPr/>
-        </p:nvCxnSpPr>
-        <p:spPr>
-          <a:xfrm rot="10800000" flipH="1">
-            <a:off x="4122371" y="776740"/>
-            <a:ext cx="227711" cy="551364"/>
-          </a:xfrm>
-          <a:prstGeom prst="bentConnector3">
-            <a:avLst>
-              <a:gd name="adj1" fmla="val -100390"/>
-            </a:avLst>
-          </a:prstGeom>
-          <a:ln>
-            <a:solidFill>
-              <a:schemeClr val="tx1"/>
-            </a:solidFill>
-            <a:tailEnd type="triangle"/>
-          </a:ln>
-        </p:spPr>
-        <p:style>
-          <a:lnRef idx="1">
-            <a:schemeClr val="dk1"/>
-          </a:lnRef>
-          <a:fillRef idx="0">
-            <a:schemeClr val="dk1"/>
-          </a:fillRef>
-          <a:effectRef idx="0">
-            <a:schemeClr val="dk1"/>
-          </a:effectRef>
-          <a:fontRef idx="minor">
-            <a:schemeClr val="tx1"/>
-          </a:fontRef>
-        </p:style>
-      </p:cxnSp>
-      <p:sp>
-        <p:nvSpPr>
-          <p:cNvPr id="63" name="TextBox 62">
-            <a:extLst>
-              <a:ext uri="{FF2B5EF4-FFF2-40B4-BE49-F238E27FC236}">
-                <a16:creationId xmlns:a16="http://schemas.microsoft.com/office/drawing/2014/main" id="{E3925543-8884-0413-91EA-1991A51014B1}"/>
-              </a:ext>
-            </a:extLst>
-          </p:cNvPr>
-          <p:cNvSpPr txBox="1"/>
-          <p:nvPr/>
-        </p:nvSpPr>
-        <p:spPr>
-          <a:xfrm>
-            <a:off x="1098113" y="4406281"/>
-            <a:ext cx="1345112" cy="369332"/>
-          </a:xfrm>
-          <a:prstGeom prst="rect">
-            <a:avLst/>
-          </a:prstGeom>
-          <a:noFill/>
-          <a:ln>
-            <a:solidFill>
-              <a:schemeClr val="tx1"/>
-            </a:solidFill>
-          </a:ln>
-        </p:spPr>
-        <p:txBody>
-          <a:bodyPr wrap="none" rtlCol="0">
-            <a:spAutoFit/>
-          </a:bodyPr>
-          <a:lstStyle/>
-          <a:p>
-            <a:r>
-              <a:rPr lang="it-IT" dirty="0"/>
-              <a:t>Solar </a:t>
-            </a:r>
-            <a:r>
-              <a:rPr lang="it-IT" dirty="0" err="1"/>
-              <a:t>Pannel</a:t>
-            </a:r>
-            <a:endParaRPr lang="it-IT" dirty="0"/>
-          </a:p>
-        </p:txBody>
-      </p:sp>
-      <p:cxnSp>
-        <p:nvCxnSpPr>
-          <p:cNvPr id="67" name="Connector: Elbow 66">
-            <a:extLst>
-              <a:ext uri="{FF2B5EF4-FFF2-40B4-BE49-F238E27FC236}">
-                <a16:creationId xmlns:a16="http://schemas.microsoft.com/office/drawing/2014/main" id="{1B891E73-C6C9-F645-56B1-A9F85453BAAA}"/>
-              </a:ext>
-            </a:extLst>
-          </p:cNvPr>
-          <p:cNvCxnSpPr>
-            <a:stCxn id="63" idx="2"/>
-            <a:endCxn id="12" idx="1"/>
-          </p:cNvCxnSpPr>
-          <p:nvPr/>
-        </p:nvCxnSpPr>
-        <p:spPr>
-          <a:xfrm rot="16200000" flipH="1">
-            <a:off x="1539074" y="5007207"/>
-            <a:ext cx="615534" cy="152345"/>
-          </a:xfrm>
-          <a:prstGeom prst="bentConnector2">
-            <a:avLst/>
-          </a:prstGeom>
-          <a:ln>
-            <a:solidFill>
-              <a:schemeClr val="tx1"/>
-            </a:solidFill>
-            <a:tailEnd type="triangle"/>
-          </a:ln>
-        </p:spPr>
-        <p:style>
-          <a:lnRef idx="1">
-            <a:schemeClr val="accent1"/>
-          </a:lnRef>
-          <a:fillRef idx="0">
-            <a:schemeClr val="accent1"/>
-          </a:fillRef>
-          <a:effectRef idx="0">
-            <a:schemeClr val="accent1"/>
-          </a:effectRef>
-          <a:fontRef idx="minor">
-            <a:schemeClr val="tx1"/>
-          </a:fontRef>
-        </p:style>
-      </p:cxnSp>
-      <p:sp>
-        <p:nvSpPr>
-          <p:cNvPr id="69" name="TextBox 68">
-            <a:extLst>
-              <a:ext uri="{FF2B5EF4-FFF2-40B4-BE49-F238E27FC236}">
-                <a16:creationId xmlns:a16="http://schemas.microsoft.com/office/drawing/2014/main" id="{DDBB4E3A-E190-57D1-CB7A-2A29F8610E24}"/>
-              </a:ext>
-            </a:extLst>
-          </p:cNvPr>
-          <p:cNvSpPr txBox="1"/>
-          <p:nvPr/>
-        </p:nvSpPr>
-        <p:spPr>
-          <a:xfrm>
-            <a:off x="1348739" y="3923493"/>
-            <a:ext cx="485518" cy="646331"/>
-          </a:xfrm>
-          <a:prstGeom prst="rect">
-            <a:avLst/>
-          </a:prstGeom>
-          <a:noFill/>
-        </p:spPr>
-        <p:txBody>
-          <a:bodyPr wrap="none" rtlCol="0">
-            <a:spAutoFit/>
-          </a:bodyPr>
-          <a:lstStyle/>
-          <a:p>
-            <a:r>
-              <a:rPr lang="it-IT" dirty="0"/>
-              <a:t>Yes</a:t>
-            </a:r>
-          </a:p>
-          <a:p>
-            <a:endParaRPr lang="it-IT" dirty="0"/>
-          </a:p>
-        </p:txBody>
-      </p:sp>
-      <p:cxnSp>
-        <p:nvCxnSpPr>
-          <p:cNvPr id="71" name="Connector: Elbow 70">
-            <a:extLst>
-              <a:ext uri="{FF2B5EF4-FFF2-40B4-BE49-F238E27FC236}">
-                <a16:creationId xmlns:a16="http://schemas.microsoft.com/office/drawing/2014/main" id="{388AC8F0-0472-1665-BECC-81DAE07CBDFE}"/>
-              </a:ext>
-            </a:extLst>
-          </p:cNvPr>
-          <p:cNvCxnSpPr>
-            <a:stCxn id="63" idx="3"/>
-            <a:endCxn id="13" idx="0"/>
-          </p:cNvCxnSpPr>
-          <p:nvPr/>
-        </p:nvCxnSpPr>
-        <p:spPr>
-          <a:xfrm>
-            <a:off x="2443225" y="4590947"/>
-            <a:ext cx="3323093" cy="487587"/>
-          </a:xfrm>
-          <a:prstGeom prst="bentConnector2">
-            <a:avLst/>
-          </a:prstGeom>
-          <a:ln>
-            <a:solidFill>
-              <a:schemeClr val="tx1"/>
-            </a:solidFill>
-            <a:tailEnd type="triangle"/>
-          </a:ln>
-        </p:spPr>
-        <p:style>
-          <a:lnRef idx="1">
-            <a:schemeClr val="accent1"/>
-          </a:lnRef>
-          <a:fillRef idx="0">
-            <a:schemeClr val="accent1"/>
-          </a:fillRef>
-          <a:effectRef idx="0">
-            <a:schemeClr val="accent1"/>
-          </a:effectRef>
-          <a:fontRef idx="minor">
-            <a:schemeClr val="tx1"/>
-          </a:fontRef>
-        </p:style>
-      </p:cxnSp>
-      <p:sp>
-        <p:nvSpPr>
-          <p:cNvPr id="72" name="TextBox 71">
-            <a:extLst>
-              <a:ext uri="{FF2B5EF4-FFF2-40B4-BE49-F238E27FC236}">
-                <a16:creationId xmlns:a16="http://schemas.microsoft.com/office/drawing/2014/main" id="{16751FD6-4174-4B13-2A69-7BEADB5F4C7F}"/>
-              </a:ext>
-            </a:extLst>
-          </p:cNvPr>
-          <p:cNvSpPr txBox="1"/>
-          <p:nvPr/>
-        </p:nvSpPr>
-        <p:spPr>
-          <a:xfrm>
-            <a:off x="4564614" y="4513837"/>
-            <a:ext cx="455574" cy="369332"/>
-          </a:xfrm>
-          <a:prstGeom prst="rect">
-            <a:avLst/>
-          </a:prstGeom>
-          <a:noFill/>
-        </p:spPr>
-        <p:txBody>
-          <a:bodyPr wrap="none" rtlCol="0">
-            <a:spAutoFit/>
-          </a:bodyPr>
-          <a:lstStyle/>
-          <a:p>
-            <a:r>
-              <a:rPr lang="it-IT" dirty="0"/>
-              <a:t>No</a:t>
-            </a:r>
-          </a:p>
-        </p:txBody>
-      </p:sp>
-      <p:sp>
-        <p:nvSpPr>
-          <p:cNvPr id="89" name="Rectangle: Rounded Corners 88">
-            <a:extLst>
-              <a:ext uri="{FF2B5EF4-FFF2-40B4-BE49-F238E27FC236}">
-                <a16:creationId xmlns:a16="http://schemas.microsoft.com/office/drawing/2014/main" id="{CF4821FD-0D05-B7E4-3FF6-B1BD7602461B}"/>
-              </a:ext>
-            </a:extLst>
-          </p:cNvPr>
-          <p:cNvSpPr/>
-          <p:nvPr/>
-        </p:nvSpPr>
-        <p:spPr>
-          <a:xfrm>
-            <a:off x="3620278" y="23321"/>
-            <a:ext cx="4112815" cy="1619839"/>
-          </a:xfrm>
-          <a:prstGeom prst="roundRect">
-            <a:avLst/>
-          </a:prstGeom>
-          <a:noFill/>
-          <a:ln w="28575">
-            <a:solidFill>
-              <a:schemeClr val="accent1"/>
-            </a:solidFill>
-          </a:ln>
-        </p:spPr>
-        <p:style>
-          <a:lnRef idx="2">
-            <a:schemeClr val="accent6"/>
-          </a:lnRef>
-          <a:fillRef idx="1">
-            <a:schemeClr val="lt1"/>
-          </a:fillRef>
-          <a:effectRef idx="0">
-            <a:schemeClr val="accent6"/>
-          </a:effectRef>
-          <a:fontRef idx="minor">
-            <a:schemeClr val="dk1"/>
-          </a:fontRef>
-        </p:style>
-        <p:txBody>
-          <a:bodyPr rtlCol="0" anchor="ctr"/>
-          <a:lstStyle/>
-          <a:p>
-            <a:pPr algn="ctr"/>
-            <a:endParaRPr lang="it-IT"/>
-          </a:p>
-        </p:txBody>
-      </p:sp>
-      <p:sp>
-        <p:nvSpPr>
-          <p:cNvPr id="90" name="Arrow: Down 89">
-            <a:extLst>
-              <a:ext uri="{FF2B5EF4-FFF2-40B4-BE49-F238E27FC236}">
-                <a16:creationId xmlns:a16="http://schemas.microsoft.com/office/drawing/2014/main" id="{4D0AB9CA-3C7E-300E-C9F1-E8A17401582D}"/>
-              </a:ext>
-            </a:extLst>
-          </p:cNvPr>
-          <p:cNvSpPr/>
-          <p:nvPr/>
-        </p:nvSpPr>
-        <p:spPr>
-          <a:xfrm>
-            <a:off x="5571128" y="1553407"/>
-            <a:ext cx="390380" cy="438803"/>
-          </a:xfrm>
-          <a:prstGeom prst="downArrow">
-            <a:avLst/>
-          </a:prstGeom>
-          <a:solidFill>
-            <a:srgbClr val="00B050"/>
-          </a:solidFill>
-          <a:ln>
-            <a:solidFill>
-              <a:schemeClr val="accent6"/>
-            </a:solidFill>
-          </a:ln>
-        </p:spPr>
-        <p:style>
-          <a:lnRef idx="2">
-            <a:schemeClr val="accent1">
-              <a:shade val="50000"/>
-            </a:schemeClr>
-          </a:lnRef>
-          <a:fillRef idx="1">
-            <a:schemeClr val="accent1"/>
-          </a:fillRef>
-          <a:effectRef idx="0">
-            <a:schemeClr val="accent1"/>
-          </a:effectRef>
-          <a:fontRef idx="minor">
-            <a:schemeClr val="lt1"/>
-          </a:fontRef>
-        </p:style>
-        <p:txBody>
-          <a:bodyPr rtlCol="0" anchor="ctr"/>
-          <a:lstStyle/>
-          <a:p>
-            <a:pPr algn="ctr"/>
-            <a:endParaRPr lang="it-IT"/>
-          </a:p>
-        </p:txBody>
-      </p:sp>
-      <p:cxnSp>
-        <p:nvCxnSpPr>
-          <p:cNvPr id="38" name="Straight Arrow Connector 37">
-            <a:extLst>
-              <a:ext uri="{FF2B5EF4-FFF2-40B4-BE49-F238E27FC236}">
-                <a16:creationId xmlns:a16="http://schemas.microsoft.com/office/drawing/2014/main" id="{1BC8D832-E161-2AC9-4178-E810157EB80E}"/>
-              </a:ext>
-            </a:extLst>
-          </p:cNvPr>
-          <p:cNvCxnSpPr>
-            <a:cxnSpLocks/>
-            <a:stCxn id="13" idx="3"/>
-            <a:endCxn id="48" idx="1"/>
-          </p:cNvCxnSpPr>
-          <p:nvPr/>
-        </p:nvCxnSpPr>
-        <p:spPr>
-          <a:xfrm flipV="1">
-            <a:off x="7193902" y="5391147"/>
-            <a:ext cx="1129914" cy="10553"/>
-          </a:xfrm>
-          <a:prstGeom prst="straightConnector1">
-            <a:avLst/>
-          </a:prstGeom>
-          <a:ln>
-            <a:solidFill>
-              <a:schemeClr val="tx1"/>
-            </a:solidFill>
-            <a:tailEnd type="triangle"/>
-          </a:ln>
-        </p:spPr>
-        <p:style>
-          <a:lnRef idx="1">
-            <a:schemeClr val="accent1"/>
-          </a:lnRef>
-          <a:fillRef idx="0">
-            <a:schemeClr val="accent1"/>
-          </a:fillRef>
-          <a:effectRef idx="0">
-            <a:schemeClr val="accent1"/>
-          </a:effectRef>
-          <a:fontRef idx="minor">
-            <a:schemeClr val="tx1"/>
-          </a:fontRef>
-        </p:style>
-      </p:cxnSp>
-      <p:sp>
-        <p:nvSpPr>
-          <p:cNvPr id="48" name="TextBox 47">
-            <a:extLst>
-              <a:ext uri="{FF2B5EF4-FFF2-40B4-BE49-F238E27FC236}">
-                <a16:creationId xmlns:a16="http://schemas.microsoft.com/office/drawing/2014/main" id="{266462AA-2DDE-8B41-90D2-94C1E484735A}"/>
-              </a:ext>
-            </a:extLst>
-          </p:cNvPr>
-          <p:cNvSpPr txBox="1"/>
-          <p:nvPr/>
-        </p:nvSpPr>
-        <p:spPr>
-          <a:xfrm>
-            <a:off x="8323816" y="4790982"/>
-            <a:ext cx="2680849" cy="1200329"/>
-          </a:xfrm>
-          <a:prstGeom prst="rect">
-            <a:avLst/>
-          </a:prstGeom>
-          <a:noFill/>
-          <a:ln w="3175">
-            <a:solidFill>
-              <a:schemeClr val="tx1"/>
-            </a:solidFill>
-          </a:ln>
-        </p:spPr>
-        <p:txBody>
-          <a:bodyPr wrap="square" rtlCol="0">
-            <a:spAutoFit/>
-          </a:bodyPr>
-          <a:lstStyle/>
-          <a:p>
-            <a:r>
-              <a:rPr lang="it-IT" dirty="0"/>
-              <a:t>[% </a:t>
-            </a:r>
-            <a:r>
-              <a:rPr lang="it-IT" dirty="0" err="1"/>
-              <a:t>battery</a:t>
-            </a:r>
-            <a:r>
-              <a:rPr lang="it-IT" dirty="0"/>
-              <a:t> for </a:t>
-            </a:r>
-            <a:r>
-              <a:rPr lang="it-IT" dirty="0" err="1"/>
-              <a:t>daily</a:t>
-            </a:r>
-            <a:r>
-              <a:rPr lang="it-IT" dirty="0"/>
-              <a:t> </a:t>
-            </a:r>
-            <a:r>
-              <a:rPr lang="it-IT" dirty="0" err="1"/>
-              <a:t>appointment</a:t>
-            </a:r>
-            <a:r>
-              <a:rPr lang="it-IT" dirty="0"/>
-              <a:t> * 1,2]+15 (20% more </a:t>
-            </a:r>
-            <a:r>
-              <a:rPr lang="it-IT" dirty="0" err="1"/>
-              <a:t>than</a:t>
-            </a:r>
-            <a:r>
-              <a:rPr lang="it-IT" dirty="0"/>
-              <a:t> </a:t>
-            </a:r>
-            <a:r>
-              <a:rPr lang="it-IT" dirty="0" err="1"/>
-              <a:t>usual</a:t>
-            </a:r>
-            <a:r>
-              <a:rPr lang="it-IT" dirty="0"/>
-              <a:t>) &lt; % </a:t>
-            </a:r>
-            <a:r>
-              <a:rPr lang="it-IT" dirty="0" err="1"/>
-              <a:t>battery</a:t>
-            </a:r>
-            <a:endParaRPr lang="it-IT" dirty="0"/>
-          </a:p>
-        </p:txBody>
-      </p:sp>
-      <p:cxnSp>
-        <p:nvCxnSpPr>
-          <p:cNvPr id="56" name="Connector: Elbow 55">
-            <a:extLst>
-              <a:ext uri="{FF2B5EF4-FFF2-40B4-BE49-F238E27FC236}">
-                <a16:creationId xmlns:a16="http://schemas.microsoft.com/office/drawing/2014/main" id="{6902677B-2706-401E-BF24-83A1BD74AB0C}"/>
-              </a:ext>
-            </a:extLst>
-          </p:cNvPr>
-          <p:cNvCxnSpPr>
-            <a:cxnSpLocks/>
-            <a:stCxn id="48" idx="3"/>
-          </p:cNvCxnSpPr>
-          <p:nvPr/>
-        </p:nvCxnSpPr>
-        <p:spPr>
-          <a:xfrm flipV="1">
-            <a:off x="11004665" y="3347208"/>
-            <a:ext cx="127305" cy="2043939"/>
-          </a:xfrm>
-          <a:prstGeom prst="bentConnector2">
-            <a:avLst/>
-          </a:prstGeom>
-          <a:ln w="28575">
-            <a:solidFill>
-              <a:srgbClr val="FF0000"/>
-            </a:solidFill>
-          </a:ln>
-        </p:spPr>
-        <p:style>
-          <a:lnRef idx="1">
-            <a:schemeClr val="accent2"/>
-          </a:lnRef>
-          <a:fillRef idx="0">
-            <a:schemeClr val="accent2"/>
-          </a:fillRef>
-          <a:effectRef idx="0">
-            <a:schemeClr val="accent2"/>
-          </a:effectRef>
-          <a:fontRef idx="minor">
-            <a:schemeClr val="tx1"/>
-          </a:fontRef>
-        </p:style>
-      </p:cxnSp>
-      <p:cxnSp>
-        <p:nvCxnSpPr>
-          <p:cNvPr id="59" name="Connector: Elbow 58">
-            <a:extLst>
-              <a:ext uri="{FF2B5EF4-FFF2-40B4-BE49-F238E27FC236}">
-                <a16:creationId xmlns:a16="http://schemas.microsoft.com/office/drawing/2014/main" id="{98DB1183-C854-8ABC-0E5B-5651A281BF14}"/>
-              </a:ext>
-            </a:extLst>
-          </p:cNvPr>
-          <p:cNvCxnSpPr>
-            <a:stCxn id="13" idx="3"/>
-            <a:endCxn id="14" idx="1"/>
-          </p:cNvCxnSpPr>
-          <p:nvPr/>
-        </p:nvCxnSpPr>
-        <p:spPr>
-          <a:xfrm flipV="1">
-            <a:off x="7193902" y="3750553"/>
-            <a:ext cx="1095882" cy="1651147"/>
-          </a:xfrm>
-          <a:prstGeom prst="bentConnector3">
-            <a:avLst/>
-          </a:prstGeom>
-          <a:ln w="12700">
-            <a:solidFill>
-              <a:schemeClr val="tx1"/>
-            </a:solidFill>
-            <a:tailEnd type="triangle"/>
-          </a:ln>
-        </p:spPr>
-        <p:style>
-          <a:lnRef idx="1">
-            <a:schemeClr val="dk1"/>
-          </a:lnRef>
-          <a:fillRef idx="0">
-            <a:schemeClr val="dk1"/>
-          </a:fillRef>
-          <a:effectRef idx="0">
-            <a:schemeClr val="dk1"/>
-          </a:effectRef>
-          <a:fontRef idx="minor">
-            <a:schemeClr val="tx1"/>
-          </a:fontRef>
-        </p:style>
-      </p:cxnSp>
-      <p:cxnSp>
-        <p:nvCxnSpPr>
-          <p:cNvPr id="119" name="Connector: Elbow 118">
-            <a:extLst>
-              <a:ext uri="{FF2B5EF4-FFF2-40B4-BE49-F238E27FC236}">
-                <a16:creationId xmlns:a16="http://schemas.microsoft.com/office/drawing/2014/main" id="{3467A2A2-4B1F-A44D-C128-75D2A35BDB4D}"/>
-              </a:ext>
-            </a:extLst>
-          </p:cNvPr>
-          <p:cNvCxnSpPr>
-            <a:stCxn id="48" idx="2"/>
-            <a:endCxn id="29" idx="3"/>
-          </p:cNvCxnSpPr>
-          <p:nvPr/>
-        </p:nvCxnSpPr>
-        <p:spPr>
-          <a:xfrm rot="5400000">
-            <a:off x="6895375" y="3684109"/>
-            <a:ext cx="461665" cy="5076069"/>
-          </a:xfrm>
-          <a:prstGeom prst="bentConnector2">
-            <a:avLst/>
-          </a:prstGeom>
-          <a:ln w="28575">
-            <a:solidFill>
-              <a:srgbClr val="FF0000"/>
-            </a:solidFill>
-            <a:tailEnd type="triangle"/>
-          </a:ln>
-        </p:spPr>
-        <p:style>
-          <a:lnRef idx="1">
-            <a:schemeClr val="accent1"/>
-          </a:lnRef>
-          <a:fillRef idx="0">
-            <a:schemeClr val="accent1"/>
-          </a:fillRef>
-          <a:effectRef idx="0">
-            <a:schemeClr val="accent1"/>
-          </a:effectRef>
-          <a:fontRef idx="minor">
-            <a:schemeClr val="tx1"/>
-          </a:fontRef>
-        </p:style>
-      </p:cxnSp>
-      <p:cxnSp>
-        <p:nvCxnSpPr>
-          <p:cNvPr id="2" name="Connector: Elbow 1">
-            <a:extLst>
-              <a:ext uri="{FF2B5EF4-FFF2-40B4-BE49-F238E27FC236}">
-                <a16:creationId xmlns:a16="http://schemas.microsoft.com/office/drawing/2014/main" id="{30536AD6-8258-5985-186A-32583858F38A}"/>
-              </a:ext>
-            </a:extLst>
-          </p:cNvPr>
-          <p:cNvCxnSpPr>
-            <a:cxnSpLocks/>
-            <a:stCxn id="14" idx="3"/>
-            <a:endCxn id="29" idx="3"/>
-          </p:cNvCxnSpPr>
-          <p:nvPr/>
-        </p:nvCxnSpPr>
-        <p:spPr>
-          <a:xfrm flipH="1">
-            <a:off x="4588172" y="3750553"/>
-            <a:ext cx="6314184" cy="2702423"/>
-          </a:xfrm>
-          <a:prstGeom prst="bentConnector3">
-            <a:avLst>
-              <a:gd name="adj1" fmla="val -3620"/>
-            </a:avLst>
-          </a:prstGeom>
-          <a:ln w="28575">
-            <a:solidFill>
-              <a:srgbClr val="FF0000"/>
-            </a:solidFill>
-            <a:tailEnd type="triangle"/>
-          </a:ln>
-        </p:spPr>
-        <p:style>
-          <a:lnRef idx="1">
-            <a:schemeClr val="accent1"/>
-          </a:lnRef>
-          <a:fillRef idx="0">
-            <a:schemeClr val="accent1"/>
-          </a:fillRef>
-          <a:effectRef idx="0">
-            <a:schemeClr val="accent1"/>
-          </a:effectRef>
-          <a:fontRef idx="minor">
-            <a:schemeClr val="tx1"/>
-          </a:fontRef>
-        </p:style>
-      </p:cxnSp>
+              <a:t> ON</a:t>
+            </a:r>
+          </a:p>
+        </p:txBody>
+      </p:sp>
     </p:spTree>
     <p:extLst>
       <p:ext uri="{BB962C8B-B14F-4D97-AF65-F5344CB8AC3E}">
@@ -12563,7 +12966,23 @@
                   <a:schemeClr val="tx1"/>
                 </a:solidFill>
               </a:rPr>
-              <a:t> in km of out </a:t>
+              <a:t> in km of the </a:t>
+            </a:r>
+            <a:r>
+              <a:rPr lang="it-IT" dirty="0" err="1">
+                <a:solidFill>
+                  <a:schemeClr val="tx1"/>
+                </a:solidFill>
+              </a:rPr>
+              <a:t>user’s</a:t>
+            </a:r>
+            <a:r>
+              <a:rPr lang="it-IT" dirty="0">
+                <a:solidFill>
+                  <a:schemeClr val="tx1"/>
+                </a:solidFill>
+              </a:rPr>
+              <a:t> </a:t>
             </a:r>
             <a:r>
               <a:rPr lang="it-IT" dirty="0" err="1">
@@ -12696,9 +13115,9 @@
           <a:prstGeom prst="bentConnector2">
             <a:avLst/>
           </a:prstGeom>
-          <a:ln>
-            <a:solidFill>
-              <a:schemeClr val="tx1"/>
+          <a:ln w="38100">
+            <a:solidFill>
+              <a:srgbClr val="FF0000"/>
             </a:solidFill>
             <a:tailEnd type="triangle"/>
           </a:ln>
@@ -12739,9 +13158,9 @@
             <a:avLst/>
           </a:prstGeom>
           <a:noFill/>
-          <a:ln>
-            <a:solidFill>
-              <a:schemeClr val="tx1"/>
+          <a:ln w="38100">
+            <a:solidFill>
+              <a:srgbClr val="FF0000"/>
             </a:solidFill>
           </a:ln>
         </p:spPr>
@@ -12882,7 +13301,10 @@
           <a:prstGeom prst="bentConnector2">
             <a:avLst/>
           </a:prstGeom>
-          <a:ln>
+          <a:ln w="38100">
+            <a:solidFill>
+              <a:srgbClr val="00B050"/>
+            </a:solidFill>
             <a:tailEnd type="triangle"/>
           </a:ln>
         </p:spPr>
@@ -12922,9 +13344,9 @@
             <a:avLst/>
           </a:prstGeom>
           <a:noFill/>
-          <a:ln>
-            <a:solidFill>
-              <a:schemeClr val="tx1"/>
+          <a:ln w="38100">
+            <a:solidFill>
+              <a:srgbClr val="00B050"/>
             </a:solidFill>
           </a:ln>
         </p:spPr>
@@ -12940,7 +13362,15 @@
             </a:r>
             <a:r>
               <a:rPr lang="it-IT" dirty="0"/>
-              <a:t> to the control strategy the </a:t>
+              <a:t> to the </a:t>
+            </a:r>
+            <a:r>
+              <a:rPr lang="it-IT" dirty="0" err="1"/>
+              <a:t>actuator</a:t>
+            </a:r>
+            <a:r>
+              <a:rPr lang="it-IT" dirty="0"/>
+              <a:t> control strategy the </a:t>
             </a:r>
             <a:r>
               <a:rPr lang="it-IT" dirty="0" err="1"/>
@@ -12993,7 +13423,7 @@
             </p:nvSpPr>
             <p:spPr>
               <a:xfrm>
-                <a:off x="4329405" y="6319602"/>
+                <a:off x="3982910" y="6336157"/>
                 <a:ext cx="3240246" cy="424283"/>
               </a:xfrm>
               <a:prstGeom prst="rect">
@@ -13090,7 +13520,7 @@
             </p:nvSpPr>
             <p:spPr>
               <a:xfrm>
-                <a:off x="4329405" y="6319602"/>
+                <a:off x="3982910" y="6336157"/>
                 <a:ext cx="3240246" cy="424283"/>
               </a:xfrm>
               <a:prstGeom prst="rect">
@@ -13099,7 +13529,7 @@
               <a:blipFill>
                 <a:blip r:embed="rId2"/>
                 <a:stretch>
-                  <a:fillRect l="-4323" t="-4348" r="-3383" b="-18841"/>
+                  <a:fillRect l="-4323" t="-4286" r="-3383" b="-17143"/>
                 </a:stretch>
               </a:blipFill>
             </p:spPr>
@@ -13134,7 +13564,7 @@
             </p:nvSpPr>
             <p:spPr>
               <a:xfrm>
-                <a:off x="3932972" y="5778610"/>
+                <a:off x="3583382" y="5762019"/>
                 <a:ext cx="4326056" cy="429926"/>
               </a:xfrm>
               <a:prstGeom prst="rect">
@@ -13225,7 +13655,7 @@
             </p:nvSpPr>
             <p:spPr>
               <a:xfrm>
-                <a:off x="3932972" y="5778610"/>
+                <a:off x="3583382" y="5762019"/>
                 <a:ext cx="4326056" cy="429926"/>
               </a:xfrm>
               <a:prstGeom prst="rect">
@@ -13234,7 +13664,7 @@
               <a:blipFill>
                 <a:blip r:embed="rId3"/>
                 <a:stretch>
-                  <a:fillRect l="-3239" t="-2857" b="-18571"/>
+                  <a:fillRect l="-3385" t="-2817" b="-16901"/>
                 </a:stretch>
               </a:blipFill>
             </p:spPr>
@@ -13282,7 +13712,11 @@
           <a:lstStyle/>
           <a:p>
             <a:r>
-              <a:rPr lang="it-IT" dirty="0"/>
+              <a:rPr lang="it-IT" b="1" dirty="0">
+                <a:solidFill>
+                  <a:srgbClr val="FF0000"/>
+                </a:solidFill>
+              </a:rPr>
               <a:t>Yes</a:t>
             </a:r>
           </a:p>
@@ -13302,7 +13736,7 @@
         </p:nvSpPr>
         <p:spPr>
           <a:xfrm>
-            <a:off x="5008206" y="2631506"/>
+            <a:off x="4877577" y="2722598"/>
             <a:ext cx="592495" cy="369332"/>
           </a:xfrm>
           <a:prstGeom prst="rect">
@@ -13317,12 +13751,74 @@
           <a:lstStyle/>
           <a:p>
             <a:r>
-              <a:rPr lang="it-IT" dirty="0"/>
+              <a:rPr lang="it-IT" dirty="0">
+                <a:solidFill>
+                  <a:srgbClr val="00B050"/>
+                </a:solidFill>
+              </a:rPr>
               <a:t>No</a:t>
             </a:r>
           </a:p>
         </p:txBody>
       </p:sp>
+      <p:pic>
+        <p:nvPicPr>
+          <p:cNvPr id="7" name="Picture 6">
+            <a:extLst>
+              <a:ext uri="{FF2B5EF4-FFF2-40B4-BE49-F238E27FC236}">
+                <a16:creationId xmlns:a16="http://schemas.microsoft.com/office/drawing/2014/main" id="{9797A4E5-D10C-F5CF-FE6D-7B9F39FF57D9}"/>
+              </a:ext>
+            </a:extLst>
+          </p:cNvPr>
+          <p:cNvPicPr>
+            <a:picLocks noChangeAspect="1"/>
+          </p:cNvPicPr>
+          <p:nvPr/>
+        </p:nvPicPr>
+        <p:blipFill rotWithShape="1">
+          <a:blip r:embed="rId4"/>
+          <a:srcRect l="2915" r="1"/>
+          <a:stretch/>
+        </p:blipFill>
+        <p:spPr>
+          <a:xfrm>
+            <a:off x="7604874" y="166740"/>
+            <a:ext cx="2770345" cy="1842903"/>
+          </a:xfrm>
+          <a:prstGeom prst="rect">
+            <a:avLst/>
+          </a:prstGeom>
+        </p:spPr>
+      </p:pic>
+      <p:pic>
+        <p:nvPicPr>
+          <p:cNvPr id="10" name="Picture 9">
+            <a:extLst>
+              <a:ext uri="{FF2B5EF4-FFF2-40B4-BE49-F238E27FC236}">
+                <a16:creationId xmlns:a16="http://schemas.microsoft.com/office/drawing/2014/main" id="{D4304D21-C60A-2A8C-7001-35C3D386EABA}"/>
+              </a:ext>
+            </a:extLst>
+          </p:cNvPr>
+          <p:cNvPicPr>
+            <a:picLocks noChangeAspect="1"/>
+          </p:cNvPicPr>
+          <p:nvPr/>
+        </p:nvPicPr>
+        <p:blipFill rotWithShape="1">
+          <a:blip r:embed="rId5"/>
+          <a:srcRect l="1" r="22712"/>
+          <a:stretch/>
+        </p:blipFill>
+        <p:spPr>
+          <a:xfrm>
+            <a:off x="7604874" y="2125171"/>
+            <a:ext cx="2770345" cy="3726069"/>
+          </a:xfrm>
+          <a:prstGeom prst="rect">
+            <a:avLst/>
+          </a:prstGeom>
+        </p:spPr>
+      </p:pic>
     </p:spTree>
     <p:extLst>
       <p:ext uri="{BB962C8B-B14F-4D97-AF65-F5344CB8AC3E}">

--- a/Materiale Extra/Use Case Diagram.pptx
+++ b/Materiale Extra/Use Case Diagram.pptx
@@ -9,6 +9,7 @@
     <p:sldId id="259" r:id="rId3"/>
     <p:sldId id="258" r:id="rId4"/>
     <p:sldId id="260" r:id="rId5"/>
+    <p:sldId id="261" r:id="rId6"/>
   </p:sldIdLst>
   <p:sldSz cx="12192000" cy="6858000"/>
   <p:notesSz cx="6858000" cy="9144000"/>
@@ -264,7 +265,7 @@
           <a:p>
             <a:fld id="{80ED650E-8838-4EF0-9231-2B5BD85C2A91}" type="datetimeFigureOut">
               <a:rPr lang="it-IT" smtClean="0"/>
-              <a:t>16/05/2023</a:t>
+              <a:t>17/05/2023</a:t>
             </a:fld>
             <a:endParaRPr lang="it-IT"/>
           </a:p>
@@ -464,7 +465,7 @@
           <a:p>
             <a:fld id="{80ED650E-8838-4EF0-9231-2B5BD85C2A91}" type="datetimeFigureOut">
               <a:rPr lang="it-IT" smtClean="0"/>
-              <a:t>16/05/2023</a:t>
+              <a:t>17/05/2023</a:t>
             </a:fld>
             <a:endParaRPr lang="it-IT"/>
           </a:p>
@@ -674,7 +675,7 @@
           <a:p>
             <a:fld id="{80ED650E-8838-4EF0-9231-2B5BD85C2A91}" type="datetimeFigureOut">
               <a:rPr lang="it-IT" smtClean="0"/>
-              <a:t>16/05/2023</a:t>
+              <a:t>17/05/2023</a:t>
             </a:fld>
             <a:endParaRPr lang="it-IT"/>
           </a:p>
@@ -874,7 +875,7 @@
           <a:p>
             <a:fld id="{80ED650E-8838-4EF0-9231-2B5BD85C2A91}" type="datetimeFigureOut">
               <a:rPr lang="it-IT" smtClean="0"/>
-              <a:t>16/05/2023</a:t>
+              <a:t>17/05/2023</a:t>
             </a:fld>
             <a:endParaRPr lang="it-IT"/>
           </a:p>
@@ -1150,7 +1151,7 @@
           <a:p>
             <a:fld id="{80ED650E-8838-4EF0-9231-2B5BD85C2A91}" type="datetimeFigureOut">
               <a:rPr lang="it-IT" smtClean="0"/>
-              <a:t>16/05/2023</a:t>
+              <a:t>17/05/2023</a:t>
             </a:fld>
             <a:endParaRPr lang="it-IT"/>
           </a:p>
@@ -1418,7 +1419,7 @@
           <a:p>
             <a:fld id="{80ED650E-8838-4EF0-9231-2B5BD85C2A91}" type="datetimeFigureOut">
               <a:rPr lang="it-IT" smtClean="0"/>
-              <a:t>16/05/2023</a:t>
+              <a:t>17/05/2023</a:t>
             </a:fld>
             <a:endParaRPr lang="it-IT"/>
           </a:p>
@@ -1833,7 +1834,7 @@
           <a:p>
             <a:fld id="{80ED650E-8838-4EF0-9231-2B5BD85C2A91}" type="datetimeFigureOut">
               <a:rPr lang="it-IT" smtClean="0"/>
-              <a:t>16/05/2023</a:t>
+              <a:t>17/05/2023</a:t>
             </a:fld>
             <a:endParaRPr lang="it-IT"/>
           </a:p>
@@ -1975,7 +1976,7 @@
           <a:p>
             <a:fld id="{80ED650E-8838-4EF0-9231-2B5BD85C2A91}" type="datetimeFigureOut">
               <a:rPr lang="it-IT" smtClean="0"/>
-              <a:t>16/05/2023</a:t>
+              <a:t>17/05/2023</a:t>
             </a:fld>
             <a:endParaRPr lang="it-IT"/>
           </a:p>
@@ -2088,7 +2089,7 @@
           <a:p>
             <a:fld id="{80ED650E-8838-4EF0-9231-2B5BD85C2A91}" type="datetimeFigureOut">
               <a:rPr lang="it-IT" smtClean="0"/>
-              <a:t>16/05/2023</a:t>
+              <a:t>17/05/2023</a:t>
             </a:fld>
             <a:endParaRPr lang="it-IT"/>
           </a:p>
@@ -2401,7 +2402,7 @@
           <a:p>
             <a:fld id="{80ED650E-8838-4EF0-9231-2B5BD85C2A91}" type="datetimeFigureOut">
               <a:rPr lang="it-IT" smtClean="0"/>
-              <a:t>16/05/2023</a:t>
+              <a:t>17/05/2023</a:t>
             </a:fld>
             <a:endParaRPr lang="it-IT"/>
           </a:p>
@@ -2690,7 +2691,7 @@
           <a:p>
             <a:fld id="{80ED650E-8838-4EF0-9231-2B5BD85C2A91}" type="datetimeFigureOut">
               <a:rPr lang="it-IT" smtClean="0"/>
-              <a:t>16/05/2023</a:t>
+              <a:t>17/05/2023</a:t>
             </a:fld>
             <a:endParaRPr lang="it-IT"/>
           </a:p>
@@ -2933,7 +2934,7 @@
           <a:p>
             <a:fld id="{80ED650E-8838-4EF0-9231-2B5BD85C2A91}" type="datetimeFigureOut">
               <a:rPr lang="it-IT" smtClean="0"/>
-              <a:t>16/05/2023</a:t>
+              <a:t>17/05/2023</a:t>
             </a:fld>
             <a:endParaRPr lang="it-IT"/>
           </a:p>
@@ -13407,8 +13408,8 @@
           </a:p>
         </p:txBody>
       </p:sp>
-      <mc:AlternateContent xmlns:mc="http://schemas.openxmlformats.org/markup-compatibility/2006">
-        <mc:Choice xmlns:a14="http://schemas.microsoft.com/office/drawing/2010/main" Requires="a14">
+      <mc:AlternateContent xmlns:mc="http://schemas.openxmlformats.org/markup-compatibility/2006" xmlns:a14="http://schemas.microsoft.com/office/drawing/2010/main">
+        <mc:Choice Requires="a14">
           <p:sp>
             <p:nvSpPr>
               <p:cNvPr id="58" name="TextBox 57">
@@ -13503,7 +13504,7 @@
             </p:txBody>
           </p:sp>
         </mc:Choice>
-        <mc:Fallback>
+        <mc:Fallback xmlns="">
           <p:sp>
             <p:nvSpPr>
               <p:cNvPr id="58" name="TextBox 57">
@@ -13548,8 +13549,8 @@
           </p:sp>
         </mc:Fallback>
       </mc:AlternateContent>
-      <mc:AlternateContent xmlns:mc="http://schemas.openxmlformats.org/markup-compatibility/2006">
-        <mc:Choice xmlns:a14="http://schemas.microsoft.com/office/drawing/2010/main" Requires="a14">
+      <mc:AlternateContent xmlns:mc="http://schemas.openxmlformats.org/markup-compatibility/2006" xmlns:a14="http://schemas.microsoft.com/office/drawing/2010/main">
+        <mc:Choice Requires="a14">
           <p:sp>
             <p:nvSpPr>
               <p:cNvPr id="59" name="TextBox 58">
@@ -13638,7 +13639,7 @@
             </p:txBody>
           </p:sp>
         </mc:Choice>
-        <mc:Fallback>
+        <mc:Fallback xmlns="">
           <p:sp>
             <p:nvSpPr>
               <p:cNvPr id="59" name="TextBox 58">
@@ -13823,6 +13824,1087 @@
     <p:extLst>
       <p:ext uri="{BB962C8B-B14F-4D97-AF65-F5344CB8AC3E}">
         <p14:creationId xmlns:p14="http://schemas.microsoft.com/office/powerpoint/2010/main" val="2701571902"/>
+      </p:ext>
+    </p:extLst>
+  </p:cSld>
+  <p:clrMapOvr>
+    <a:masterClrMapping/>
+  </p:clrMapOvr>
+</p:sld>
+</file>
+
+<file path=ppt/slides/slide5.xml><?xml version="1.0" encoding="utf-8"?>
+<p:sld xmlns:a="http://schemas.openxmlformats.org/drawingml/2006/main" xmlns:r="http://schemas.openxmlformats.org/officeDocument/2006/relationships" xmlns:p="http://schemas.openxmlformats.org/presentationml/2006/main">
+  <p:cSld>
+    <p:spTree>
+      <p:nvGrpSpPr>
+        <p:cNvPr id="1" name=""/>
+        <p:cNvGrpSpPr/>
+        <p:nvPr/>
+      </p:nvGrpSpPr>
+      <p:grpSpPr>
+        <a:xfrm>
+          <a:off x="0" y="0"/>
+          <a:ext cx="0" cy="0"/>
+          <a:chOff x="0" y="0"/>
+          <a:chExt cx="0" cy="0"/>
+        </a:xfrm>
+      </p:grpSpPr>
+      <p:sp>
+        <p:nvSpPr>
+          <p:cNvPr id="2" name="TextBox 1">
+            <a:extLst>
+              <a:ext uri="{FF2B5EF4-FFF2-40B4-BE49-F238E27FC236}">
+                <a16:creationId xmlns:a16="http://schemas.microsoft.com/office/drawing/2014/main" id="{8B99B3C0-4442-419F-B011-1D3C4C0583EE}"/>
+              </a:ext>
+            </a:extLst>
+          </p:cNvPr>
+          <p:cNvSpPr txBox="1"/>
+          <p:nvPr/>
+        </p:nvSpPr>
+        <p:spPr>
+          <a:xfrm>
+            <a:off x="5747282" y="1243225"/>
+            <a:ext cx="2757888" cy="307777"/>
+          </a:xfrm>
+          <a:prstGeom prst="rect">
+            <a:avLst/>
+          </a:prstGeom>
+          <a:noFill/>
+          <a:ln>
+            <a:solidFill>
+              <a:schemeClr val="tx1"/>
+            </a:solidFill>
+          </a:ln>
+        </p:spPr>
+        <p:txBody>
+          <a:bodyPr wrap="square" rtlCol="0">
+            <a:spAutoFit/>
+          </a:bodyPr>
+          <a:lstStyle/>
+          <a:p>
+            <a:r>
+              <a:rPr lang="it-IT" sz="1400" dirty="0" err="1"/>
+              <a:t>Battery</a:t>
+            </a:r>
+            <a:r>
+              <a:rPr lang="it-IT" sz="1400" dirty="0"/>
+              <a:t> </a:t>
+            </a:r>
+            <a:r>
+              <a:rPr lang="it-IT" sz="1400" dirty="0" err="1"/>
+              <a:t>Consumption</a:t>
+            </a:r>
+            <a:r>
+              <a:rPr lang="it-IT" sz="1400" dirty="0"/>
+              <a:t> (km/KWh)</a:t>
+            </a:r>
+          </a:p>
+        </p:txBody>
+      </p:sp>
+      <p:cxnSp>
+        <p:nvCxnSpPr>
+          <p:cNvPr id="3" name="Connector: Elbow 2">
+            <a:extLst>
+              <a:ext uri="{FF2B5EF4-FFF2-40B4-BE49-F238E27FC236}">
+                <a16:creationId xmlns:a16="http://schemas.microsoft.com/office/drawing/2014/main" id="{38BD661B-C93D-4394-A8B3-5BB241D34867}"/>
+              </a:ext>
+            </a:extLst>
+          </p:cNvPr>
+          <p:cNvCxnSpPr>
+            <a:cxnSpLocks/>
+            <a:endCxn id="4" idx="1"/>
+          </p:cNvCxnSpPr>
+          <p:nvPr/>
+        </p:nvCxnSpPr>
+        <p:spPr>
+          <a:xfrm rot="16200000" flipH="1">
+            <a:off x="4199866" y="1810373"/>
+            <a:ext cx="622932" cy="138220"/>
+          </a:xfrm>
+          <a:prstGeom prst="bentConnector2">
+            <a:avLst/>
+          </a:prstGeom>
+          <a:ln>
+            <a:solidFill>
+              <a:schemeClr val="tx1"/>
+            </a:solidFill>
+            <a:tailEnd type="triangle"/>
+          </a:ln>
+        </p:spPr>
+        <p:style>
+          <a:lnRef idx="1">
+            <a:schemeClr val="accent1"/>
+          </a:lnRef>
+          <a:fillRef idx="0">
+            <a:schemeClr val="accent1"/>
+          </a:fillRef>
+          <a:effectRef idx="0">
+            <a:schemeClr val="accent1"/>
+          </a:effectRef>
+          <a:fontRef idx="minor">
+            <a:schemeClr val="tx1"/>
+          </a:fontRef>
+        </p:style>
+      </p:cxnSp>
+      <p:sp>
+        <p:nvSpPr>
+          <p:cNvPr id="4" name="TextBox 3">
+            <a:extLst>
+              <a:ext uri="{FF2B5EF4-FFF2-40B4-BE49-F238E27FC236}">
+                <a16:creationId xmlns:a16="http://schemas.microsoft.com/office/drawing/2014/main" id="{153B864D-01C6-49AE-AE5D-A33635D12EC3}"/>
+              </a:ext>
+            </a:extLst>
+          </p:cNvPr>
+          <p:cNvSpPr txBox="1"/>
+          <p:nvPr/>
+        </p:nvSpPr>
+        <p:spPr>
+          <a:xfrm>
+            <a:off x="4580442" y="1821617"/>
+            <a:ext cx="2341984" cy="738664"/>
+          </a:xfrm>
+          <a:prstGeom prst="rect">
+            <a:avLst/>
+          </a:prstGeom>
+          <a:noFill/>
+          <a:ln>
+            <a:solidFill>
+              <a:schemeClr val="tx1"/>
+            </a:solidFill>
+          </a:ln>
+        </p:spPr>
+        <p:txBody>
+          <a:bodyPr wrap="square" rtlCol="0">
+            <a:spAutoFit/>
+          </a:bodyPr>
+          <a:lstStyle/>
+          <a:p>
+            <a:r>
+              <a:rPr lang="it-IT" sz="1400" dirty="0" err="1"/>
+              <a:t>Autonomy</a:t>
+            </a:r>
+            <a:r>
+              <a:rPr lang="it-IT" sz="1400" dirty="0"/>
+              <a:t> of the </a:t>
+            </a:r>
+            <a:r>
+              <a:rPr lang="it-IT" sz="1400" dirty="0" err="1"/>
+              <a:t>electric</a:t>
+            </a:r>
+            <a:r>
+              <a:rPr lang="it-IT" sz="1400" dirty="0"/>
+              <a:t> </a:t>
+            </a:r>
+            <a:r>
+              <a:rPr lang="it-IT" sz="1400" dirty="0" err="1"/>
+              <a:t>vehicle</a:t>
+            </a:r>
+            <a:r>
+              <a:rPr lang="it-IT" sz="1400" dirty="0"/>
+              <a:t> with 100 % of </a:t>
+            </a:r>
+            <a:r>
+              <a:rPr lang="it-IT" sz="1400" dirty="0" err="1"/>
+              <a:t>battery</a:t>
+            </a:r>
+            <a:r>
+              <a:rPr lang="it-IT" sz="1400" dirty="0"/>
+              <a:t> (km)</a:t>
+            </a:r>
+          </a:p>
+        </p:txBody>
+      </p:sp>
+      <p:cxnSp>
+        <p:nvCxnSpPr>
+          <p:cNvPr id="5" name="Connector: Elbow 4">
+            <a:extLst>
+              <a:ext uri="{FF2B5EF4-FFF2-40B4-BE49-F238E27FC236}">
+                <a16:creationId xmlns:a16="http://schemas.microsoft.com/office/drawing/2014/main" id="{2E1C27E0-C7FB-456D-A278-9437AC9226E2}"/>
+              </a:ext>
+            </a:extLst>
+          </p:cNvPr>
+          <p:cNvCxnSpPr>
+            <a:cxnSpLocks/>
+            <a:stCxn id="2" idx="2"/>
+            <a:endCxn id="4" idx="3"/>
+          </p:cNvCxnSpPr>
+          <p:nvPr/>
+        </p:nvCxnSpPr>
+        <p:spPr>
+          <a:xfrm rot="5400000">
+            <a:off x="6704353" y="1769075"/>
+            <a:ext cx="639947" cy="203800"/>
+          </a:xfrm>
+          <a:prstGeom prst="bentConnector2">
+            <a:avLst/>
+          </a:prstGeom>
+          <a:ln>
+            <a:tailEnd type="triangle"/>
+          </a:ln>
+        </p:spPr>
+        <p:style>
+          <a:lnRef idx="1">
+            <a:schemeClr val="dk1"/>
+          </a:lnRef>
+          <a:fillRef idx="0">
+            <a:schemeClr val="dk1"/>
+          </a:fillRef>
+          <a:effectRef idx="0">
+            <a:schemeClr val="dk1"/>
+          </a:effectRef>
+          <a:fontRef idx="minor">
+            <a:schemeClr val="tx1"/>
+          </a:fontRef>
+        </p:style>
+      </p:cxnSp>
+      <p:sp>
+        <p:nvSpPr>
+          <p:cNvPr id="6" name="TextBox 5">
+            <a:extLst>
+              <a:ext uri="{FF2B5EF4-FFF2-40B4-BE49-F238E27FC236}">
+                <a16:creationId xmlns:a16="http://schemas.microsoft.com/office/drawing/2014/main" id="{727772D3-6C54-4BB4-AF6C-69D46E8D7DBC}"/>
+              </a:ext>
+            </a:extLst>
+          </p:cNvPr>
+          <p:cNvSpPr txBox="1"/>
+          <p:nvPr/>
+        </p:nvSpPr>
+        <p:spPr>
+          <a:xfrm>
+            <a:off x="4590782" y="2875363"/>
+            <a:ext cx="2341984" cy="954107"/>
+          </a:xfrm>
+          <a:prstGeom prst="rect">
+            <a:avLst/>
+          </a:prstGeom>
+          <a:ln/>
+        </p:spPr>
+        <p:style>
+          <a:lnRef idx="2">
+            <a:schemeClr val="dk1"/>
+          </a:lnRef>
+          <a:fillRef idx="1">
+            <a:schemeClr val="lt1"/>
+          </a:fillRef>
+          <a:effectRef idx="0">
+            <a:schemeClr val="dk1"/>
+          </a:effectRef>
+          <a:fontRef idx="minor">
+            <a:schemeClr val="dk1"/>
+          </a:fontRef>
+        </p:style>
+        <p:txBody>
+          <a:bodyPr wrap="square" rtlCol="0">
+            <a:spAutoFit/>
+          </a:bodyPr>
+          <a:lstStyle/>
+          <a:p>
+            <a:r>
+              <a:rPr lang="it-IT" sz="1400" dirty="0">
+                <a:solidFill>
+                  <a:schemeClr val="tx1"/>
+                </a:solidFill>
+              </a:rPr>
+              <a:t>Km </a:t>
+            </a:r>
+            <a:r>
+              <a:rPr lang="it-IT" sz="1400" dirty="0" err="1">
+                <a:solidFill>
+                  <a:schemeClr val="tx1"/>
+                </a:solidFill>
+              </a:rPr>
+              <a:t>necessary</a:t>
+            </a:r>
+            <a:r>
+              <a:rPr lang="it-IT" sz="1400" dirty="0">
+                <a:solidFill>
+                  <a:schemeClr val="tx1"/>
+                </a:solidFill>
+              </a:rPr>
+              <a:t> to cover </a:t>
+            </a:r>
+            <a:r>
+              <a:rPr lang="it-IT" sz="1400" dirty="0" err="1">
+                <a:solidFill>
+                  <a:schemeClr val="tx1"/>
+                </a:solidFill>
+              </a:rPr>
+              <a:t>all</a:t>
+            </a:r>
+            <a:r>
+              <a:rPr lang="it-IT" sz="1400" dirty="0">
+                <a:solidFill>
+                  <a:schemeClr val="tx1"/>
+                </a:solidFill>
+              </a:rPr>
+              <a:t> the </a:t>
+            </a:r>
+            <a:r>
+              <a:rPr lang="it-IT" sz="1400" dirty="0" err="1">
+                <a:solidFill>
+                  <a:schemeClr val="tx1"/>
+                </a:solidFill>
+              </a:rPr>
+              <a:t>daily</a:t>
+            </a:r>
+            <a:r>
+              <a:rPr lang="it-IT" sz="1400" dirty="0">
+                <a:solidFill>
+                  <a:schemeClr val="tx1"/>
+                </a:solidFill>
+              </a:rPr>
+              <a:t> </a:t>
+            </a:r>
+            <a:r>
+              <a:rPr lang="it-IT" sz="1400" dirty="0" err="1">
+                <a:solidFill>
+                  <a:schemeClr val="tx1"/>
+                </a:solidFill>
+              </a:rPr>
+              <a:t>appointment</a:t>
+            </a:r>
+            <a:r>
+              <a:rPr lang="it-IT" sz="1400" dirty="0">
+                <a:solidFill>
+                  <a:schemeClr val="tx1"/>
+                </a:solidFill>
+              </a:rPr>
+              <a:t> &gt; max </a:t>
+            </a:r>
+            <a:r>
+              <a:rPr lang="it-IT" sz="1400" dirty="0" err="1">
+                <a:solidFill>
+                  <a:schemeClr val="tx1"/>
+                </a:solidFill>
+              </a:rPr>
+              <a:t>autonomy</a:t>
+            </a:r>
+            <a:r>
+              <a:rPr lang="it-IT" sz="1400" dirty="0">
+                <a:solidFill>
+                  <a:schemeClr val="tx1"/>
+                </a:solidFill>
+              </a:rPr>
+              <a:t> in km of the </a:t>
+            </a:r>
+            <a:r>
+              <a:rPr lang="it-IT" sz="1400" dirty="0" err="1">
+                <a:solidFill>
+                  <a:schemeClr val="tx1"/>
+                </a:solidFill>
+              </a:rPr>
+              <a:t>user’s</a:t>
+            </a:r>
+            <a:r>
+              <a:rPr lang="it-IT" sz="1400" dirty="0">
+                <a:solidFill>
+                  <a:schemeClr val="tx1"/>
+                </a:solidFill>
+              </a:rPr>
+              <a:t> </a:t>
+            </a:r>
+            <a:r>
+              <a:rPr lang="it-IT" sz="1400" dirty="0" err="1">
+                <a:solidFill>
+                  <a:schemeClr val="tx1"/>
+                </a:solidFill>
+              </a:rPr>
+              <a:t>battery</a:t>
+            </a:r>
+            <a:r>
+              <a:rPr lang="it-IT" sz="1400" dirty="0">
+                <a:solidFill>
+                  <a:schemeClr val="tx1"/>
+                </a:solidFill>
+              </a:rPr>
+              <a:t>?</a:t>
+            </a:r>
+          </a:p>
+        </p:txBody>
+      </p:sp>
+      <p:cxnSp>
+        <p:nvCxnSpPr>
+          <p:cNvPr id="7" name="Straight Arrow Connector 6">
+            <a:extLst>
+              <a:ext uri="{FF2B5EF4-FFF2-40B4-BE49-F238E27FC236}">
+                <a16:creationId xmlns:a16="http://schemas.microsoft.com/office/drawing/2014/main" id="{7110A449-D8BF-4504-8D9E-06F6AE85EDF7}"/>
+              </a:ext>
+            </a:extLst>
+          </p:cNvPr>
+          <p:cNvCxnSpPr>
+            <a:stCxn id="4" idx="2"/>
+            <a:endCxn id="6" idx="0"/>
+          </p:cNvCxnSpPr>
+          <p:nvPr/>
+        </p:nvCxnSpPr>
+        <p:spPr>
+          <a:xfrm>
+            <a:off x="5751434" y="2560281"/>
+            <a:ext cx="10340" cy="315082"/>
+          </a:xfrm>
+          <a:prstGeom prst="straightConnector1">
+            <a:avLst/>
+          </a:prstGeom>
+          <a:ln>
+            <a:tailEnd type="triangle"/>
+          </a:ln>
+        </p:spPr>
+        <p:style>
+          <a:lnRef idx="1">
+            <a:schemeClr val="dk1"/>
+          </a:lnRef>
+          <a:fillRef idx="0">
+            <a:schemeClr val="dk1"/>
+          </a:fillRef>
+          <a:effectRef idx="0">
+            <a:schemeClr val="dk1"/>
+          </a:effectRef>
+          <a:fontRef idx="minor">
+            <a:schemeClr val="tx1"/>
+          </a:fontRef>
+        </p:style>
+      </p:cxnSp>
+      <p:cxnSp>
+        <p:nvCxnSpPr>
+          <p:cNvPr id="8" name="Connector: Elbow 7">
+            <a:extLst>
+              <a:ext uri="{FF2B5EF4-FFF2-40B4-BE49-F238E27FC236}">
+                <a16:creationId xmlns:a16="http://schemas.microsoft.com/office/drawing/2014/main" id="{9F7D270E-209B-421B-A68C-4FAB3A19A1FC}"/>
+              </a:ext>
+            </a:extLst>
+          </p:cNvPr>
+          <p:cNvCxnSpPr>
+            <a:cxnSpLocks/>
+            <a:stCxn id="6" idx="1"/>
+            <a:endCxn id="9" idx="0"/>
+          </p:cNvCxnSpPr>
+          <p:nvPr/>
+        </p:nvCxnSpPr>
+        <p:spPr>
+          <a:xfrm rot="10800000" flipV="1">
+            <a:off x="4234164" y="3352417"/>
+            <a:ext cx="356618" cy="666190"/>
+          </a:xfrm>
+          <a:prstGeom prst="bentConnector2">
+            <a:avLst/>
+          </a:prstGeom>
+          <a:ln w="38100">
+            <a:solidFill>
+              <a:srgbClr val="FF0000"/>
+            </a:solidFill>
+            <a:tailEnd type="triangle"/>
+          </a:ln>
+        </p:spPr>
+        <p:style>
+          <a:lnRef idx="1">
+            <a:schemeClr val="dk1"/>
+          </a:lnRef>
+          <a:fillRef idx="0">
+            <a:schemeClr val="dk1"/>
+          </a:fillRef>
+          <a:effectRef idx="0">
+            <a:schemeClr val="dk1"/>
+          </a:effectRef>
+          <a:fontRef idx="minor">
+            <a:schemeClr val="tx1"/>
+          </a:fontRef>
+        </p:style>
+      </p:cxnSp>
+      <p:sp>
+        <p:nvSpPr>
+          <p:cNvPr id="9" name="TextBox 8">
+            <a:extLst>
+              <a:ext uri="{FF2B5EF4-FFF2-40B4-BE49-F238E27FC236}">
+                <a16:creationId xmlns:a16="http://schemas.microsoft.com/office/drawing/2014/main" id="{1750E25B-173A-475F-969F-CEABFF80AC92}"/>
+              </a:ext>
+            </a:extLst>
+          </p:cNvPr>
+          <p:cNvSpPr txBox="1"/>
+          <p:nvPr/>
+        </p:nvSpPr>
+        <p:spPr>
+          <a:xfrm>
+            <a:off x="3471981" y="4018607"/>
+            <a:ext cx="1524365" cy="523220"/>
+          </a:xfrm>
+          <a:prstGeom prst="rect">
+            <a:avLst/>
+          </a:prstGeom>
+          <a:noFill/>
+          <a:ln w="38100">
+            <a:solidFill>
+              <a:srgbClr val="FF0000"/>
+            </a:solidFill>
+          </a:ln>
+        </p:spPr>
+        <p:txBody>
+          <a:bodyPr wrap="square" rtlCol="0">
+            <a:spAutoFit/>
+          </a:bodyPr>
+          <a:lstStyle/>
+          <a:p>
+            <a:r>
+              <a:rPr lang="it-IT" sz="1400" dirty="0" err="1"/>
+              <a:t>Send</a:t>
+            </a:r>
+            <a:r>
+              <a:rPr lang="it-IT" sz="1400" dirty="0"/>
+              <a:t> an </a:t>
+            </a:r>
+            <a:r>
+              <a:rPr lang="it-IT" sz="1400" dirty="0" err="1"/>
+              <a:t>alert</a:t>
+            </a:r>
+            <a:r>
+              <a:rPr lang="it-IT" sz="1400" dirty="0"/>
+              <a:t> to the USER.</a:t>
+            </a:r>
+          </a:p>
+        </p:txBody>
+      </p:sp>
+      <p:cxnSp>
+        <p:nvCxnSpPr>
+          <p:cNvPr id="10" name="Connector: Elbow 9">
+            <a:extLst>
+              <a:ext uri="{FF2B5EF4-FFF2-40B4-BE49-F238E27FC236}">
+                <a16:creationId xmlns:a16="http://schemas.microsoft.com/office/drawing/2014/main" id="{70A575EB-D29D-417E-AB02-CBC11C466CDF}"/>
+              </a:ext>
+            </a:extLst>
+          </p:cNvPr>
+          <p:cNvCxnSpPr>
+            <a:cxnSpLocks/>
+            <a:stCxn id="6" idx="3"/>
+            <a:endCxn id="11" idx="0"/>
+          </p:cNvCxnSpPr>
+          <p:nvPr/>
+        </p:nvCxnSpPr>
+        <p:spPr>
+          <a:xfrm>
+            <a:off x="6932766" y="3352417"/>
+            <a:ext cx="405564" cy="666190"/>
+          </a:xfrm>
+          <a:prstGeom prst="bentConnector2">
+            <a:avLst/>
+          </a:prstGeom>
+          <a:ln w="38100">
+            <a:solidFill>
+              <a:srgbClr val="00B050"/>
+            </a:solidFill>
+            <a:tailEnd type="triangle"/>
+          </a:ln>
+        </p:spPr>
+        <p:style>
+          <a:lnRef idx="1">
+            <a:schemeClr val="dk1"/>
+          </a:lnRef>
+          <a:fillRef idx="0">
+            <a:schemeClr val="dk1"/>
+          </a:fillRef>
+          <a:effectRef idx="0">
+            <a:schemeClr val="dk1"/>
+          </a:effectRef>
+          <a:fontRef idx="minor">
+            <a:schemeClr val="tx1"/>
+          </a:fontRef>
+        </p:style>
+      </p:cxnSp>
+      <p:sp>
+        <p:nvSpPr>
+          <p:cNvPr id="11" name="TextBox 10">
+            <a:extLst>
+              <a:ext uri="{FF2B5EF4-FFF2-40B4-BE49-F238E27FC236}">
+                <a16:creationId xmlns:a16="http://schemas.microsoft.com/office/drawing/2014/main" id="{86554832-9DA8-4158-B4CE-02258D7624E2}"/>
+              </a:ext>
+            </a:extLst>
+          </p:cNvPr>
+          <p:cNvSpPr txBox="1"/>
+          <p:nvPr/>
+        </p:nvSpPr>
+        <p:spPr>
+          <a:xfrm>
+            <a:off x="6167338" y="4018607"/>
+            <a:ext cx="2341984" cy="954107"/>
+          </a:xfrm>
+          <a:prstGeom prst="rect">
+            <a:avLst/>
+          </a:prstGeom>
+          <a:noFill/>
+          <a:ln w="38100">
+            <a:solidFill>
+              <a:srgbClr val="00B050"/>
+            </a:solidFill>
+          </a:ln>
+        </p:spPr>
+        <p:txBody>
+          <a:bodyPr wrap="square" rtlCol="0">
+            <a:spAutoFit/>
+          </a:bodyPr>
+          <a:lstStyle/>
+          <a:p>
+            <a:r>
+              <a:rPr lang="it-IT" sz="1400" dirty="0"/>
+              <a:t>Compute the </a:t>
+            </a:r>
+            <a:r>
+              <a:rPr lang="it-IT" sz="1400" dirty="0" err="1"/>
+              <a:t>value</a:t>
+            </a:r>
+            <a:r>
+              <a:rPr lang="it-IT" sz="1400" dirty="0"/>
+              <a:t> of the </a:t>
+            </a:r>
+            <a:r>
+              <a:rPr lang="it-IT" sz="1400" dirty="0" err="1"/>
+              <a:t>battery’s</a:t>
+            </a:r>
+            <a:r>
+              <a:rPr lang="it-IT" sz="1400" dirty="0"/>
+              <a:t> </a:t>
+            </a:r>
+            <a:r>
+              <a:rPr lang="it-IT" sz="1400" dirty="0" err="1"/>
+              <a:t>percentage</a:t>
+            </a:r>
+            <a:r>
+              <a:rPr lang="it-IT" sz="1400" dirty="0"/>
+              <a:t> </a:t>
+            </a:r>
+            <a:r>
+              <a:rPr lang="it-IT" sz="1400" dirty="0" err="1"/>
+              <a:t>necessary</a:t>
+            </a:r>
+            <a:r>
+              <a:rPr lang="it-IT" sz="1400" dirty="0"/>
+              <a:t> for the following day. </a:t>
+            </a:r>
+          </a:p>
+        </p:txBody>
+      </p:sp>
+      <mc:AlternateContent xmlns:mc="http://schemas.openxmlformats.org/markup-compatibility/2006">
+        <mc:Choice xmlns:a14="http://schemas.microsoft.com/office/drawing/2010/main" Requires="a14">
+          <p:sp>
+            <p:nvSpPr>
+              <p:cNvPr id="12" name="TextBox 11">
+                <a:extLst>
+                  <a:ext uri="{FF2B5EF4-FFF2-40B4-BE49-F238E27FC236}">
+                    <a16:creationId xmlns:a16="http://schemas.microsoft.com/office/drawing/2014/main" id="{4A37772F-F96C-46B7-B6BE-C8CC089D8439}"/>
+                  </a:ext>
+                </a:extLst>
+              </p:cNvPr>
+              <p:cNvSpPr txBox="1"/>
+              <p:nvPr/>
+            </p:nvSpPr>
+            <p:spPr>
+              <a:xfrm>
+                <a:off x="5987704" y="5587044"/>
+                <a:ext cx="2701252" cy="329962"/>
+              </a:xfrm>
+              <a:prstGeom prst="rect">
+                <a:avLst/>
+              </a:prstGeom>
+              <a:noFill/>
+            </p:spPr>
+            <p:txBody>
+              <a:bodyPr wrap="none" lIns="0" tIns="0" rIns="0" bIns="0" rtlCol="0">
+                <a:spAutoFit/>
+              </a:bodyPr>
+              <a:lstStyle/>
+              <a:p>
+                <a:r>
+                  <a:rPr lang="en-US" sz="1400" dirty="0"/>
+                  <a:t>Battery </a:t>
+                </a:r>
+                <a14:m>
+                  <m:oMath xmlns:m="http://schemas.openxmlformats.org/officeDocument/2006/math">
+                    <m:r>
+                      <a:rPr lang="en-US" sz="1400" i="1" smtClean="0">
+                        <a:latin typeface="Cambria Math" panose="02040503050406030204" pitchFamily="18" charset="0"/>
+                      </a:rPr>
+                      <m:t>=</m:t>
+                    </m:r>
+                    <m:f>
+                      <m:fPr>
+                        <m:ctrlPr>
+                          <a:rPr lang="en-US" sz="1400" i="1" smtClean="0">
+                            <a:latin typeface="Cambria Math" panose="02040503050406030204" pitchFamily="18" charset="0"/>
+                          </a:rPr>
+                        </m:ctrlPr>
+                      </m:fPr>
+                      <m:num>
+                        <m:r>
+                          <a:rPr lang="it-IT" sz="1400" b="0" i="1" smtClean="0">
+                            <a:latin typeface="Cambria Math" panose="02040503050406030204" pitchFamily="18" charset="0"/>
+                          </a:rPr>
+                          <m:t>𝐸𝑛𝑒𝑟𝑔𝑦𝑁𝑒𝑐𝑒𝑠𝑠𝑎𝑟𝑦</m:t>
+                        </m:r>
+                        <m:r>
+                          <a:rPr lang="it-IT" sz="1400" b="0" i="1" smtClean="0">
+                            <a:latin typeface="Cambria Math" panose="02040503050406030204" pitchFamily="18" charset="0"/>
+                          </a:rPr>
+                          <m:t>∗100</m:t>
+                        </m:r>
+                      </m:num>
+                      <m:den>
+                        <m:r>
+                          <a:rPr lang="it-IT" sz="1400" b="0" i="1" smtClean="0">
+                            <a:latin typeface="Cambria Math" panose="02040503050406030204" pitchFamily="18" charset="0"/>
+                          </a:rPr>
+                          <m:t>𝐵𝑎𝑡𝑡𝑒𝑟𝑦</m:t>
+                        </m:r>
+                        <m:r>
+                          <a:rPr lang="it-IT" sz="1400" b="0" i="1" smtClean="0">
+                            <a:latin typeface="Cambria Math" panose="02040503050406030204" pitchFamily="18" charset="0"/>
+                          </a:rPr>
+                          <m:t> </m:t>
+                        </m:r>
+                        <m:r>
+                          <a:rPr lang="it-IT" sz="1400" b="0" i="1" smtClean="0">
+                            <a:latin typeface="Cambria Math" panose="02040503050406030204" pitchFamily="18" charset="0"/>
+                          </a:rPr>
+                          <m:t>𝐶𝑎𝑝𝑎𝑐𝑖𝑡𝑦</m:t>
+                        </m:r>
+                      </m:den>
+                    </m:f>
+                  </m:oMath>
+                </a14:m>
+                <a:r>
+                  <a:rPr lang="en-US" sz="1400" dirty="0"/>
+                  <a:t> [%]</a:t>
+                </a:r>
+                <a:r>
+                  <a:rPr lang="en-US" dirty="0"/>
+                  <a:t> </a:t>
+                </a:r>
+                <a:endParaRPr lang="it-IT" dirty="0"/>
+              </a:p>
+            </p:txBody>
+          </p:sp>
+        </mc:Choice>
+        <mc:Fallback>
+          <p:sp>
+            <p:nvSpPr>
+              <p:cNvPr id="12" name="TextBox 11">
+                <a:extLst>
+                  <a:ext uri="{FF2B5EF4-FFF2-40B4-BE49-F238E27FC236}">
+                    <a16:creationId xmlns:a16="http://schemas.microsoft.com/office/drawing/2014/main" id="{4A37772F-F96C-46B7-B6BE-C8CC089D8439}"/>
+                  </a:ext>
+                </a:extLst>
+              </p:cNvPr>
+              <p:cNvSpPr txBox="1">
+                <a:spLocks noRot="1" noChangeAspect="1" noMove="1" noResize="1" noEditPoints="1" noAdjustHandles="1" noChangeArrowheads="1" noChangeShapeType="1" noTextEdit="1"/>
+              </p:cNvSpPr>
+              <p:nvPr/>
+            </p:nvSpPr>
+            <p:spPr>
+              <a:xfrm>
+                <a:off x="5987704" y="5587044"/>
+                <a:ext cx="2701252" cy="329962"/>
+              </a:xfrm>
+              <a:prstGeom prst="rect">
+                <a:avLst/>
+              </a:prstGeom>
+              <a:blipFill>
+                <a:blip r:embed="rId2"/>
+                <a:stretch>
+                  <a:fillRect l="-4063" t="-3704" b="-16667"/>
+                </a:stretch>
+              </a:blipFill>
+            </p:spPr>
+            <p:txBody>
+              <a:bodyPr/>
+              <a:lstStyle/>
+              <a:p>
+                <a:r>
+                  <a:rPr lang="it-IT">
+                    <a:noFill/>
+                  </a:rPr>
+                  <a:t> </a:t>
+                </a:r>
+              </a:p>
+            </p:txBody>
+          </p:sp>
+        </mc:Fallback>
+      </mc:AlternateContent>
+      <p:sp>
+        <p:nvSpPr>
+          <p:cNvPr id="13" name="TextBox 12">
+            <a:extLst>
+              <a:ext uri="{FF2B5EF4-FFF2-40B4-BE49-F238E27FC236}">
+                <a16:creationId xmlns:a16="http://schemas.microsoft.com/office/drawing/2014/main" id="{21C783CC-38A3-48D9-953A-0F95C88FA2DB}"/>
+              </a:ext>
+            </a:extLst>
+          </p:cNvPr>
+          <p:cNvSpPr txBox="1"/>
+          <p:nvPr/>
+        </p:nvSpPr>
+        <p:spPr>
+          <a:xfrm>
+            <a:off x="4105260" y="3012444"/>
+            <a:ext cx="592495" cy="369332"/>
+          </a:xfrm>
+          <a:prstGeom prst="rect">
+            <a:avLst/>
+          </a:prstGeom>
+          <a:noFill/>
+        </p:spPr>
+        <p:txBody>
+          <a:bodyPr wrap="square" rtlCol="0">
+            <a:spAutoFit/>
+          </a:bodyPr>
+          <a:lstStyle/>
+          <a:p>
+            <a:r>
+              <a:rPr lang="it-IT" b="1" dirty="0">
+                <a:solidFill>
+                  <a:srgbClr val="FF0000"/>
+                </a:solidFill>
+              </a:rPr>
+              <a:t>Yes</a:t>
+            </a:r>
+          </a:p>
+        </p:txBody>
+      </p:sp>
+      <p:sp>
+        <p:nvSpPr>
+          <p:cNvPr id="14" name="TextBox 13">
+            <a:extLst>
+              <a:ext uri="{FF2B5EF4-FFF2-40B4-BE49-F238E27FC236}">
+                <a16:creationId xmlns:a16="http://schemas.microsoft.com/office/drawing/2014/main" id="{BB9ED4D4-50BC-4687-9D91-406869BC868F}"/>
+              </a:ext>
+            </a:extLst>
+          </p:cNvPr>
+          <p:cNvSpPr txBox="1"/>
+          <p:nvPr/>
+        </p:nvSpPr>
+        <p:spPr>
+          <a:xfrm>
+            <a:off x="6942084" y="3015754"/>
+            <a:ext cx="592495" cy="369332"/>
+          </a:xfrm>
+          <a:prstGeom prst="rect">
+            <a:avLst/>
+          </a:prstGeom>
+          <a:noFill/>
+        </p:spPr>
+        <p:txBody>
+          <a:bodyPr wrap="square" rtlCol="0">
+            <a:spAutoFit/>
+          </a:bodyPr>
+          <a:lstStyle/>
+          <a:p>
+            <a:r>
+              <a:rPr lang="it-IT" dirty="0">
+                <a:solidFill>
+                  <a:srgbClr val="00B050"/>
+                </a:solidFill>
+              </a:rPr>
+              <a:t>No</a:t>
+            </a:r>
+          </a:p>
+        </p:txBody>
+      </p:sp>
+      <p:sp>
+        <p:nvSpPr>
+          <p:cNvPr id="28" name="TextBox 27">
+            <a:extLst>
+              <a:ext uri="{FF2B5EF4-FFF2-40B4-BE49-F238E27FC236}">
+                <a16:creationId xmlns:a16="http://schemas.microsoft.com/office/drawing/2014/main" id="{2BF43592-22B9-40FC-8A44-5B12475B66C5}"/>
+              </a:ext>
+            </a:extLst>
+          </p:cNvPr>
+          <p:cNvSpPr txBox="1"/>
+          <p:nvPr/>
+        </p:nvSpPr>
+        <p:spPr>
+          <a:xfrm>
+            <a:off x="3332917" y="1243225"/>
+            <a:ext cx="2218609" cy="307777"/>
+          </a:xfrm>
+          <a:prstGeom prst="rect">
+            <a:avLst/>
+          </a:prstGeom>
+          <a:noFill/>
+          <a:ln>
+            <a:solidFill>
+              <a:schemeClr val="bg2">
+                <a:lumMod val="25000"/>
+              </a:schemeClr>
+            </a:solidFill>
+          </a:ln>
+        </p:spPr>
+        <p:txBody>
+          <a:bodyPr wrap="square" rtlCol="0">
+            <a:spAutoFit/>
+          </a:bodyPr>
+          <a:lstStyle/>
+          <a:p>
+            <a:r>
+              <a:rPr lang="it-IT" sz="1400" dirty="0" err="1"/>
+              <a:t>Battery</a:t>
+            </a:r>
+            <a:r>
+              <a:rPr lang="it-IT" sz="1400" dirty="0"/>
+              <a:t> </a:t>
+            </a:r>
+            <a:r>
+              <a:rPr lang="it-IT" sz="1400" dirty="0" err="1"/>
+              <a:t>Capacity</a:t>
+            </a:r>
+            <a:r>
+              <a:rPr lang="it-IT" sz="1400" dirty="0"/>
+              <a:t> (KWh)</a:t>
+            </a:r>
+          </a:p>
+        </p:txBody>
+      </p:sp>
+      <mc:AlternateContent xmlns:mc="http://schemas.openxmlformats.org/markup-compatibility/2006">
+        <mc:Choice xmlns:a14="http://schemas.microsoft.com/office/drawing/2010/main" Requires="a14">
+          <p:sp>
+            <p:nvSpPr>
+              <p:cNvPr id="29" name="TextBox 28">
+                <a:extLst>
+                  <a:ext uri="{FF2B5EF4-FFF2-40B4-BE49-F238E27FC236}">
+                    <a16:creationId xmlns:a16="http://schemas.microsoft.com/office/drawing/2014/main" id="{A3F4E6DF-4A3D-4B45-B310-E23BB30E9CD1}"/>
+                  </a:ext>
+                </a:extLst>
+              </p:cNvPr>
+              <p:cNvSpPr txBox="1"/>
+              <p:nvPr/>
+            </p:nvSpPr>
+            <p:spPr>
+              <a:xfrm>
+                <a:off x="5747282" y="5104053"/>
+                <a:ext cx="3529437" cy="334322"/>
+              </a:xfrm>
+              <a:prstGeom prst="rect">
+                <a:avLst/>
+              </a:prstGeom>
+              <a:noFill/>
+            </p:spPr>
+            <p:txBody>
+              <a:bodyPr wrap="square" lIns="0" tIns="0" rIns="0" bIns="0" rtlCol="0">
+                <a:spAutoFit/>
+              </a:bodyPr>
+              <a:lstStyle/>
+              <a:p>
+                <a:r>
+                  <a:rPr lang="en-US" sz="1400" dirty="0"/>
+                  <a:t>EnergyNecessary </a:t>
+                </a:r>
+                <a14:m>
+                  <m:oMath xmlns:m="http://schemas.openxmlformats.org/officeDocument/2006/math">
+                    <m:r>
+                      <a:rPr lang="en-US" sz="1400" i="1" smtClean="0">
+                        <a:latin typeface="Cambria Math" panose="02040503050406030204" pitchFamily="18" charset="0"/>
+                      </a:rPr>
+                      <m:t>=</m:t>
+                    </m:r>
+                    <m:f>
+                      <m:fPr>
+                        <m:ctrlPr>
+                          <a:rPr lang="en-US" sz="1400" i="1" smtClean="0">
+                            <a:latin typeface="Cambria Math" panose="02040503050406030204" pitchFamily="18" charset="0"/>
+                          </a:rPr>
+                        </m:ctrlPr>
+                      </m:fPr>
+                      <m:num>
+                        <m:r>
+                          <a:rPr lang="it-IT" sz="1400" b="0" i="1" smtClean="0">
+                            <a:latin typeface="Cambria Math" panose="02040503050406030204" pitchFamily="18" charset="0"/>
+                          </a:rPr>
+                          <m:t>𝑁𝑢𝑚𝑏𝑒𝑟𝐾𝑚𝑃𝑒𝑟𝐷𝑎𝑦</m:t>
+                        </m:r>
+                      </m:num>
+                      <m:den>
+                        <m:r>
+                          <a:rPr lang="it-IT" sz="1400" b="0" i="1" smtClean="0">
+                            <a:latin typeface="Cambria Math" panose="02040503050406030204" pitchFamily="18" charset="0"/>
+                          </a:rPr>
+                          <m:t>𝐵𝑎𝑡𝑡𝑒𝑟𝑦</m:t>
+                        </m:r>
+                        <m:r>
+                          <a:rPr lang="it-IT" sz="1400" b="0" i="1" smtClean="0">
+                            <a:latin typeface="Cambria Math" panose="02040503050406030204" pitchFamily="18" charset="0"/>
+                          </a:rPr>
+                          <m:t> </m:t>
+                        </m:r>
+                        <m:r>
+                          <a:rPr lang="it-IT" sz="1400" b="0" i="1" smtClean="0">
+                            <a:latin typeface="Cambria Math" panose="02040503050406030204" pitchFamily="18" charset="0"/>
+                          </a:rPr>
+                          <m:t>𝐶𝑜𝑛𝑠𝑢𝑚𝑝𝑡𝑖𝑜𝑛</m:t>
+                        </m:r>
+                      </m:den>
+                    </m:f>
+                  </m:oMath>
+                </a14:m>
+                <a:r>
+                  <a:rPr lang="en-US" sz="1400" dirty="0"/>
+                  <a:t>[</a:t>
+                </a:r>
+                <a:r>
+                  <a:rPr lang="en-US" sz="1400" dirty="0" err="1"/>
+                  <a:t>KWh</a:t>
+                </a:r>
+                <a:r>
+                  <a:rPr lang="en-US" sz="1400" dirty="0"/>
+                  <a:t>]</a:t>
+                </a:r>
+                <a:endParaRPr lang="it-IT" sz="1400" dirty="0"/>
+              </a:p>
+            </p:txBody>
+          </p:sp>
+        </mc:Choice>
+        <mc:Fallback>
+          <p:sp>
+            <p:nvSpPr>
+              <p:cNvPr id="29" name="TextBox 28">
+                <a:extLst>
+                  <a:ext uri="{FF2B5EF4-FFF2-40B4-BE49-F238E27FC236}">
+                    <a16:creationId xmlns:a16="http://schemas.microsoft.com/office/drawing/2014/main" id="{A3F4E6DF-4A3D-4B45-B310-E23BB30E9CD1}"/>
+                  </a:ext>
+                </a:extLst>
+              </p:cNvPr>
+              <p:cNvSpPr txBox="1">
+                <a:spLocks noRot="1" noChangeAspect="1" noMove="1" noResize="1" noEditPoints="1" noAdjustHandles="1" noChangeArrowheads="1" noChangeShapeType="1" noTextEdit="1"/>
+              </p:cNvSpPr>
+              <p:nvPr/>
+            </p:nvSpPr>
+            <p:spPr>
+              <a:xfrm>
+                <a:off x="5747282" y="5104053"/>
+                <a:ext cx="3529437" cy="334322"/>
+              </a:xfrm>
+              <a:prstGeom prst="rect">
+                <a:avLst/>
+              </a:prstGeom>
+              <a:blipFill>
+                <a:blip r:embed="rId3"/>
+                <a:stretch>
+                  <a:fillRect l="-3109" b="-18182"/>
+                </a:stretch>
+              </a:blipFill>
+            </p:spPr>
+            <p:txBody>
+              <a:bodyPr/>
+              <a:lstStyle/>
+              <a:p>
+                <a:r>
+                  <a:rPr lang="it-IT">
+                    <a:noFill/>
+                  </a:rPr>
+                  <a:t> </a:t>
+                </a:r>
+              </a:p>
+            </p:txBody>
+          </p:sp>
+        </mc:Fallback>
+      </mc:AlternateContent>
+    </p:spTree>
+    <p:extLst>
+      <p:ext uri="{BB962C8B-B14F-4D97-AF65-F5344CB8AC3E}">
+        <p14:creationId xmlns:p14="http://schemas.microsoft.com/office/powerpoint/2010/main" val="1826399531"/>
       </p:ext>
     </p:extLst>
   </p:cSld>
